--- a/Leaplist.pptx
+++ b/Leaplist.pptx
@@ -5,12 +5,20 @@
     <p:sldMasterId id="2147483648" r:id="rId1"/>
   </p:sldMasterIdLst>
   <p:notesMasterIdLst>
-    <p:notesMasterId r:id="rId5"/>
+    <p:notesMasterId r:id="rId13"/>
   </p:notesMasterIdLst>
   <p:sldIdLst>
     <p:sldId id="256" r:id="rId2"/>
     <p:sldId id="257" r:id="rId3"/>
-    <p:sldId id="258" r:id="rId4"/>
+    <p:sldId id="262" r:id="rId4"/>
+    <p:sldId id="258" r:id="rId5"/>
+    <p:sldId id="259" r:id="rId6"/>
+    <p:sldId id="260" r:id="rId7"/>
+    <p:sldId id="261" r:id="rId8"/>
+    <p:sldId id="263" r:id="rId9"/>
+    <p:sldId id="264" r:id="rId10"/>
+    <p:sldId id="266" r:id="rId11"/>
+    <p:sldId id="265" r:id="rId12"/>
   </p:sldIdLst>
   <p:sldSz cx="9144000" cy="6858000" type="screen4x3"/>
   <p:notesSz cx="6858000" cy="9144000"/>
@@ -109,6 +117,22 @@
       </a:defRPr>
     </a:lvl9pPr>
   </p:defaultTextStyle>
+  <p:extLst>
+    <p:ext uri="{EFAFB233-063F-42B5-8137-9DF3F51BA10A}">
+      <p15:sldGuideLst xmlns:p15="http://schemas.microsoft.com/office/powerpoint/2012/main">
+        <p15:guide id="1" orient="horz" pos="2160">
+          <p15:clr>
+            <a:srgbClr val="A4A3A4"/>
+          </p15:clr>
+        </p15:guide>
+        <p15:guide id="2" pos="2880">
+          <p15:clr>
+            <a:srgbClr val="A4A3A4"/>
+          </p15:clr>
+        </p15:guide>
+      </p15:sldGuideLst>
+    </p:ext>
+  </p:extLst>
 </p:presentation>
 </file>
 
@@ -720,7 +744,7 @@
           <a:p>
             <a:fld id="{A443820A-E210-4051-B304-0A0745D97E69}" type="slidenum">
               <a:rPr lang="en-US" smtClean="0"/>
-              <a:t>3</a:t>
+              <a:t>4</a:t>
             </a:fld>
             <a:endParaRPr lang="en-US"/>
           </a:p>
@@ -3713,6 +3737,20 @@
 <file path=ppt/slides/slide1.xml><?xml version="1.0" encoding="utf-8"?>
 <p:sld xmlns:a="http://schemas.openxmlformats.org/drawingml/2006/main" xmlns:r="http://schemas.openxmlformats.org/officeDocument/2006/relationships" xmlns:p="http://schemas.openxmlformats.org/presentationml/2006/main">
   <p:cSld>
+    <p:bg>
+      <p:bgPr>
+        <a:blipFill dpi="0" rotWithShape="1">
+          <a:blip r:embed="rId3">
+            <a:lum/>
+          </a:blip>
+          <a:srcRect/>
+          <a:stretch>
+            <a:fillRect l="-10000" r="-10000"/>
+          </a:stretch>
+        </a:blipFill>
+        <a:effectLst/>
+      </p:bgPr>
+    </p:bg>
     <p:spTree>
       <p:nvGrpSpPr>
         <p:cNvPr id="1" name=""/>
@@ -3727,47 +3765,6 @@
           <a:chExt cx="0" cy="0"/>
         </a:xfrm>
       </p:grpSpPr>
-      <p:pic>
-        <p:nvPicPr>
-          <p:cNvPr id="1026" name="Picture 2" descr="http://a357.phobos.apple.com/us/r1000/109/Purple/v4/f6/66/67/f66667d8-2abe-1524-5782-2dc147d32688/mzl.yngdfviq.png"/>
-          <p:cNvPicPr>
-            <a:picLocks noChangeAspect="1" noChangeArrowheads="1"/>
-          </p:cNvPicPr>
-          <p:nvPr/>
-        </p:nvPicPr>
-        <p:blipFill>
-          <a:blip r:embed="rId3">
-            <a:extLst>
-              <a:ext uri="{28A0092B-C50C-407E-A947-70E740481C1C}">
-                <a14:useLocalDpi xmlns:a14="http://schemas.microsoft.com/office/drawing/2010/main" val="0"/>
-              </a:ext>
-            </a:extLst>
-          </a:blip>
-          <a:srcRect/>
-          <a:stretch>
-            <a:fillRect/>
-          </a:stretch>
-        </p:blipFill>
-        <p:spPr bwMode="auto">
-          <a:xfrm>
-            <a:off x="2743200" y="1981200"/>
-            <a:ext cx="4267199" cy="4267200"/>
-          </a:xfrm>
-          <a:prstGeom prst="rect">
-            <a:avLst/>
-          </a:prstGeom>
-          <a:noFill/>
-          <a:extLst>
-            <a:ext uri="{909E8E84-426E-40DD-AFC4-6F175D3DCCD1}">
-              <a14:hiddenFill xmlns:a14="http://schemas.microsoft.com/office/drawing/2010/main">
-                <a:solidFill>
-                  <a:srgbClr val="FFFFFF"/>
-                </a:solidFill>
-              </a14:hiddenFill>
-            </a:ext>
-          </a:extLst>
-        </p:spPr>
-      </p:pic>
       <p:sp>
         <p:nvSpPr>
           <p:cNvPr id="2" name="Title 1"/>
@@ -3780,19 +3777,29 @@
         </p:nvSpPr>
         <p:spPr>
           <a:xfrm>
-            <a:off x="838200" y="152400"/>
+            <a:off x="762000" y="2286000"/>
             <a:ext cx="7772400" cy="1470025"/>
           </a:xfrm>
         </p:spPr>
         <p:txBody>
-          <a:bodyPr/>
+          <a:bodyPr>
+            <a:normAutofit fontScale="90000"/>
+          </a:bodyPr>
           <a:lstStyle/>
           <a:p>
             <a:r>
-              <a:rPr lang="en-US" sz="8000" dirty="0" smtClean="0"/>
+              <a:rPr lang="en-US" sz="15000" dirty="0" smtClean="0">
+                <a:solidFill>
+                  <a:srgbClr val="C00000"/>
+                </a:solidFill>
+              </a:rPr>
               <a:t>Leap-List</a:t>
             </a:r>
-            <a:endParaRPr lang="en-US" dirty="0"/>
+            <a:endParaRPr lang="en-US" sz="15000" dirty="0">
+              <a:solidFill>
+                <a:srgbClr val="C00000"/>
+              </a:solidFill>
+            </a:endParaRPr>
           </a:p>
         </p:txBody>
       </p:sp>
@@ -3816,9 +3823,43 @@
 </p:sld>
 </file>
 
-<file path=ppt/slides/slide2.xml><?xml version="1.0" encoding="utf-8"?>
+<file path=ppt/slides/slide10.xml><?xml version="1.0" encoding="utf-8"?>
 <p:sld xmlns:a="http://schemas.openxmlformats.org/drawingml/2006/main" xmlns:r="http://schemas.openxmlformats.org/officeDocument/2006/relationships" xmlns:p="http://schemas.openxmlformats.org/presentationml/2006/main">
   <p:cSld>
+    <p:bg>
+      <p:bgPr>
+        <a:gradFill>
+          <a:gsLst>
+            <a:gs pos="62000">
+              <a:schemeClr val="accent1">
+                <a:lumMod val="5000"/>
+                <a:lumOff val="95000"/>
+              </a:schemeClr>
+            </a:gs>
+            <a:gs pos="74000">
+              <a:schemeClr val="accent1">
+                <a:lumMod val="45000"/>
+                <a:lumOff val="55000"/>
+              </a:schemeClr>
+            </a:gs>
+            <a:gs pos="83000">
+              <a:schemeClr val="accent1">
+                <a:lumMod val="45000"/>
+                <a:lumOff val="55000"/>
+              </a:schemeClr>
+            </a:gs>
+            <a:gs pos="100000">
+              <a:schemeClr val="accent1">
+                <a:lumMod val="30000"/>
+                <a:lumOff val="70000"/>
+              </a:schemeClr>
+            </a:gs>
+          </a:gsLst>
+          <a:lin ang="5400000" scaled="1"/>
+        </a:gradFill>
+        <a:effectLst/>
+      </p:bgPr>
+    </p:bg>
     <p:spTree>
       <p:nvGrpSpPr>
         <p:cNvPr id="1" name=""/>
@@ -3849,10 +3890,198 @@
           <a:lstStyle/>
           <a:p>
             <a:r>
-              <a:rPr lang="en-US" dirty="0" smtClean="0"/>
+              <a:rPr lang="en-US" dirty="0" err="1" smtClean="0">
+                <a:solidFill>
+                  <a:srgbClr val="C00000"/>
+                </a:solidFill>
+              </a:rPr>
+              <a:t>Diffrences</a:t>
+            </a:r>
+            <a:r>
+              <a:rPr lang="en-US" dirty="0" smtClean="0">
+                <a:solidFill>
+                  <a:srgbClr val="C00000"/>
+                </a:solidFill>
+              </a:rPr>
+              <a:t> between “C” and “Java”</a:t>
+            </a:r>
+            <a:endParaRPr lang="en-US" dirty="0">
+              <a:solidFill>
+                <a:srgbClr val="C00000"/>
+              </a:solidFill>
+            </a:endParaRPr>
+          </a:p>
+        </p:txBody>
+      </p:sp>
+      <p:sp>
+        <p:nvSpPr>
+          <p:cNvPr id="3" name="Content Placeholder 2"/>
+          <p:cNvSpPr>
+            <a:spLocks noGrp="1"/>
+          </p:cNvSpPr>
+          <p:nvPr>
+            <p:ph idx="1"/>
+          </p:nvPr>
+        </p:nvSpPr>
+        <p:spPr/>
+        <p:txBody>
+          <a:bodyPr/>
+          <a:lstStyle/>
+          <a:p>
+            <a:endParaRPr lang="en-US"/>
+          </a:p>
+        </p:txBody>
+      </p:sp>
+    </p:spTree>
+    <p:extLst>
+      <p:ext uri="{BB962C8B-B14F-4D97-AF65-F5344CB8AC3E}">
+        <p14:creationId xmlns:p14="http://schemas.microsoft.com/office/powerpoint/2010/main" val="3327438186"/>
+      </p:ext>
+    </p:extLst>
+  </p:cSld>
+  <p:clrMapOvr>
+    <a:masterClrMapping/>
+  </p:clrMapOvr>
+  <p:timing>
+    <p:tnLst>
+      <p:par>
+        <p:cTn id="1" dur="indefinite" restart="never" nodeType="tmRoot"/>
+      </p:par>
+    </p:tnLst>
+  </p:timing>
+</p:sld>
+</file>
+
+<file path=ppt/slides/slide11.xml><?xml version="1.0" encoding="utf-8"?>
+<p:sld xmlns:a="http://schemas.openxmlformats.org/drawingml/2006/main" xmlns:r="http://schemas.openxmlformats.org/officeDocument/2006/relationships" xmlns:p="http://schemas.openxmlformats.org/presentationml/2006/main">
+  <p:cSld>
+    <p:bg>
+      <p:bgPr>
+        <a:blipFill dpi="0" rotWithShape="1">
+          <a:blip r:embed="rId2">
+            <a:lum/>
+          </a:blip>
+          <a:srcRect/>
+          <a:stretch>
+            <a:fillRect/>
+          </a:stretch>
+        </a:blipFill>
+        <a:effectLst/>
+      </p:bgPr>
+    </p:bg>
+    <p:spTree>
+      <p:nvGrpSpPr>
+        <p:cNvPr id="1" name=""/>
+        <p:cNvGrpSpPr/>
+        <p:nvPr/>
+      </p:nvGrpSpPr>
+      <p:grpSpPr>
+        <a:xfrm>
+          <a:off x="0" y="0"/>
+          <a:ext cx="0" cy="0"/>
+          <a:chOff x="0" y="0"/>
+          <a:chExt cx="0" cy="0"/>
+        </a:xfrm>
+      </p:grpSpPr>
+    </p:spTree>
+    <p:extLst>
+      <p:ext uri="{BB962C8B-B14F-4D97-AF65-F5344CB8AC3E}">
+        <p14:creationId xmlns:p14="http://schemas.microsoft.com/office/powerpoint/2010/main" val="2352460200"/>
+      </p:ext>
+    </p:extLst>
+  </p:cSld>
+  <p:clrMapOvr>
+    <a:masterClrMapping/>
+  </p:clrMapOvr>
+  <p:timing>
+    <p:tnLst>
+      <p:par>
+        <p:cTn id="1" dur="indefinite" restart="never" nodeType="tmRoot"/>
+      </p:par>
+    </p:tnLst>
+  </p:timing>
+</p:sld>
+</file>
+
+<file path=ppt/slides/slide2.xml><?xml version="1.0" encoding="utf-8"?>
+<p:sld xmlns:a="http://schemas.openxmlformats.org/drawingml/2006/main" xmlns:r="http://schemas.openxmlformats.org/officeDocument/2006/relationships" xmlns:p="http://schemas.openxmlformats.org/presentationml/2006/main">
+  <p:cSld>
+    <p:bg>
+      <p:bgPr>
+        <a:gradFill>
+          <a:gsLst>
+            <a:gs pos="51000">
+              <a:schemeClr val="accent1">
+                <a:lumMod val="5000"/>
+                <a:lumOff val="95000"/>
+              </a:schemeClr>
+            </a:gs>
+            <a:gs pos="74000">
+              <a:schemeClr val="accent1">
+                <a:lumMod val="45000"/>
+                <a:lumOff val="55000"/>
+              </a:schemeClr>
+            </a:gs>
+            <a:gs pos="83000">
+              <a:schemeClr val="accent1">
+                <a:lumMod val="45000"/>
+                <a:lumOff val="55000"/>
+              </a:schemeClr>
+            </a:gs>
+            <a:gs pos="100000">
+              <a:schemeClr val="accent1">
+                <a:lumMod val="30000"/>
+                <a:lumOff val="70000"/>
+              </a:schemeClr>
+            </a:gs>
+          </a:gsLst>
+          <a:lin ang="5400000" scaled="1"/>
+        </a:gradFill>
+        <a:effectLst/>
+      </p:bgPr>
+    </p:bg>
+    <p:spTree>
+      <p:nvGrpSpPr>
+        <p:cNvPr id="1" name=""/>
+        <p:cNvGrpSpPr/>
+        <p:nvPr/>
+      </p:nvGrpSpPr>
+      <p:grpSpPr>
+        <a:xfrm>
+          <a:off x="0" y="0"/>
+          <a:ext cx="0" cy="0"/>
+          <a:chOff x="0" y="0"/>
+          <a:chExt cx="0" cy="0"/>
+        </a:xfrm>
+      </p:grpSpPr>
+      <p:sp>
+        <p:nvSpPr>
+          <p:cNvPr id="2" name="Title 1"/>
+          <p:cNvSpPr>
+            <a:spLocks noGrp="1"/>
+          </p:cNvSpPr>
+          <p:nvPr>
+            <p:ph type="title"/>
+          </p:nvPr>
+        </p:nvSpPr>
+        <p:spPr/>
+        <p:txBody>
+          <a:bodyPr/>
+          <a:lstStyle/>
+          <a:p>
+            <a:r>
+              <a:rPr lang="en-US" dirty="0" smtClean="0">
+                <a:solidFill>
+                  <a:srgbClr val="C00000"/>
+                </a:solidFill>
+              </a:rPr>
               <a:t>What is a Leap-List</a:t>
             </a:r>
-            <a:endParaRPr lang="en-US" dirty="0"/>
+            <a:endParaRPr lang="en-US" dirty="0">
+              <a:solidFill>
+                <a:srgbClr val="C00000"/>
+              </a:solidFill>
+            </a:endParaRPr>
           </a:p>
         </p:txBody>
       </p:sp>
@@ -3874,20 +4103,31 @@
         </p:spPr>
         <p:txBody>
           <a:bodyPr>
-            <a:normAutofit fontScale="85000" lnSpcReduction="20000"/>
+            <a:normAutofit fontScale="92500" lnSpcReduction="20000"/>
           </a:bodyPr>
           <a:lstStyle/>
           <a:p>
             <a:r>
               <a:rPr lang="en-US" dirty="0" smtClean="0"/>
-              <a:t>It’s basically a skip list which has a set of key-value pairs in each node. When each node has a “high” attribute which specifics the highest key possible  in the node.</a:t>
+              <a:t>It’s basically a skip list which has a set of key-value pairs in each node. </a:t>
             </a:r>
           </a:p>
           <a:p>
             <a:r>
               <a:rPr lang="en-US" dirty="0" smtClean="0"/>
-              <a:t>What’s a skip list?</a:t>
-            </a:r>
+              <a:t>What’s a skip list</a:t>
+            </a:r>
+            <a:r>
+              <a:rPr lang="en-US" dirty="0" smtClean="0"/>
+              <a:t>?</a:t>
+            </a:r>
+          </a:p>
+          <a:p>
+            <a:r>
+              <a:rPr lang="en-US" dirty="0" smtClean="0"/>
+              <a:t>Our data structure is base on a set of n Leap-Lists. </a:t>
+            </a:r>
+            <a:endParaRPr lang="en-US" dirty="0" smtClean="0"/>
           </a:p>
           <a:p>
             <a:endParaRPr lang="en-US" dirty="0"/>
@@ -3917,7 +4157,7 @@
         </p:blipFill>
         <p:spPr bwMode="auto">
           <a:xfrm>
-            <a:off x="838200" y="3429000"/>
+            <a:off x="872844" y="4038600"/>
             <a:ext cx="7813956" cy="1828800"/>
           </a:xfrm>
           <a:prstGeom prst="rect">
@@ -3948,9 +4188,218 @@
   <p:timing>
     <p:tnLst>
       <p:par>
-        <p:cTn id="1" dur="indefinite" restart="never" nodeType="tmRoot"/>
+        <p:cTn id="1" dur="indefinite" restart="never" nodeType="tmRoot">
+          <p:childTnLst>
+            <p:seq concurrent="1" nextAc="seek">
+              <p:cTn id="2" dur="indefinite" nodeType="mainSeq">
+                <p:childTnLst>
+                  <p:par>
+                    <p:cTn id="3" fill="hold">
+                      <p:stCondLst>
+                        <p:cond delay="indefinite"/>
+                      </p:stCondLst>
+                      <p:childTnLst>
+                        <p:par>
+                          <p:cTn id="4" fill="hold">
+                            <p:stCondLst>
+                              <p:cond delay="0"/>
+                            </p:stCondLst>
+                            <p:childTnLst>
+                              <p:par>
+                                <p:cTn id="5" presetID="10" presetClass="entr" presetSubtype="0" fill="hold" grpId="0" nodeType="clickEffect">
+                                  <p:stCondLst>
+                                    <p:cond delay="0"/>
+                                  </p:stCondLst>
+                                  <p:childTnLst>
+                                    <p:set>
+                                      <p:cBhvr>
+                                        <p:cTn id="6" dur="1" fill="hold">
+                                          <p:stCondLst>
+                                            <p:cond delay="0"/>
+                                          </p:stCondLst>
+                                        </p:cTn>
+                                        <p:tgtEl>
+                                          <p:spTgt spid="3">
+                                            <p:txEl>
+                                              <p:pRg st="0" end="0"/>
+                                            </p:txEl>
+                                          </p:spTgt>
+                                        </p:tgtEl>
+                                        <p:attrNameLst>
+                                          <p:attrName>style.visibility</p:attrName>
+                                        </p:attrNameLst>
+                                      </p:cBhvr>
+                                      <p:to>
+                                        <p:strVal val="visible"/>
+                                      </p:to>
+                                    </p:set>
+                                    <p:animEffect transition="in" filter="fade">
+                                      <p:cBhvr>
+                                        <p:cTn id="7" dur="500"/>
+                                        <p:tgtEl>
+                                          <p:spTgt spid="3">
+                                            <p:txEl>
+                                              <p:pRg st="0" end="0"/>
+                                            </p:txEl>
+                                          </p:spTgt>
+                                        </p:tgtEl>
+                                      </p:cBhvr>
+                                    </p:animEffect>
+                                  </p:childTnLst>
+                                </p:cTn>
+                              </p:par>
+                            </p:childTnLst>
+                          </p:cTn>
+                        </p:par>
+                      </p:childTnLst>
+                    </p:cTn>
+                  </p:par>
+                  <p:par>
+                    <p:cTn id="8" fill="hold">
+                      <p:stCondLst>
+                        <p:cond delay="indefinite"/>
+                      </p:stCondLst>
+                      <p:childTnLst>
+                        <p:par>
+                          <p:cTn id="9" fill="hold">
+                            <p:stCondLst>
+                              <p:cond delay="0"/>
+                            </p:stCondLst>
+                            <p:childTnLst>
+                              <p:par>
+                                <p:cTn id="10" presetID="10" presetClass="entr" presetSubtype="0" fill="hold" grpId="0" nodeType="clickEffect">
+                                  <p:stCondLst>
+                                    <p:cond delay="0"/>
+                                  </p:stCondLst>
+                                  <p:childTnLst>
+                                    <p:set>
+                                      <p:cBhvr>
+                                        <p:cTn id="11" dur="1" fill="hold">
+                                          <p:stCondLst>
+                                            <p:cond delay="0"/>
+                                          </p:stCondLst>
+                                        </p:cTn>
+                                        <p:tgtEl>
+                                          <p:spTgt spid="3">
+                                            <p:txEl>
+                                              <p:pRg st="1" end="1"/>
+                                            </p:txEl>
+                                          </p:spTgt>
+                                        </p:tgtEl>
+                                        <p:attrNameLst>
+                                          <p:attrName>style.visibility</p:attrName>
+                                        </p:attrNameLst>
+                                      </p:cBhvr>
+                                      <p:to>
+                                        <p:strVal val="visible"/>
+                                      </p:to>
+                                    </p:set>
+                                    <p:animEffect transition="in" filter="fade">
+                                      <p:cBhvr>
+                                        <p:cTn id="12" dur="500"/>
+                                        <p:tgtEl>
+                                          <p:spTgt spid="3">
+                                            <p:txEl>
+                                              <p:pRg st="1" end="1"/>
+                                            </p:txEl>
+                                          </p:spTgt>
+                                        </p:tgtEl>
+                                      </p:cBhvr>
+                                    </p:animEffect>
+                                  </p:childTnLst>
+                                </p:cTn>
+                              </p:par>
+                            </p:childTnLst>
+                          </p:cTn>
+                        </p:par>
+                      </p:childTnLst>
+                    </p:cTn>
+                  </p:par>
+                  <p:par>
+                    <p:cTn id="13" fill="hold">
+                      <p:stCondLst>
+                        <p:cond delay="indefinite"/>
+                      </p:stCondLst>
+                      <p:childTnLst>
+                        <p:par>
+                          <p:cTn id="14" fill="hold">
+                            <p:stCondLst>
+                              <p:cond delay="0"/>
+                            </p:stCondLst>
+                            <p:childTnLst>
+                              <p:par>
+                                <p:cTn id="15" presetID="10" presetClass="entr" presetSubtype="0" fill="hold" grpId="0" nodeType="clickEffect">
+                                  <p:stCondLst>
+                                    <p:cond delay="0"/>
+                                  </p:stCondLst>
+                                  <p:childTnLst>
+                                    <p:set>
+                                      <p:cBhvr>
+                                        <p:cTn id="16" dur="1" fill="hold">
+                                          <p:stCondLst>
+                                            <p:cond delay="0"/>
+                                          </p:stCondLst>
+                                        </p:cTn>
+                                        <p:tgtEl>
+                                          <p:spTgt spid="3">
+                                            <p:txEl>
+                                              <p:pRg st="2" end="2"/>
+                                            </p:txEl>
+                                          </p:spTgt>
+                                        </p:tgtEl>
+                                        <p:attrNameLst>
+                                          <p:attrName>style.visibility</p:attrName>
+                                        </p:attrNameLst>
+                                      </p:cBhvr>
+                                      <p:to>
+                                        <p:strVal val="visible"/>
+                                      </p:to>
+                                    </p:set>
+                                    <p:animEffect transition="in" filter="fade">
+                                      <p:cBhvr>
+                                        <p:cTn id="17" dur="500"/>
+                                        <p:tgtEl>
+                                          <p:spTgt spid="3">
+                                            <p:txEl>
+                                              <p:pRg st="2" end="2"/>
+                                            </p:txEl>
+                                          </p:spTgt>
+                                        </p:tgtEl>
+                                      </p:cBhvr>
+                                    </p:animEffect>
+                                  </p:childTnLst>
+                                </p:cTn>
+                              </p:par>
+                            </p:childTnLst>
+                          </p:cTn>
+                        </p:par>
+                      </p:childTnLst>
+                    </p:cTn>
+                  </p:par>
+                </p:childTnLst>
+              </p:cTn>
+              <p:prevCondLst>
+                <p:cond evt="onPrev" delay="0">
+                  <p:tgtEl>
+                    <p:sldTgt/>
+                  </p:tgtEl>
+                </p:cond>
+              </p:prevCondLst>
+              <p:nextCondLst>
+                <p:cond evt="onNext" delay="0">
+                  <p:tgtEl>
+                    <p:sldTgt/>
+                  </p:tgtEl>
+                </p:cond>
+              </p:nextCondLst>
+            </p:seq>
+          </p:childTnLst>
+        </p:cTn>
       </p:par>
     </p:tnLst>
+    <p:bldLst>
+      <p:bldP spid="3" grpId="0" build="p"/>
+    </p:bldLst>
   </p:timing>
 </p:sld>
 </file>
@@ -3958,6 +4407,40 @@
 <file path=ppt/slides/slide3.xml><?xml version="1.0" encoding="utf-8"?>
 <p:sld xmlns:a="http://schemas.openxmlformats.org/drawingml/2006/main" xmlns:r="http://schemas.openxmlformats.org/officeDocument/2006/relationships" xmlns:p="http://schemas.openxmlformats.org/presentationml/2006/main">
   <p:cSld>
+    <p:bg>
+      <p:bgPr>
+        <a:gradFill>
+          <a:gsLst>
+            <a:gs pos="51000">
+              <a:schemeClr val="accent1">
+                <a:lumMod val="5000"/>
+                <a:lumOff val="95000"/>
+              </a:schemeClr>
+            </a:gs>
+            <a:gs pos="74000">
+              <a:schemeClr val="accent1">
+                <a:lumMod val="45000"/>
+                <a:lumOff val="55000"/>
+              </a:schemeClr>
+            </a:gs>
+            <a:gs pos="83000">
+              <a:schemeClr val="accent1">
+                <a:lumMod val="45000"/>
+                <a:lumOff val="55000"/>
+              </a:schemeClr>
+            </a:gs>
+            <a:gs pos="100000">
+              <a:schemeClr val="accent1">
+                <a:lumMod val="30000"/>
+                <a:lumOff val="70000"/>
+              </a:schemeClr>
+            </a:gs>
+          </a:gsLst>
+          <a:lin ang="5400000" scaled="1"/>
+        </a:gradFill>
+        <a:effectLst/>
+      </p:bgPr>
+    </p:bg>
     <p:spTree>
       <p:nvGrpSpPr>
         <p:cNvPr id="1" name=""/>
@@ -3972,6 +4455,137 @@
           <a:chExt cx="0" cy="0"/>
         </a:xfrm>
       </p:grpSpPr>
+      <p:pic>
+        <p:nvPicPr>
+          <p:cNvPr id="4" name="Picture 3"/>
+          <p:cNvPicPr>
+            <a:picLocks noChangeAspect="1"/>
+          </p:cNvPicPr>
+          <p:nvPr/>
+        </p:nvPicPr>
+        <p:blipFill>
+          <a:blip r:embed="rId2"/>
+          <a:stretch>
+            <a:fillRect/>
+          </a:stretch>
+        </p:blipFill>
+        <p:spPr>
+          <a:xfrm>
+            <a:off x="0" y="2376487"/>
+            <a:ext cx="9144000" cy="4590143"/>
+          </a:xfrm>
+          <a:prstGeom prst="rect">
+            <a:avLst/>
+          </a:prstGeom>
+        </p:spPr>
+      </p:pic>
+      <p:sp>
+        <p:nvSpPr>
+          <p:cNvPr id="5" name="Title 1"/>
+          <p:cNvSpPr>
+            <a:spLocks noGrp="1"/>
+          </p:cNvSpPr>
+          <p:nvPr>
+            <p:ph type="title"/>
+          </p:nvPr>
+        </p:nvSpPr>
+        <p:spPr>
+          <a:xfrm>
+            <a:off x="228600" y="228600"/>
+            <a:ext cx="8229600" cy="1143000"/>
+          </a:xfrm>
+        </p:spPr>
+        <p:txBody>
+          <a:bodyPr/>
+          <a:lstStyle/>
+          <a:p>
+            <a:r>
+              <a:rPr lang="en-US" dirty="0" smtClean="0">
+                <a:solidFill>
+                  <a:srgbClr val="C00000"/>
+                </a:solidFill>
+              </a:rPr>
+              <a:t>Leap-Node</a:t>
+            </a:r>
+            <a:endParaRPr lang="en-US" dirty="0">
+              <a:solidFill>
+                <a:srgbClr val="C00000"/>
+              </a:solidFill>
+            </a:endParaRPr>
+          </a:p>
+        </p:txBody>
+      </p:sp>
+    </p:spTree>
+    <p:extLst>
+      <p:ext uri="{BB962C8B-B14F-4D97-AF65-F5344CB8AC3E}">
+        <p14:creationId xmlns:p14="http://schemas.microsoft.com/office/powerpoint/2010/main" val="1977238185"/>
+      </p:ext>
+    </p:extLst>
+  </p:cSld>
+  <p:clrMapOvr>
+    <a:masterClrMapping/>
+  </p:clrMapOvr>
+  <p:timing>
+    <p:tnLst>
+      <p:par>
+        <p:cTn id="1" dur="indefinite" restart="never" nodeType="tmRoot"/>
+      </p:par>
+    </p:tnLst>
+  </p:timing>
+</p:sld>
+</file>
+
+<file path=ppt/slides/slide4.xml><?xml version="1.0" encoding="utf-8"?>
+<p:sld xmlns:a="http://schemas.openxmlformats.org/drawingml/2006/main" xmlns:r="http://schemas.openxmlformats.org/officeDocument/2006/relationships" xmlns:p="http://schemas.openxmlformats.org/presentationml/2006/main">
+  <p:cSld>
+    <p:bg>
+      <p:bgPr>
+        <a:gradFill>
+          <a:gsLst>
+            <a:gs pos="37000">
+              <a:schemeClr val="accent1">
+                <a:lumMod val="5000"/>
+                <a:lumOff val="95000"/>
+              </a:schemeClr>
+            </a:gs>
+            <a:gs pos="74000">
+              <a:schemeClr val="accent1">
+                <a:lumMod val="45000"/>
+                <a:lumOff val="55000"/>
+              </a:schemeClr>
+            </a:gs>
+            <a:gs pos="83000">
+              <a:schemeClr val="accent1">
+                <a:lumMod val="45000"/>
+                <a:lumOff val="55000"/>
+              </a:schemeClr>
+            </a:gs>
+            <a:gs pos="100000">
+              <a:schemeClr val="accent1">
+                <a:lumMod val="30000"/>
+                <a:lumOff val="70000"/>
+              </a:schemeClr>
+            </a:gs>
+          </a:gsLst>
+          <a:lin ang="5400000" scaled="1"/>
+        </a:gradFill>
+        <a:effectLst/>
+      </p:bgPr>
+    </p:bg>
+    <p:spTree>
+      <p:nvGrpSpPr>
+        <p:cNvPr id="1" name=""/>
+        <p:cNvGrpSpPr/>
+        <p:nvPr/>
+      </p:nvGrpSpPr>
+      <p:grpSpPr>
+        <a:xfrm>
+          <a:off x="0" y="0"/>
+          <a:ext cx="0" cy="0"/>
+          <a:chOff x="0" y="0"/>
+          <a:chExt cx="0" cy="0"/>
+        </a:xfrm>
+      </p:grpSpPr>
       <p:sp>
         <p:nvSpPr>
           <p:cNvPr id="2" name="Title 1"/>
@@ -3993,10 +4607,18 @@
           <a:lstStyle/>
           <a:p>
             <a:r>
-              <a:rPr lang="en-US" dirty="0" smtClean="0"/>
+              <a:rPr lang="en-US" dirty="0" smtClean="0">
+                <a:solidFill>
+                  <a:srgbClr val="C00000"/>
+                </a:solidFill>
+              </a:rPr>
               <a:t>API</a:t>
             </a:r>
-            <a:endParaRPr lang="en-US" dirty="0"/>
+            <a:endParaRPr lang="en-US" dirty="0">
+              <a:solidFill>
+                <a:srgbClr val="C00000"/>
+              </a:solidFill>
+            </a:endParaRPr>
           </a:p>
         </p:txBody>
       </p:sp>
@@ -4043,7 +4665,7 @@
           </a:p>
           <a:p>
             <a:r>
-              <a:rPr lang="en-US" dirty="0" smtClean="0"/>
+              <a:rPr lang="en-US" b="1" dirty="0" smtClean="0"/>
               <a:t>Range Query </a:t>
             </a:r>
           </a:p>
@@ -4063,7 +4685,7 @@
           </a:p>
           <a:p>
             <a:r>
-              <a:rPr lang="en-US" dirty="0" smtClean="0"/>
+              <a:rPr lang="en-US" b="1" dirty="0" smtClean="0"/>
               <a:t>Update</a:t>
             </a:r>
           </a:p>
@@ -4087,7 +4709,7 @@
           </a:p>
           <a:p>
             <a:r>
-              <a:rPr lang="en-US" dirty="0" smtClean="0"/>
+              <a:rPr lang="en-US" b="1" dirty="0" smtClean="0"/>
               <a:t>Remove</a:t>
             </a:r>
           </a:p>
@@ -4130,9 +4752,2180 @@
   <p:timing>
     <p:tnLst>
       <p:par>
+        <p:cTn id="1" dur="indefinite" restart="never" nodeType="tmRoot">
+          <p:childTnLst>
+            <p:seq concurrent="1" nextAc="seek">
+              <p:cTn id="2" dur="indefinite" nodeType="mainSeq">
+                <p:childTnLst>
+                  <p:par>
+                    <p:cTn id="3" fill="hold">
+                      <p:stCondLst>
+                        <p:cond delay="indefinite"/>
+                      </p:stCondLst>
+                      <p:childTnLst>
+                        <p:par>
+                          <p:cTn id="4" fill="hold">
+                            <p:stCondLst>
+                              <p:cond delay="0"/>
+                            </p:stCondLst>
+                            <p:childTnLst>
+                              <p:par>
+                                <p:cTn id="5" presetID="10" presetClass="entr" presetSubtype="0" fill="hold" grpId="0" nodeType="clickEffect">
+                                  <p:stCondLst>
+                                    <p:cond delay="0"/>
+                                  </p:stCondLst>
+                                  <p:childTnLst>
+                                    <p:set>
+                                      <p:cBhvr>
+                                        <p:cTn id="6" dur="1" fill="hold">
+                                          <p:stCondLst>
+                                            <p:cond delay="0"/>
+                                          </p:stCondLst>
+                                        </p:cTn>
+                                        <p:tgtEl>
+                                          <p:spTgt spid="3">
+                                            <p:txEl>
+                                              <p:pRg st="0" end="0"/>
+                                            </p:txEl>
+                                          </p:spTgt>
+                                        </p:tgtEl>
+                                        <p:attrNameLst>
+                                          <p:attrName>style.visibility</p:attrName>
+                                        </p:attrNameLst>
+                                      </p:cBhvr>
+                                      <p:to>
+                                        <p:strVal val="visible"/>
+                                      </p:to>
+                                    </p:set>
+                                    <p:animEffect transition="in" filter="fade">
+                                      <p:cBhvr>
+                                        <p:cTn id="7" dur="500"/>
+                                        <p:tgtEl>
+                                          <p:spTgt spid="3">
+                                            <p:txEl>
+                                              <p:pRg st="0" end="0"/>
+                                            </p:txEl>
+                                          </p:spTgt>
+                                        </p:tgtEl>
+                                      </p:cBhvr>
+                                    </p:animEffect>
+                                  </p:childTnLst>
+                                </p:cTn>
+                              </p:par>
+                              <p:par>
+                                <p:cTn id="8" presetID="10" presetClass="entr" presetSubtype="0" fill="hold" grpId="0" nodeType="withEffect">
+                                  <p:stCondLst>
+                                    <p:cond delay="0"/>
+                                  </p:stCondLst>
+                                  <p:childTnLst>
+                                    <p:set>
+                                      <p:cBhvr>
+                                        <p:cTn id="9" dur="1" fill="hold">
+                                          <p:stCondLst>
+                                            <p:cond delay="0"/>
+                                          </p:stCondLst>
+                                        </p:cTn>
+                                        <p:tgtEl>
+                                          <p:spTgt spid="3">
+                                            <p:txEl>
+                                              <p:pRg st="1" end="1"/>
+                                            </p:txEl>
+                                          </p:spTgt>
+                                        </p:tgtEl>
+                                        <p:attrNameLst>
+                                          <p:attrName>style.visibility</p:attrName>
+                                        </p:attrNameLst>
+                                      </p:cBhvr>
+                                      <p:to>
+                                        <p:strVal val="visible"/>
+                                      </p:to>
+                                    </p:set>
+                                    <p:animEffect transition="in" filter="fade">
+                                      <p:cBhvr>
+                                        <p:cTn id="10" dur="500"/>
+                                        <p:tgtEl>
+                                          <p:spTgt spid="3">
+                                            <p:txEl>
+                                              <p:pRg st="1" end="1"/>
+                                            </p:txEl>
+                                          </p:spTgt>
+                                        </p:tgtEl>
+                                      </p:cBhvr>
+                                    </p:animEffect>
+                                  </p:childTnLst>
+                                </p:cTn>
+                              </p:par>
+                              <p:par>
+                                <p:cTn id="11" presetID="10" presetClass="entr" presetSubtype="0" fill="hold" grpId="0" nodeType="withEffect">
+                                  <p:stCondLst>
+                                    <p:cond delay="0"/>
+                                  </p:stCondLst>
+                                  <p:childTnLst>
+                                    <p:set>
+                                      <p:cBhvr>
+                                        <p:cTn id="12" dur="1" fill="hold">
+                                          <p:stCondLst>
+                                            <p:cond delay="0"/>
+                                          </p:stCondLst>
+                                        </p:cTn>
+                                        <p:tgtEl>
+                                          <p:spTgt spid="3">
+                                            <p:txEl>
+                                              <p:pRg st="2" end="2"/>
+                                            </p:txEl>
+                                          </p:spTgt>
+                                        </p:tgtEl>
+                                        <p:attrNameLst>
+                                          <p:attrName>style.visibility</p:attrName>
+                                        </p:attrNameLst>
+                                      </p:cBhvr>
+                                      <p:to>
+                                        <p:strVal val="visible"/>
+                                      </p:to>
+                                    </p:set>
+                                    <p:animEffect transition="in" filter="fade">
+                                      <p:cBhvr>
+                                        <p:cTn id="13" dur="500"/>
+                                        <p:tgtEl>
+                                          <p:spTgt spid="3">
+                                            <p:txEl>
+                                              <p:pRg st="2" end="2"/>
+                                            </p:txEl>
+                                          </p:spTgt>
+                                        </p:tgtEl>
+                                      </p:cBhvr>
+                                    </p:animEffect>
+                                  </p:childTnLst>
+                                </p:cTn>
+                              </p:par>
+                            </p:childTnLst>
+                          </p:cTn>
+                        </p:par>
+                      </p:childTnLst>
+                    </p:cTn>
+                  </p:par>
+                  <p:par>
+                    <p:cTn id="14" fill="hold">
+                      <p:stCondLst>
+                        <p:cond delay="indefinite"/>
+                      </p:stCondLst>
+                      <p:childTnLst>
+                        <p:par>
+                          <p:cTn id="15" fill="hold">
+                            <p:stCondLst>
+                              <p:cond delay="0"/>
+                            </p:stCondLst>
+                            <p:childTnLst>
+                              <p:par>
+                                <p:cTn id="16" presetID="10" presetClass="entr" presetSubtype="0" fill="hold" grpId="0" nodeType="clickEffect">
+                                  <p:stCondLst>
+                                    <p:cond delay="0"/>
+                                  </p:stCondLst>
+                                  <p:childTnLst>
+                                    <p:set>
+                                      <p:cBhvr>
+                                        <p:cTn id="17" dur="1" fill="hold">
+                                          <p:stCondLst>
+                                            <p:cond delay="0"/>
+                                          </p:stCondLst>
+                                        </p:cTn>
+                                        <p:tgtEl>
+                                          <p:spTgt spid="3">
+                                            <p:txEl>
+                                              <p:pRg st="3" end="3"/>
+                                            </p:txEl>
+                                          </p:spTgt>
+                                        </p:tgtEl>
+                                        <p:attrNameLst>
+                                          <p:attrName>style.visibility</p:attrName>
+                                        </p:attrNameLst>
+                                      </p:cBhvr>
+                                      <p:to>
+                                        <p:strVal val="visible"/>
+                                      </p:to>
+                                    </p:set>
+                                    <p:animEffect transition="in" filter="fade">
+                                      <p:cBhvr>
+                                        <p:cTn id="18" dur="500"/>
+                                        <p:tgtEl>
+                                          <p:spTgt spid="3">
+                                            <p:txEl>
+                                              <p:pRg st="3" end="3"/>
+                                            </p:txEl>
+                                          </p:spTgt>
+                                        </p:tgtEl>
+                                      </p:cBhvr>
+                                    </p:animEffect>
+                                  </p:childTnLst>
+                                </p:cTn>
+                              </p:par>
+                              <p:par>
+                                <p:cTn id="19" presetID="10" presetClass="entr" presetSubtype="0" fill="hold" grpId="0" nodeType="withEffect">
+                                  <p:stCondLst>
+                                    <p:cond delay="0"/>
+                                  </p:stCondLst>
+                                  <p:childTnLst>
+                                    <p:set>
+                                      <p:cBhvr>
+                                        <p:cTn id="20" dur="1" fill="hold">
+                                          <p:stCondLst>
+                                            <p:cond delay="0"/>
+                                          </p:stCondLst>
+                                        </p:cTn>
+                                        <p:tgtEl>
+                                          <p:spTgt spid="3">
+                                            <p:txEl>
+                                              <p:pRg st="4" end="4"/>
+                                            </p:txEl>
+                                          </p:spTgt>
+                                        </p:tgtEl>
+                                        <p:attrNameLst>
+                                          <p:attrName>style.visibility</p:attrName>
+                                        </p:attrNameLst>
+                                      </p:cBhvr>
+                                      <p:to>
+                                        <p:strVal val="visible"/>
+                                      </p:to>
+                                    </p:set>
+                                    <p:animEffect transition="in" filter="fade">
+                                      <p:cBhvr>
+                                        <p:cTn id="21" dur="500"/>
+                                        <p:tgtEl>
+                                          <p:spTgt spid="3">
+                                            <p:txEl>
+                                              <p:pRg st="4" end="4"/>
+                                            </p:txEl>
+                                          </p:spTgt>
+                                        </p:tgtEl>
+                                      </p:cBhvr>
+                                    </p:animEffect>
+                                  </p:childTnLst>
+                                </p:cTn>
+                              </p:par>
+                              <p:par>
+                                <p:cTn id="22" presetID="10" presetClass="entr" presetSubtype="0" fill="hold" grpId="0" nodeType="withEffect">
+                                  <p:stCondLst>
+                                    <p:cond delay="0"/>
+                                  </p:stCondLst>
+                                  <p:childTnLst>
+                                    <p:set>
+                                      <p:cBhvr>
+                                        <p:cTn id="23" dur="1" fill="hold">
+                                          <p:stCondLst>
+                                            <p:cond delay="0"/>
+                                          </p:stCondLst>
+                                        </p:cTn>
+                                        <p:tgtEl>
+                                          <p:spTgt spid="3">
+                                            <p:txEl>
+                                              <p:pRg st="5" end="5"/>
+                                            </p:txEl>
+                                          </p:spTgt>
+                                        </p:tgtEl>
+                                        <p:attrNameLst>
+                                          <p:attrName>style.visibility</p:attrName>
+                                        </p:attrNameLst>
+                                      </p:cBhvr>
+                                      <p:to>
+                                        <p:strVal val="visible"/>
+                                      </p:to>
+                                    </p:set>
+                                    <p:animEffect transition="in" filter="fade">
+                                      <p:cBhvr>
+                                        <p:cTn id="24" dur="500"/>
+                                        <p:tgtEl>
+                                          <p:spTgt spid="3">
+                                            <p:txEl>
+                                              <p:pRg st="5" end="5"/>
+                                            </p:txEl>
+                                          </p:spTgt>
+                                        </p:tgtEl>
+                                      </p:cBhvr>
+                                    </p:animEffect>
+                                  </p:childTnLst>
+                                </p:cTn>
+                              </p:par>
+                            </p:childTnLst>
+                          </p:cTn>
+                        </p:par>
+                      </p:childTnLst>
+                    </p:cTn>
+                  </p:par>
+                  <p:par>
+                    <p:cTn id="25" fill="hold">
+                      <p:stCondLst>
+                        <p:cond delay="indefinite"/>
+                      </p:stCondLst>
+                      <p:childTnLst>
+                        <p:par>
+                          <p:cTn id="26" fill="hold">
+                            <p:stCondLst>
+                              <p:cond delay="0"/>
+                            </p:stCondLst>
+                            <p:childTnLst>
+                              <p:par>
+                                <p:cTn id="27" presetID="10" presetClass="entr" presetSubtype="0" fill="hold" grpId="0" nodeType="clickEffect">
+                                  <p:stCondLst>
+                                    <p:cond delay="0"/>
+                                  </p:stCondLst>
+                                  <p:childTnLst>
+                                    <p:set>
+                                      <p:cBhvr>
+                                        <p:cTn id="28" dur="1" fill="hold">
+                                          <p:stCondLst>
+                                            <p:cond delay="0"/>
+                                          </p:stCondLst>
+                                        </p:cTn>
+                                        <p:tgtEl>
+                                          <p:spTgt spid="3">
+                                            <p:txEl>
+                                              <p:pRg st="6" end="6"/>
+                                            </p:txEl>
+                                          </p:spTgt>
+                                        </p:tgtEl>
+                                        <p:attrNameLst>
+                                          <p:attrName>style.visibility</p:attrName>
+                                        </p:attrNameLst>
+                                      </p:cBhvr>
+                                      <p:to>
+                                        <p:strVal val="visible"/>
+                                      </p:to>
+                                    </p:set>
+                                    <p:animEffect transition="in" filter="fade">
+                                      <p:cBhvr>
+                                        <p:cTn id="29" dur="500"/>
+                                        <p:tgtEl>
+                                          <p:spTgt spid="3">
+                                            <p:txEl>
+                                              <p:pRg st="6" end="6"/>
+                                            </p:txEl>
+                                          </p:spTgt>
+                                        </p:tgtEl>
+                                      </p:cBhvr>
+                                    </p:animEffect>
+                                  </p:childTnLst>
+                                </p:cTn>
+                              </p:par>
+                              <p:par>
+                                <p:cTn id="30" presetID="10" presetClass="entr" presetSubtype="0" fill="hold" grpId="0" nodeType="withEffect">
+                                  <p:stCondLst>
+                                    <p:cond delay="0"/>
+                                  </p:stCondLst>
+                                  <p:childTnLst>
+                                    <p:set>
+                                      <p:cBhvr>
+                                        <p:cTn id="31" dur="1" fill="hold">
+                                          <p:stCondLst>
+                                            <p:cond delay="0"/>
+                                          </p:stCondLst>
+                                        </p:cTn>
+                                        <p:tgtEl>
+                                          <p:spTgt spid="3">
+                                            <p:txEl>
+                                              <p:pRg st="7" end="7"/>
+                                            </p:txEl>
+                                          </p:spTgt>
+                                        </p:tgtEl>
+                                        <p:attrNameLst>
+                                          <p:attrName>style.visibility</p:attrName>
+                                        </p:attrNameLst>
+                                      </p:cBhvr>
+                                      <p:to>
+                                        <p:strVal val="visible"/>
+                                      </p:to>
+                                    </p:set>
+                                    <p:animEffect transition="in" filter="fade">
+                                      <p:cBhvr>
+                                        <p:cTn id="32" dur="500"/>
+                                        <p:tgtEl>
+                                          <p:spTgt spid="3">
+                                            <p:txEl>
+                                              <p:pRg st="7" end="7"/>
+                                            </p:txEl>
+                                          </p:spTgt>
+                                        </p:tgtEl>
+                                      </p:cBhvr>
+                                    </p:animEffect>
+                                  </p:childTnLst>
+                                </p:cTn>
+                              </p:par>
+                              <p:par>
+                                <p:cTn id="33" presetID="10" presetClass="entr" presetSubtype="0" fill="hold" grpId="0" nodeType="withEffect">
+                                  <p:stCondLst>
+                                    <p:cond delay="0"/>
+                                  </p:stCondLst>
+                                  <p:childTnLst>
+                                    <p:set>
+                                      <p:cBhvr>
+                                        <p:cTn id="34" dur="1" fill="hold">
+                                          <p:stCondLst>
+                                            <p:cond delay="0"/>
+                                          </p:stCondLst>
+                                        </p:cTn>
+                                        <p:tgtEl>
+                                          <p:spTgt spid="3">
+                                            <p:txEl>
+                                              <p:pRg st="8" end="8"/>
+                                            </p:txEl>
+                                          </p:spTgt>
+                                        </p:tgtEl>
+                                        <p:attrNameLst>
+                                          <p:attrName>style.visibility</p:attrName>
+                                        </p:attrNameLst>
+                                      </p:cBhvr>
+                                      <p:to>
+                                        <p:strVal val="visible"/>
+                                      </p:to>
+                                    </p:set>
+                                    <p:animEffect transition="in" filter="fade">
+                                      <p:cBhvr>
+                                        <p:cTn id="35" dur="500"/>
+                                        <p:tgtEl>
+                                          <p:spTgt spid="3">
+                                            <p:txEl>
+                                              <p:pRg st="8" end="8"/>
+                                            </p:txEl>
+                                          </p:spTgt>
+                                        </p:tgtEl>
+                                      </p:cBhvr>
+                                    </p:animEffect>
+                                  </p:childTnLst>
+                                </p:cTn>
+                              </p:par>
+                            </p:childTnLst>
+                          </p:cTn>
+                        </p:par>
+                      </p:childTnLst>
+                    </p:cTn>
+                  </p:par>
+                  <p:par>
+                    <p:cTn id="36" fill="hold">
+                      <p:stCondLst>
+                        <p:cond delay="indefinite"/>
+                      </p:stCondLst>
+                      <p:childTnLst>
+                        <p:par>
+                          <p:cTn id="37" fill="hold">
+                            <p:stCondLst>
+                              <p:cond delay="0"/>
+                            </p:stCondLst>
+                            <p:childTnLst>
+                              <p:par>
+                                <p:cTn id="38" presetID="10" presetClass="entr" presetSubtype="0" fill="hold" grpId="0" nodeType="clickEffect">
+                                  <p:stCondLst>
+                                    <p:cond delay="0"/>
+                                  </p:stCondLst>
+                                  <p:childTnLst>
+                                    <p:set>
+                                      <p:cBhvr>
+                                        <p:cTn id="39" dur="1" fill="hold">
+                                          <p:stCondLst>
+                                            <p:cond delay="0"/>
+                                          </p:stCondLst>
+                                        </p:cTn>
+                                        <p:tgtEl>
+                                          <p:spTgt spid="3">
+                                            <p:txEl>
+                                              <p:pRg st="9" end="9"/>
+                                            </p:txEl>
+                                          </p:spTgt>
+                                        </p:tgtEl>
+                                        <p:attrNameLst>
+                                          <p:attrName>style.visibility</p:attrName>
+                                        </p:attrNameLst>
+                                      </p:cBhvr>
+                                      <p:to>
+                                        <p:strVal val="visible"/>
+                                      </p:to>
+                                    </p:set>
+                                    <p:animEffect transition="in" filter="fade">
+                                      <p:cBhvr>
+                                        <p:cTn id="40" dur="500"/>
+                                        <p:tgtEl>
+                                          <p:spTgt spid="3">
+                                            <p:txEl>
+                                              <p:pRg st="9" end="9"/>
+                                            </p:txEl>
+                                          </p:spTgt>
+                                        </p:tgtEl>
+                                      </p:cBhvr>
+                                    </p:animEffect>
+                                  </p:childTnLst>
+                                </p:cTn>
+                              </p:par>
+                              <p:par>
+                                <p:cTn id="41" presetID="10" presetClass="entr" presetSubtype="0" fill="hold" grpId="0" nodeType="withEffect">
+                                  <p:stCondLst>
+                                    <p:cond delay="0"/>
+                                  </p:stCondLst>
+                                  <p:childTnLst>
+                                    <p:set>
+                                      <p:cBhvr>
+                                        <p:cTn id="42" dur="1" fill="hold">
+                                          <p:stCondLst>
+                                            <p:cond delay="0"/>
+                                          </p:stCondLst>
+                                        </p:cTn>
+                                        <p:tgtEl>
+                                          <p:spTgt spid="3">
+                                            <p:txEl>
+                                              <p:pRg st="10" end="10"/>
+                                            </p:txEl>
+                                          </p:spTgt>
+                                        </p:tgtEl>
+                                        <p:attrNameLst>
+                                          <p:attrName>style.visibility</p:attrName>
+                                        </p:attrNameLst>
+                                      </p:cBhvr>
+                                      <p:to>
+                                        <p:strVal val="visible"/>
+                                      </p:to>
+                                    </p:set>
+                                    <p:animEffect transition="in" filter="fade">
+                                      <p:cBhvr>
+                                        <p:cTn id="43" dur="500"/>
+                                        <p:tgtEl>
+                                          <p:spTgt spid="3">
+                                            <p:txEl>
+                                              <p:pRg st="10" end="10"/>
+                                            </p:txEl>
+                                          </p:spTgt>
+                                        </p:tgtEl>
+                                      </p:cBhvr>
+                                    </p:animEffect>
+                                  </p:childTnLst>
+                                </p:cTn>
+                              </p:par>
+                              <p:par>
+                                <p:cTn id="44" presetID="10" presetClass="entr" presetSubtype="0" fill="hold" grpId="0" nodeType="withEffect">
+                                  <p:stCondLst>
+                                    <p:cond delay="0"/>
+                                  </p:stCondLst>
+                                  <p:childTnLst>
+                                    <p:set>
+                                      <p:cBhvr>
+                                        <p:cTn id="45" dur="1" fill="hold">
+                                          <p:stCondLst>
+                                            <p:cond delay="0"/>
+                                          </p:stCondLst>
+                                        </p:cTn>
+                                        <p:tgtEl>
+                                          <p:spTgt spid="3">
+                                            <p:txEl>
+                                              <p:pRg st="11" end="11"/>
+                                            </p:txEl>
+                                          </p:spTgt>
+                                        </p:tgtEl>
+                                        <p:attrNameLst>
+                                          <p:attrName>style.visibility</p:attrName>
+                                        </p:attrNameLst>
+                                      </p:cBhvr>
+                                      <p:to>
+                                        <p:strVal val="visible"/>
+                                      </p:to>
+                                    </p:set>
+                                    <p:animEffect transition="in" filter="fade">
+                                      <p:cBhvr>
+                                        <p:cTn id="46" dur="500"/>
+                                        <p:tgtEl>
+                                          <p:spTgt spid="3">
+                                            <p:txEl>
+                                              <p:pRg st="11" end="11"/>
+                                            </p:txEl>
+                                          </p:spTgt>
+                                        </p:tgtEl>
+                                      </p:cBhvr>
+                                    </p:animEffect>
+                                  </p:childTnLst>
+                                </p:cTn>
+                              </p:par>
+                            </p:childTnLst>
+                          </p:cTn>
+                        </p:par>
+                      </p:childTnLst>
+                    </p:cTn>
+                  </p:par>
+                </p:childTnLst>
+              </p:cTn>
+              <p:prevCondLst>
+                <p:cond evt="onPrev" delay="0">
+                  <p:tgtEl>
+                    <p:sldTgt/>
+                  </p:tgtEl>
+                </p:cond>
+              </p:prevCondLst>
+              <p:nextCondLst>
+                <p:cond evt="onNext" delay="0">
+                  <p:tgtEl>
+                    <p:sldTgt/>
+                  </p:tgtEl>
+                </p:cond>
+              </p:nextCondLst>
+            </p:seq>
+          </p:childTnLst>
+        </p:cTn>
+      </p:par>
+    </p:tnLst>
+    <p:bldLst>
+      <p:bldP spid="3" grpId="0" build="p"/>
+    </p:bldLst>
+  </p:timing>
+</p:sld>
+</file>
+
+<file path=ppt/slides/slide5.xml><?xml version="1.0" encoding="utf-8"?>
+<p:sld xmlns:a="http://schemas.openxmlformats.org/drawingml/2006/main" xmlns:r="http://schemas.openxmlformats.org/officeDocument/2006/relationships" xmlns:p="http://schemas.openxmlformats.org/presentationml/2006/main">
+  <p:cSld>
+    <p:bg>
+      <p:bgPr>
+        <a:gradFill>
+          <a:gsLst>
+            <a:gs pos="37000">
+              <a:schemeClr val="accent1">
+                <a:lumMod val="5000"/>
+                <a:lumOff val="95000"/>
+              </a:schemeClr>
+            </a:gs>
+            <a:gs pos="74000">
+              <a:schemeClr val="accent1">
+                <a:lumMod val="45000"/>
+                <a:lumOff val="55000"/>
+              </a:schemeClr>
+            </a:gs>
+            <a:gs pos="83000">
+              <a:schemeClr val="accent1">
+                <a:lumMod val="45000"/>
+                <a:lumOff val="55000"/>
+              </a:schemeClr>
+            </a:gs>
+            <a:gs pos="100000">
+              <a:schemeClr val="accent1">
+                <a:lumMod val="30000"/>
+                <a:lumOff val="70000"/>
+              </a:schemeClr>
+            </a:gs>
+          </a:gsLst>
+          <a:lin ang="5400000" scaled="1"/>
+        </a:gradFill>
+        <a:effectLst/>
+      </p:bgPr>
+    </p:bg>
+    <p:spTree>
+      <p:nvGrpSpPr>
+        <p:cNvPr id="1" name=""/>
+        <p:cNvGrpSpPr/>
+        <p:nvPr/>
+      </p:nvGrpSpPr>
+      <p:grpSpPr>
+        <a:xfrm>
+          <a:off x="0" y="0"/>
+          <a:ext cx="0" cy="0"/>
+          <a:chOff x="0" y="0"/>
+          <a:chExt cx="0" cy="0"/>
+        </a:xfrm>
+      </p:grpSpPr>
+      <p:pic>
+        <p:nvPicPr>
+          <p:cNvPr id="4" name="Content Placeholder 3"/>
+          <p:cNvPicPr>
+            <a:picLocks noGrp="1" noChangeAspect="1"/>
+          </p:cNvPicPr>
+          <p:nvPr>
+            <p:ph idx="1"/>
+          </p:nvPr>
+        </p:nvPicPr>
+        <p:blipFill>
+          <a:blip r:embed="rId2"/>
+          <a:stretch>
+            <a:fillRect/>
+          </a:stretch>
+        </p:blipFill>
+        <p:spPr>
+          <a:xfrm>
+            <a:off x="545216" y="1128954"/>
+            <a:ext cx="8118138" cy="3483768"/>
+          </a:xfrm>
+          <a:prstGeom prst="rect">
+            <a:avLst/>
+          </a:prstGeom>
+        </p:spPr>
+      </p:pic>
+      <p:sp>
+        <p:nvSpPr>
+          <p:cNvPr id="2" name="Title 1"/>
+          <p:cNvSpPr>
+            <a:spLocks noGrp="1"/>
+          </p:cNvSpPr>
+          <p:nvPr>
+            <p:ph type="title"/>
+          </p:nvPr>
+        </p:nvSpPr>
+        <p:spPr>
+          <a:xfrm>
+            <a:off x="433754" y="-14046"/>
+            <a:ext cx="8229600" cy="1143000"/>
+          </a:xfrm>
+        </p:spPr>
+        <p:txBody>
+          <a:bodyPr/>
+          <a:lstStyle/>
+          <a:p>
+            <a:r>
+              <a:rPr lang="en-US" dirty="0" err="1" smtClean="0">
+                <a:solidFill>
+                  <a:srgbClr val="C00000"/>
+                </a:solidFill>
+              </a:rPr>
+              <a:t>SearchPredecessor</a:t>
+            </a:r>
+            <a:r>
+              <a:rPr lang="en-US" dirty="0" smtClean="0">
+                <a:solidFill>
+                  <a:srgbClr val="C00000"/>
+                </a:solidFill>
+              </a:rPr>
+              <a:t>(</a:t>
+            </a:r>
+            <a:r>
+              <a:rPr lang="en-US" dirty="0" err="1" smtClean="0">
+                <a:solidFill>
+                  <a:srgbClr val="C00000"/>
+                </a:solidFill>
+              </a:rPr>
+              <a:t>key,pa</a:t>
+            </a:r>
+            <a:r>
+              <a:rPr lang="en-US" dirty="0" smtClean="0">
+                <a:solidFill>
+                  <a:srgbClr val="C00000"/>
+                </a:solidFill>
+              </a:rPr>
+              <a:t>[],</a:t>
+            </a:r>
+            <a:r>
+              <a:rPr lang="en-US" dirty="0" err="1" smtClean="0">
+                <a:solidFill>
+                  <a:srgbClr val="C00000"/>
+                </a:solidFill>
+              </a:rPr>
+              <a:t>na</a:t>
+            </a:r>
+            <a:r>
+              <a:rPr lang="en-US" dirty="0" smtClean="0">
+                <a:solidFill>
+                  <a:srgbClr val="C00000"/>
+                </a:solidFill>
+              </a:rPr>
+              <a:t>[])</a:t>
+            </a:r>
+            <a:endParaRPr lang="en-US" dirty="0">
+              <a:solidFill>
+                <a:srgbClr val="C00000"/>
+              </a:solidFill>
+            </a:endParaRPr>
+          </a:p>
+        </p:txBody>
+      </p:sp>
+      <p:sp>
+        <p:nvSpPr>
+          <p:cNvPr id="5" name="Content Placeholder 2"/>
+          <p:cNvSpPr txBox="1">
+            <a:spLocks/>
+          </p:cNvSpPr>
+          <p:nvPr/>
+        </p:nvSpPr>
+        <p:spPr>
+          <a:xfrm>
+            <a:off x="433754" y="4624754"/>
+            <a:ext cx="8182947" cy="2209800"/>
+          </a:xfrm>
+          <a:prstGeom prst="rect">
+            <a:avLst/>
+          </a:prstGeom>
+        </p:spPr>
+        <p:txBody>
+          <a:bodyPr vert="horz" lIns="91440" tIns="45720" rIns="91440" bIns="45720" rtlCol="0">
+            <a:normAutofit/>
+          </a:bodyPr>
+          <a:lstStyle>
+            <a:lvl1pPr marL="342900" indent="-342900" algn="l" defTabSz="914400" rtl="0" eaLnBrk="1" latinLnBrk="0" hangingPunct="1">
+              <a:spcBef>
+                <a:spcPct val="20000"/>
+              </a:spcBef>
+              <a:buFont typeface="Arial" panose="020B0604020202020204" pitchFamily="34" charset="0"/>
+              <a:buChar char="•"/>
+              <a:defRPr sz="3200" kern="1200">
+                <a:solidFill>
+                  <a:schemeClr val="tx1"/>
+                </a:solidFill>
+                <a:latin typeface="+mn-lt"/>
+                <a:ea typeface="+mn-ea"/>
+                <a:cs typeface="+mn-cs"/>
+              </a:defRPr>
+            </a:lvl1pPr>
+            <a:lvl2pPr marL="742950" indent="-285750" algn="l" defTabSz="914400" rtl="0" eaLnBrk="1" latinLnBrk="0" hangingPunct="1">
+              <a:spcBef>
+                <a:spcPct val="20000"/>
+              </a:spcBef>
+              <a:buFont typeface="Arial" panose="020B0604020202020204" pitchFamily="34" charset="0"/>
+              <a:buChar char="–"/>
+              <a:defRPr sz="2800" kern="1200">
+                <a:solidFill>
+                  <a:schemeClr val="tx1"/>
+                </a:solidFill>
+                <a:latin typeface="+mn-lt"/>
+                <a:ea typeface="+mn-ea"/>
+                <a:cs typeface="+mn-cs"/>
+              </a:defRPr>
+            </a:lvl2pPr>
+            <a:lvl3pPr marL="1143000" indent="-228600" algn="l" defTabSz="914400" rtl="0" eaLnBrk="1" latinLnBrk="0" hangingPunct="1">
+              <a:spcBef>
+                <a:spcPct val="20000"/>
+              </a:spcBef>
+              <a:buFont typeface="Arial" panose="020B0604020202020204" pitchFamily="34" charset="0"/>
+              <a:buChar char="•"/>
+              <a:defRPr sz="2400" kern="1200">
+                <a:solidFill>
+                  <a:schemeClr val="tx1"/>
+                </a:solidFill>
+                <a:latin typeface="+mn-lt"/>
+                <a:ea typeface="+mn-ea"/>
+                <a:cs typeface="+mn-cs"/>
+              </a:defRPr>
+            </a:lvl3pPr>
+            <a:lvl4pPr marL="1600200" indent="-228600" algn="l" defTabSz="914400" rtl="0" eaLnBrk="1" latinLnBrk="0" hangingPunct="1">
+              <a:spcBef>
+                <a:spcPct val="20000"/>
+              </a:spcBef>
+              <a:buFont typeface="Arial" panose="020B0604020202020204" pitchFamily="34" charset="0"/>
+              <a:buChar char="–"/>
+              <a:defRPr sz="2000" kern="1200">
+                <a:solidFill>
+                  <a:schemeClr val="tx1"/>
+                </a:solidFill>
+                <a:latin typeface="+mn-lt"/>
+                <a:ea typeface="+mn-ea"/>
+                <a:cs typeface="+mn-cs"/>
+              </a:defRPr>
+            </a:lvl4pPr>
+            <a:lvl5pPr marL="2057400" indent="-228600" algn="l" defTabSz="914400" rtl="0" eaLnBrk="1" latinLnBrk="0" hangingPunct="1">
+              <a:spcBef>
+                <a:spcPct val="20000"/>
+              </a:spcBef>
+              <a:buFont typeface="Arial" panose="020B0604020202020204" pitchFamily="34" charset="0"/>
+              <a:buChar char="»"/>
+              <a:defRPr sz="2000" kern="1200">
+                <a:solidFill>
+                  <a:schemeClr val="tx1"/>
+                </a:solidFill>
+                <a:latin typeface="+mn-lt"/>
+                <a:ea typeface="+mn-ea"/>
+                <a:cs typeface="+mn-cs"/>
+              </a:defRPr>
+            </a:lvl5pPr>
+            <a:lvl6pPr marL="2514600" indent="-228600" algn="l" defTabSz="914400" rtl="0" eaLnBrk="1" latinLnBrk="0" hangingPunct="1">
+              <a:spcBef>
+                <a:spcPct val="20000"/>
+              </a:spcBef>
+              <a:buFont typeface="Arial" panose="020B0604020202020204" pitchFamily="34" charset="0"/>
+              <a:buChar char="•"/>
+              <a:defRPr sz="2000" kern="1200">
+                <a:solidFill>
+                  <a:schemeClr val="tx1"/>
+                </a:solidFill>
+                <a:latin typeface="+mn-lt"/>
+                <a:ea typeface="+mn-ea"/>
+                <a:cs typeface="+mn-cs"/>
+              </a:defRPr>
+            </a:lvl6pPr>
+            <a:lvl7pPr marL="2971800" indent="-228600" algn="l" defTabSz="914400" rtl="0" eaLnBrk="1" latinLnBrk="0" hangingPunct="1">
+              <a:spcBef>
+                <a:spcPct val="20000"/>
+              </a:spcBef>
+              <a:buFont typeface="Arial" panose="020B0604020202020204" pitchFamily="34" charset="0"/>
+              <a:buChar char="•"/>
+              <a:defRPr sz="2000" kern="1200">
+                <a:solidFill>
+                  <a:schemeClr val="tx1"/>
+                </a:solidFill>
+                <a:latin typeface="+mn-lt"/>
+                <a:ea typeface="+mn-ea"/>
+                <a:cs typeface="+mn-cs"/>
+              </a:defRPr>
+            </a:lvl7pPr>
+            <a:lvl8pPr marL="3429000" indent="-228600" algn="l" defTabSz="914400" rtl="0" eaLnBrk="1" latinLnBrk="0" hangingPunct="1">
+              <a:spcBef>
+                <a:spcPct val="20000"/>
+              </a:spcBef>
+              <a:buFont typeface="Arial" panose="020B0604020202020204" pitchFamily="34" charset="0"/>
+              <a:buChar char="•"/>
+              <a:defRPr sz="2000" kern="1200">
+                <a:solidFill>
+                  <a:schemeClr val="tx1"/>
+                </a:solidFill>
+                <a:latin typeface="+mn-lt"/>
+                <a:ea typeface="+mn-ea"/>
+                <a:cs typeface="+mn-cs"/>
+              </a:defRPr>
+            </a:lvl8pPr>
+            <a:lvl9pPr marL="3886200" indent="-228600" algn="l" defTabSz="914400" rtl="0" eaLnBrk="1" latinLnBrk="0" hangingPunct="1">
+              <a:spcBef>
+                <a:spcPct val="20000"/>
+              </a:spcBef>
+              <a:buFont typeface="Arial" panose="020B0604020202020204" pitchFamily="34" charset="0"/>
+              <a:buChar char="•"/>
+              <a:defRPr sz="2000" kern="1200">
+                <a:solidFill>
+                  <a:schemeClr val="tx1"/>
+                </a:solidFill>
+                <a:latin typeface="+mn-lt"/>
+                <a:ea typeface="+mn-ea"/>
+                <a:cs typeface="+mn-cs"/>
+              </a:defRPr>
+            </a:lvl9pPr>
+          </a:lstStyle>
+          <a:p>
+            <a:r>
+              <a:rPr lang="en-US" dirty="0" smtClean="0"/>
+              <a:t>Returns the node containing the desired key.</a:t>
+            </a:r>
+          </a:p>
+          <a:p>
+            <a:r>
+              <a:rPr lang="en-US" dirty="0" smtClean="0"/>
+              <a:t>Changes the given predecessor and successor arrays.</a:t>
+            </a:r>
+            <a:endParaRPr lang="en-US" dirty="0"/>
+          </a:p>
+        </p:txBody>
+      </p:sp>
+    </p:spTree>
+    <p:extLst>
+      <p:ext uri="{BB962C8B-B14F-4D97-AF65-F5344CB8AC3E}">
+        <p14:creationId xmlns:p14="http://schemas.microsoft.com/office/powerpoint/2010/main" val="1748038962"/>
+      </p:ext>
+    </p:extLst>
+  </p:cSld>
+  <p:clrMapOvr>
+    <a:masterClrMapping/>
+  </p:clrMapOvr>
+  <p:timing>
+    <p:tnLst>
+      <p:par>
         <p:cTn id="1" dur="indefinite" restart="never" nodeType="tmRoot"/>
       </p:par>
     </p:tnLst>
+  </p:timing>
+</p:sld>
+</file>
+
+<file path=ppt/slides/slide6.xml><?xml version="1.0" encoding="utf-8"?>
+<p:sld xmlns:a="http://schemas.openxmlformats.org/drawingml/2006/main" xmlns:r="http://schemas.openxmlformats.org/officeDocument/2006/relationships" xmlns:p="http://schemas.openxmlformats.org/presentationml/2006/main">
+  <p:cSld>
+    <p:bg>
+      <p:bgPr>
+        <a:gradFill>
+          <a:gsLst>
+            <a:gs pos="37000">
+              <a:schemeClr val="accent1">
+                <a:lumMod val="5000"/>
+                <a:lumOff val="95000"/>
+              </a:schemeClr>
+            </a:gs>
+            <a:gs pos="74000">
+              <a:schemeClr val="accent1">
+                <a:lumMod val="45000"/>
+                <a:lumOff val="55000"/>
+              </a:schemeClr>
+            </a:gs>
+            <a:gs pos="83000">
+              <a:schemeClr val="accent1">
+                <a:lumMod val="45000"/>
+                <a:lumOff val="55000"/>
+              </a:schemeClr>
+            </a:gs>
+            <a:gs pos="100000">
+              <a:schemeClr val="accent1">
+                <a:lumMod val="30000"/>
+                <a:lumOff val="70000"/>
+              </a:schemeClr>
+            </a:gs>
+          </a:gsLst>
+          <a:lin ang="5400000" scaled="1"/>
+        </a:gradFill>
+        <a:effectLst/>
+      </p:bgPr>
+    </p:bg>
+    <p:spTree>
+      <p:nvGrpSpPr>
+        <p:cNvPr id="1" name=""/>
+        <p:cNvGrpSpPr/>
+        <p:nvPr/>
+      </p:nvGrpSpPr>
+      <p:grpSpPr>
+        <a:xfrm>
+          <a:off x="0" y="0"/>
+          <a:ext cx="0" cy="0"/>
+          <a:chOff x="0" y="0"/>
+          <a:chExt cx="0" cy="0"/>
+        </a:xfrm>
+      </p:grpSpPr>
+      <p:pic>
+        <p:nvPicPr>
+          <p:cNvPr id="4" name="Content Placeholder 3"/>
+          <p:cNvPicPr>
+            <a:picLocks noChangeAspect="1"/>
+          </p:cNvPicPr>
+          <p:nvPr/>
+        </p:nvPicPr>
+        <p:blipFill>
+          <a:blip r:embed="rId2"/>
+          <a:stretch>
+            <a:fillRect/>
+          </a:stretch>
+        </p:blipFill>
+        <p:spPr>
+          <a:xfrm>
+            <a:off x="838200" y="0"/>
+            <a:ext cx="6934200" cy="2975700"/>
+          </a:xfrm>
+          <a:prstGeom prst="rect">
+            <a:avLst/>
+          </a:prstGeom>
+        </p:spPr>
+      </p:pic>
+      <p:sp>
+        <p:nvSpPr>
+          <p:cNvPr id="3" name="Content Placeholder 2"/>
+          <p:cNvSpPr>
+            <a:spLocks noGrp="1"/>
+          </p:cNvSpPr>
+          <p:nvPr>
+            <p:ph idx="1"/>
+          </p:nvPr>
+        </p:nvSpPr>
+        <p:spPr>
+          <a:xfrm>
+            <a:off x="457200" y="3707536"/>
+            <a:ext cx="8182947" cy="3150464"/>
+          </a:xfrm>
+        </p:spPr>
+        <p:txBody>
+          <a:bodyPr/>
+          <a:lstStyle/>
+          <a:p>
+            <a:r>
+              <a:rPr lang="en-US" dirty="0"/>
+              <a:t>p</a:t>
+            </a:r>
+            <a:r>
+              <a:rPr lang="en-US" dirty="0" smtClean="0"/>
+              <a:t>a[</a:t>
+            </a:r>
+            <a:r>
+              <a:rPr lang="en-US" dirty="0" err="1" smtClean="0"/>
+              <a:t>i</a:t>
+            </a:r>
+            <a:r>
+              <a:rPr lang="en-US" dirty="0" smtClean="0"/>
+              <a:t>].next[</a:t>
+            </a:r>
+            <a:r>
+              <a:rPr lang="en-US" dirty="0" err="1" smtClean="0"/>
+              <a:t>i</a:t>
+            </a:r>
+            <a:r>
+              <a:rPr lang="en-US" dirty="0" smtClean="0"/>
+              <a:t>] -&gt; n (for all indexes up to </a:t>
+            </a:r>
+            <a:r>
+              <a:rPr lang="en-US" dirty="0" err="1" smtClean="0"/>
+              <a:t>n.level</a:t>
+            </a:r>
+            <a:r>
+              <a:rPr lang="en-US" dirty="0" smtClean="0"/>
+              <a:t>)</a:t>
+            </a:r>
+          </a:p>
+          <a:p>
+            <a:r>
+              <a:rPr lang="en-US" dirty="0" err="1" smtClean="0"/>
+              <a:t>na</a:t>
+            </a:r>
+            <a:r>
+              <a:rPr lang="en-US" dirty="0" smtClean="0"/>
+              <a:t>[</a:t>
+            </a:r>
+            <a:r>
+              <a:rPr lang="en-US" dirty="0" err="1" smtClean="0"/>
+              <a:t>i</a:t>
+            </a:r>
+            <a:r>
+              <a:rPr lang="en-US" dirty="0" smtClean="0"/>
+              <a:t>] = pa[</a:t>
+            </a:r>
+            <a:r>
+              <a:rPr lang="en-US" dirty="0" err="1" smtClean="0"/>
+              <a:t>i</a:t>
+            </a:r>
+            <a:r>
+              <a:rPr lang="en-US" dirty="0" smtClean="0"/>
+              <a:t>].next[</a:t>
+            </a:r>
+            <a:r>
+              <a:rPr lang="en-US" dirty="0" err="1" smtClean="0"/>
+              <a:t>i</a:t>
+            </a:r>
+            <a:r>
+              <a:rPr lang="en-US" dirty="0" smtClean="0"/>
+              <a:t>].</a:t>
+            </a:r>
+          </a:p>
+          <a:p>
+            <a:r>
+              <a:rPr lang="en-US" dirty="0" err="1" smtClean="0"/>
+              <a:t>na</a:t>
+            </a:r>
+            <a:r>
+              <a:rPr lang="en-US" dirty="0" smtClean="0"/>
+              <a:t>[0] = n</a:t>
+            </a:r>
+            <a:endParaRPr lang="en-US" dirty="0"/>
+          </a:p>
+        </p:txBody>
+      </p:sp>
+    </p:spTree>
+    <p:extLst>
+      <p:ext uri="{BB962C8B-B14F-4D97-AF65-F5344CB8AC3E}">
+        <p14:creationId xmlns:p14="http://schemas.microsoft.com/office/powerpoint/2010/main" val="2199045062"/>
+      </p:ext>
+    </p:extLst>
+  </p:cSld>
+  <p:clrMapOvr>
+    <a:masterClrMapping/>
+  </p:clrMapOvr>
+  <p:timing>
+    <p:tnLst>
+      <p:par>
+        <p:cTn id="1" dur="indefinite" restart="never" nodeType="tmRoot"/>
+      </p:par>
+    </p:tnLst>
+  </p:timing>
+</p:sld>
+</file>
+
+<file path=ppt/slides/slide7.xml><?xml version="1.0" encoding="utf-8"?>
+<p:sld xmlns:a="http://schemas.openxmlformats.org/drawingml/2006/main" xmlns:r="http://schemas.openxmlformats.org/officeDocument/2006/relationships" xmlns:p="http://schemas.openxmlformats.org/presentationml/2006/main">
+  <p:cSld>
+    <p:bg>
+      <p:bgPr>
+        <a:gradFill>
+          <a:gsLst>
+            <a:gs pos="53000">
+              <a:schemeClr val="accent1">
+                <a:lumMod val="5000"/>
+                <a:lumOff val="95000"/>
+              </a:schemeClr>
+            </a:gs>
+            <a:gs pos="74000">
+              <a:schemeClr val="accent1">
+                <a:lumMod val="45000"/>
+                <a:lumOff val="55000"/>
+              </a:schemeClr>
+            </a:gs>
+            <a:gs pos="83000">
+              <a:schemeClr val="accent1">
+                <a:lumMod val="45000"/>
+                <a:lumOff val="55000"/>
+              </a:schemeClr>
+            </a:gs>
+            <a:gs pos="100000">
+              <a:schemeClr val="accent1">
+                <a:lumMod val="30000"/>
+                <a:lumOff val="70000"/>
+              </a:schemeClr>
+            </a:gs>
+          </a:gsLst>
+          <a:lin ang="5400000" scaled="1"/>
+        </a:gradFill>
+        <a:effectLst/>
+      </p:bgPr>
+    </p:bg>
+    <p:spTree>
+      <p:nvGrpSpPr>
+        <p:cNvPr id="1" name=""/>
+        <p:cNvGrpSpPr/>
+        <p:nvPr/>
+      </p:nvGrpSpPr>
+      <p:grpSpPr>
+        <a:xfrm>
+          <a:off x="0" y="0"/>
+          <a:ext cx="0" cy="0"/>
+          <a:chOff x="0" y="0"/>
+          <a:chExt cx="0" cy="0"/>
+        </a:xfrm>
+      </p:grpSpPr>
+      <p:sp>
+        <p:nvSpPr>
+          <p:cNvPr id="2" name="Title 1"/>
+          <p:cNvSpPr>
+            <a:spLocks noGrp="1"/>
+          </p:cNvSpPr>
+          <p:nvPr>
+            <p:ph type="title"/>
+          </p:nvPr>
+        </p:nvSpPr>
+        <p:spPr/>
+        <p:txBody>
+          <a:bodyPr>
+            <a:normAutofit fontScale="90000"/>
+          </a:bodyPr>
+          <a:lstStyle/>
+          <a:p>
+            <a:r>
+              <a:rPr lang="en-US" dirty="0" smtClean="0">
+                <a:solidFill>
+                  <a:srgbClr val="C00000"/>
+                </a:solidFill>
+              </a:rPr>
+              <a:t>Differences between global lock and fine grained lock</a:t>
+            </a:r>
+            <a:endParaRPr lang="en-US" dirty="0">
+              <a:solidFill>
+                <a:srgbClr val="C00000"/>
+              </a:solidFill>
+            </a:endParaRPr>
+          </a:p>
+        </p:txBody>
+      </p:sp>
+      <p:sp>
+        <p:nvSpPr>
+          <p:cNvPr id="3" name="Content Placeholder 2"/>
+          <p:cNvSpPr>
+            <a:spLocks noGrp="1"/>
+          </p:cNvSpPr>
+          <p:nvPr>
+            <p:ph idx="1"/>
+          </p:nvPr>
+        </p:nvSpPr>
+        <p:spPr/>
+        <p:txBody>
+          <a:bodyPr/>
+          <a:lstStyle/>
+          <a:p>
+            <a:r>
+              <a:rPr lang="en-US" dirty="0" smtClean="0"/>
+              <a:t>In the grained locking mechanism the locks move from the API functions to the individual nodes themselves.</a:t>
+            </a:r>
+          </a:p>
+          <a:p>
+            <a:r>
+              <a:rPr lang="en-US" dirty="0" smtClean="0"/>
+              <a:t>Only the nodes that needs to be replaced (by the update or remove functions) are actually locked.</a:t>
+            </a:r>
+          </a:p>
+          <a:p>
+            <a:r>
+              <a:rPr lang="en-US" dirty="0" smtClean="0"/>
+              <a:t>The lookup functions checks the “live” fields instead of using locks.</a:t>
+            </a:r>
+            <a:endParaRPr lang="en-US" dirty="0"/>
+          </a:p>
+        </p:txBody>
+      </p:sp>
+    </p:spTree>
+    <p:extLst>
+      <p:ext uri="{BB962C8B-B14F-4D97-AF65-F5344CB8AC3E}">
+        <p14:creationId xmlns:p14="http://schemas.microsoft.com/office/powerpoint/2010/main" val="929293836"/>
+      </p:ext>
+    </p:extLst>
+  </p:cSld>
+  <p:clrMapOvr>
+    <a:masterClrMapping/>
+  </p:clrMapOvr>
+  <p:timing>
+    <p:tnLst>
+      <p:par>
+        <p:cTn id="1" dur="indefinite" restart="never" nodeType="tmRoot">
+          <p:childTnLst>
+            <p:seq concurrent="1" nextAc="seek">
+              <p:cTn id="2" dur="indefinite" nodeType="mainSeq">
+                <p:childTnLst>
+                  <p:par>
+                    <p:cTn id="3" fill="hold">
+                      <p:stCondLst>
+                        <p:cond delay="indefinite"/>
+                      </p:stCondLst>
+                      <p:childTnLst>
+                        <p:par>
+                          <p:cTn id="4" fill="hold">
+                            <p:stCondLst>
+                              <p:cond delay="0"/>
+                            </p:stCondLst>
+                            <p:childTnLst>
+                              <p:par>
+                                <p:cTn id="5" presetID="10" presetClass="entr" presetSubtype="0" fill="hold" grpId="0" nodeType="clickEffect">
+                                  <p:stCondLst>
+                                    <p:cond delay="0"/>
+                                  </p:stCondLst>
+                                  <p:childTnLst>
+                                    <p:set>
+                                      <p:cBhvr>
+                                        <p:cTn id="6" dur="1" fill="hold">
+                                          <p:stCondLst>
+                                            <p:cond delay="0"/>
+                                          </p:stCondLst>
+                                        </p:cTn>
+                                        <p:tgtEl>
+                                          <p:spTgt spid="3">
+                                            <p:txEl>
+                                              <p:pRg st="0" end="0"/>
+                                            </p:txEl>
+                                          </p:spTgt>
+                                        </p:tgtEl>
+                                        <p:attrNameLst>
+                                          <p:attrName>style.visibility</p:attrName>
+                                        </p:attrNameLst>
+                                      </p:cBhvr>
+                                      <p:to>
+                                        <p:strVal val="visible"/>
+                                      </p:to>
+                                    </p:set>
+                                    <p:animEffect transition="in" filter="fade">
+                                      <p:cBhvr>
+                                        <p:cTn id="7" dur="500"/>
+                                        <p:tgtEl>
+                                          <p:spTgt spid="3">
+                                            <p:txEl>
+                                              <p:pRg st="0" end="0"/>
+                                            </p:txEl>
+                                          </p:spTgt>
+                                        </p:tgtEl>
+                                      </p:cBhvr>
+                                    </p:animEffect>
+                                  </p:childTnLst>
+                                </p:cTn>
+                              </p:par>
+                            </p:childTnLst>
+                          </p:cTn>
+                        </p:par>
+                      </p:childTnLst>
+                    </p:cTn>
+                  </p:par>
+                  <p:par>
+                    <p:cTn id="8" fill="hold">
+                      <p:stCondLst>
+                        <p:cond delay="indefinite"/>
+                      </p:stCondLst>
+                      <p:childTnLst>
+                        <p:par>
+                          <p:cTn id="9" fill="hold">
+                            <p:stCondLst>
+                              <p:cond delay="0"/>
+                            </p:stCondLst>
+                            <p:childTnLst>
+                              <p:par>
+                                <p:cTn id="10" presetID="10" presetClass="entr" presetSubtype="0" fill="hold" grpId="0" nodeType="clickEffect">
+                                  <p:stCondLst>
+                                    <p:cond delay="0"/>
+                                  </p:stCondLst>
+                                  <p:childTnLst>
+                                    <p:set>
+                                      <p:cBhvr>
+                                        <p:cTn id="11" dur="1" fill="hold">
+                                          <p:stCondLst>
+                                            <p:cond delay="0"/>
+                                          </p:stCondLst>
+                                        </p:cTn>
+                                        <p:tgtEl>
+                                          <p:spTgt spid="3">
+                                            <p:txEl>
+                                              <p:pRg st="1" end="1"/>
+                                            </p:txEl>
+                                          </p:spTgt>
+                                        </p:tgtEl>
+                                        <p:attrNameLst>
+                                          <p:attrName>style.visibility</p:attrName>
+                                        </p:attrNameLst>
+                                      </p:cBhvr>
+                                      <p:to>
+                                        <p:strVal val="visible"/>
+                                      </p:to>
+                                    </p:set>
+                                    <p:animEffect transition="in" filter="fade">
+                                      <p:cBhvr>
+                                        <p:cTn id="12" dur="500"/>
+                                        <p:tgtEl>
+                                          <p:spTgt spid="3">
+                                            <p:txEl>
+                                              <p:pRg st="1" end="1"/>
+                                            </p:txEl>
+                                          </p:spTgt>
+                                        </p:tgtEl>
+                                      </p:cBhvr>
+                                    </p:animEffect>
+                                  </p:childTnLst>
+                                </p:cTn>
+                              </p:par>
+                            </p:childTnLst>
+                          </p:cTn>
+                        </p:par>
+                      </p:childTnLst>
+                    </p:cTn>
+                  </p:par>
+                  <p:par>
+                    <p:cTn id="13" fill="hold">
+                      <p:stCondLst>
+                        <p:cond delay="indefinite"/>
+                      </p:stCondLst>
+                      <p:childTnLst>
+                        <p:par>
+                          <p:cTn id="14" fill="hold">
+                            <p:stCondLst>
+                              <p:cond delay="0"/>
+                            </p:stCondLst>
+                            <p:childTnLst>
+                              <p:par>
+                                <p:cTn id="15" presetID="10" presetClass="entr" presetSubtype="0" fill="hold" grpId="0" nodeType="clickEffect">
+                                  <p:stCondLst>
+                                    <p:cond delay="0"/>
+                                  </p:stCondLst>
+                                  <p:childTnLst>
+                                    <p:set>
+                                      <p:cBhvr>
+                                        <p:cTn id="16" dur="1" fill="hold">
+                                          <p:stCondLst>
+                                            <p:cond delay="0"/>
+                                          </p:stCondLst>
+                                        </p:cTn>
+                                        <p:tgtEl>
+                                          <p:spTgt spid="3">
+                                            <p:txEl>
+                                              <p:pRg st="2" end="2"/>
+                                            </p:txEl>
+                                          </p:spTgt>
+                                        </p:tgtEl>
+                                        <p:attrNameLst>
+                                          <p:attrName>style.visibility</p:attrName>
+                                        </p:attrNameLst>
+                                      </p:cBhvr>
+                                      <p:to>
+                                        <p:strVal val="visible"/>
+                                      </p:to>
+                                    </p:set>
+                                    <p:animEffect transition="in" filter="fade">
+                                      <p:cBhvr>
+                                        <p:cTn id="17" dur="500"/>
+                                        <p:tgtEl>
+                                          <p:spTgt spid="3">
+                                            <p:txEl>
+                                              <p:pRg st="2" end="2"/>
+                                            </p:txEl>
+                                          </p:spTgt>
+                                        </p:tgtEl>
+                                      </p:cBhvr>
+                                    </p:animEffect>
+                                  </p:childTnLst>
+                                </p:cTn>
+                              </p:par>
+                            </p:childTnLst>
+                          </p:cTn>
+                        </p:par>
+                      </p:childTnLst>
+                    </p:cTn>
+                  </p:par>
+                </p:childTnLst>
+              </p:cTn>
+              <p:prevCondLst>
+                <p:cond evt="onPrev" delay="0">
+                  <p:tgtEl>
+                    <p:sldTgt/>
+                  </p:tgtEl>
+                </p:cond>
+              </p:prevCondLst>
+              <p:nextCondLst>
+                <p:cond evt="onNext" delay="0">
+                  <p:tgtEl>
+                    <p:sldTgt/>
+                  </p:tgtEl>
+                </p:cond>
+              </p:nextCondLst>
+            </p:seq>
+          </p:childTnLst>
+        </p:cTn>
+      </p:par>
+    </p:tnLst>
+    <p:bldLst>
+      <p:bldP spid="3" grpId="0" build="p"/>
+    </p:bldLst>
+  </p:timing>
+</p:sld>
+</file>
+
+<file path=ppt/slides/slide8.xml><?xml version="1.0" encoding="utf-8"?>
+<p:sld xmlns:a="http://schemas.openxmlformats.org/drawingml/2006/main" xmlns:r="http://schemas.openxmlformats.org/officeDocument/2006/relationships" xmlns:p="http://schemas.openxmlformats.org/presentationml/2006/main">
+  <p:cSld>
+    <p:bg>
+      <p:bgPr>
+        <a:gradFill>
+          <a:gsLst>
+            <a:gs pos="53000">
+              <a:schemeClr val="accent1">
+                <a:lumMod val="5000"/>
+                <a:lumOff val="95000"/>
+              </a:schemeClr>
+            </a:gs>
+            <a:gs pos="74000">
+              <a:schemeClr val="accent1">
+                <a:lumMod val="45000"/>
+                <a:lumOff val="55000"/>
+              </a:schemeClr>
+            </a:gs>
+            <a:gs pos="83000">
+              <a:schemeClr val="accent1">
+                <a:lumMod val="45000"/>
+                <a:lumOff val="55000"/>
+              </a:schemeClr>
+            </a:gs>
+            <a:gs pos="100000">
+              <a:schemeClr val="accent1">
+                <a:lumMod val="30000"/>
+                <a:lumOff val="70000"/>
+              </a:schemeClr>
+            </a:gs>
+          </a:gsLst>
+          <a:lin ang="5400000" scaled="1"/>
+        </a:gradFill>
+        <a:effectLst/>
+      </p:bgPr>
+    </p:bg>
+    <p:spTree>
+      <p:nvGrpSpPr>
+        <p:cNvPr id="1" name=""/>
+        <p:cNvGrpSpPr/>
+        <p:nvPr/>
+      </p:nvGrpSpPr>
+      <p:grpSpPr>
+        <a:xfrm>
+          <a:off x="0" y="0"/>
+          <a:ext cx="0" cy="0"/>
+          <a:chOff x="0" y="0"/>
+          <a:chExt cx="0" cy="0"/>
+        </a:xfrm>
+      </p:grpSpPr>
+      <p:sp>
+        <p:nvSpPr>
+          <p:cNvPr id="2" name="Title 1"/>
+          <p:cNvSpPr>
+            <a:spLocks noGrp="1"/>
+          </p:cNvSpPr>
+          <p:nvPr>
+            <p:ph type="title"/>
+          </p:nvPr>
+        </p:nvSpPr>
+        <p:spPr/>
+        <p:txBody>
+          <a:bodyPr>
+            <a:normAutofit fontScale="90000"/>
+          </a:bodyPr>
+          <a:lstStyle/>
+          <a:p>
+            <a:r>
+              <a:rPr lang="en-US" dirty="0" smtClean="0">
+                <a:solidFill>
+                  <a:srgbClr val="C00000"/>
+                </a:solidFill>
+              </a:rPr>
+              <a:t>Transactional Memory </a:t>
+            </a:r>
+            <a:br>
+              <a:rPr lang="en-US" dirty="0" smtClean="0">
+                <a:solidFill>
+                  <a:srgbClr val="C00000"/>
+                </a:solidFill>
+              </a:rPr>
+            </a:br>
+            <a:r>
+              <a:rPr lang="en-US" dirty="0" smtClean="0">
+                <a:solidFill>
+                  <a:srgbClr val="C00000"/>
+                </a:solidFill>
+              </a:rPr>
+              <a:t>implementation</a:t>
+            </a:r>
+            <a:endParaRPr lang="en-US" dirty="0">
+              <a:solidFill>
+                <a:srgbClr val="C00000"/>
+              </a:solidFill>
+            </a:endParaRPr>
+          </a:p>
+        </p:txBody>
+      </p:sp>
+      <p:sp>
+        <p:nvSpPr>
+          <p:cNvPr id="3" name="Content Placeholder 2"/>
+          <p:cNvSpPr>
+            <a:spLocks noGrp="1"/>
+          </p:cNvSpPr>
+          <p:nvPr>
+            <p:ph idx="1"/>
+          </p:nvPr>
+        </p:nvSpPr>
+        <p:spPr/>
+        <p:txBody>
+          <a:bodyPr/>
+          <a:lstStyle/>
+          <a:p>
+            <a:r>
+              <a:rPr lang="en-US" dirty="0" smtClean="0"/>
+              <a:t>In this implementation two more atomic utility functions are added to the update and remove actions: </a:t>
+            </a:r>
+            <a:r>
+              <a:rPr lang="en-US" dirty="0" err="1" smtClean="0"/>
+              <a:t>updateLT</a:t>
+            </a:r>
+            <a:r>
+              <a:rPr lang="en-US" dirty="0" smtClean="0"/>
+              <a:t> and </a:t>
+            </a:r>
+            <a:r>
+              <a:rPr lang="en-US" dirty="0" err="1" smtClean="0"/>
+              <a:t>removeLT</a:t>
+            </a:r>
+            <a:r>
+              <a:rPr lang="en-US" dirty="0" smtClean="0"/>
+              <a:t>.</a:t>
+            </a:r>
+          </a:p>
+          <a:p>
+            <a:r>
+              <a:rPr lang="en-US" dirty="0" smtClean="0"/>
+              <a:t>These functions check if “our” nodes are marked as going through changes by another thread. If these nodes are marked the function fails and tries again, if not it marks them itself.</a:t>
+            </a:r>
+          </a:p>
+          <a:p>
+            <a:endParaRPr lang="en-US" dirty="0"/>
+          </a:p>
+        </p:txBody>
+      </p:sp>
+    </p:spTree>
+    <p:extLst>
+      <p:ext uri="{BB962C8B-B14F-4D97-AF65-F5344CB8AC3E}">
+        <p14:creationId xmlns:p14="http://schemas.microsoft.com/office/powerpoint/2010/main" val="4158829958"/>
+      </p:ext>
+    </p:extLst>
+  </p:cSld>
+  <p:clrMapOvr>
+    <a:masterClrMapping/>
+  </p:clrMapOvr>
+  <p:timing>
+    <p:tnLst>
+      <p:par>
+        <p:cTn id="1" dur="indefinite" restart="never" nodeType="tmRoot">
+          <p:childTnLst>
+            <p:seq concurrent="1" nextAc="seek">
+              <p:cTn id="2" dur="indefinite" nodeType="mainSeq">
+                <p:childTnLst>
+                  <p:par>
+                    <p:cTn id="3" fill="hold">
+                      <p:stCondLst>
+                        <p:cond delay="indefinite"/>
+                      </p:stCondLst>
+                      <p:childTnLst>
+                        <p:par>
+                          <p:cTn id="4" fill="hold">
+                            <p:stCondLst>
+                              <p:cond delay="0"/>
+                            </p:stCondLst>
+                            <p:childTnLst>
+                              <p:par>
+                                <p:cTn id="5" presetID="10" presetClass="entr" presetSubtype="0" fill="hold" grpId="0" nodeType="clickEffect">
+                                  <p:stCondLst>
+                                    <p:cond delay="0"/>
+                                  </p:stCondLst>
+                                  <p:childTnLst>
+                                    <p:set>
+                                      <p:cBhvr>
+                                        <p:cTn id="6" dur="1" fill="hold">
+                                          <p:stCondLst>
+                                            <p:cond delay="0"/>
+                                          </p:stCondLst>
+                                        </p:cTn>
+                                        <p:tgtEl>
+                                          <p:spTgt spid="3">
+                                            <p:txEl>
+                                              <p:pRg st="0" end="0"/>
+                                            </p:txEl>
+                                          </p:spTgt>
+                                        </p:tgtEl>
+                                        <p:attrNameLst>
+                                          <p:attrName>style.visibility</p:attrName>
+                                        </p:attrNameLst>
+                                      </p:cBhvr>
+                                      <p:to>
+                                        <p:strVal val="visible"/>
+                                      </p:to>
+                                    </p:set>
+                                    <p:animEffect transition="in" filter="fade">
+                                      <p:cBhvr>
+                                        <p:cTn id="7" dur="500"/>
+                                        <p:tgtEl>
+                                          <p:spTgt spid="3">
+                                            <p:txEl>
+                                              <p:pRg st="0" end="0"/>
+                                            </p:txEl>
+                                          </p:spTgt>
+                                        </p:tgtEl>
+                                      </p:cBhvr>
+                                    </p:animEffect>
+                                  </p:childTnLst>
+                                </p:cTn>
+                              </p:par>
+                            </p:childTnLst>
+                          </p:cTn>
+                        </p:par>
+                      </p:childTnLst>
+                    </p:cTn>
+                  </p:par>
+                  <p:par>
+                    <p:cTn id="8" fill="hold">
+                      <p:stCondLst>
+                        <p:cond delay="indefinite"/>
+                      </p:stCondLst>
+                      <p:childTnLst>
+                        <p:par>
+                          <p:cTn id="9" fill="hold">
+                            <p:stCondLst>
+                              <p:cond delay="0"/>
+                            </p:stCondLst>
+                            <p:childTnLst>
+                              <p:par>
+                                <p:cTn id="10" presetID="10" presetClass="entr" presetSubtype="0" fill="hold" grpId="0" nodeType="clickEffect">
+                                  <p:stCondLst>
+                                    <p:cond delay="0"/>
+                                  </p:stCondLst>
+                                  <p:childTnLst>
+                                    <p:set>
+                                      <p:cBhvr>
+                                        <p:cTn id="11" dur="1" fill="hold">
+                                          <p:stCondLst>
+                                            <p:cond delay="0"/>
+                                          </p:stCondLst>
+                                        </p:cTn>
+                                        <p:tgtEl>
+                                          <p:spTgt spid="3">
+                                            <p:txEl>
+                                              <p:pRg st="1" end="1"/>
+                                            </p:txEl>
+                                          </p:spTgt>
+                                        </p:tgtEl>
+                                        <p:attrNameLst>
+                                          <p:attrName>style.visibility</p:attrName>
+                                        </p:attrNameLst>
+                                      </p:cBhvr>
+                                      <p:to>
+                                        <p:strVal val="visible"/>
+                                      </p:to>
+                                    </p:set>
+                                    <p:animEffect transition="in" filter="fade">
+                                      <p:cBhvr>
+                                        <p:cTn id="12" dur="500"/>
+                                        <p:tgtEl>
+                                          <p:spTgt spid="3">
+                                            <p:txEl>
+                                              <p:pRg st="1" end="1"/>
+                                            </p:txEl>
+                                          </p:spTgt>
+                                        </p:tgtEl>
+                                      </p:cBhvr>
+                                    </p:animEffect>
+                                  </p:childTnLst>
+                                </p:cTn>
+                              </p:par>
+                            </p:childTnLst>
+                          </p:cTn>
+                        </p:par>
+                      </p:childTnLst>
+                    </p:cTn>
+                  </p:par>
+                </p:childTnLst>
+              </p:cTn>
+              <p:prevCondLst>
+                <p:cond evt="onPrev" delay="0">
+                  <p:tgtEl>
+                    <p:sldTgt/>
+                  </p:tgtEl>
+                </p:cond>
+              </p:prevCondLst>
+              <p:nextCondLst>
+                <p:cond evt="onNext" delay="0">
+                  <p:tgtEl>
+                    <p:sldTgt/>
+                  </p:tgtEl>
+                </p:cond>
+              </p:nextCondLst>
+            </p:seq>
+          </p:childTnLst>
+        </p:cTn>
+      </p:par>
+    </p:tnLst>
+    <p:bldLst>
+      <p:bldP spid="3" grpId="0" build="p"/>
+    </p:bldLst>
+  </p:timing>
+</p:sld>
+</file>
+
+<file path=ppt/slides/slide9.xml><?xml version="1.0" encoding="utf-8"?>
+<p:sld xmlns:a="http://schemas.openxmlformats.org/drawingml/2006/main" xmlns:r="http://schemas.openxmlformats.org/officeDocument/2006/relationships" xmlns:p="http://schemas.openxmlformats.org/presentationml/2006/main">
+  <p:cSld>
+    <p:bg>
+      <p:bgPr>
+        <a:gradFill>
+          <a:gsLst>
+            <a:gs pos="62000">
+              <a:schemeClr val="accent1">
+                <a:lumMod val="5000"/>
+                <a:lumOff val="95000"/>
+              </a:schemeClr>
+            </a:gs>
+            <a:gs pos="74000">
+              <a:schemeClr val="accent1">
+                <a:lumMod val="45000"/>
+                <a:lumOff val="55000"/>
+              </a:schemeClr>
+            </a:gs>
+            <a:gs pos="83000">
+              <a:schemeClr val="accent1">
+                <a:lumMod val="45000"/>
+                <a:lumOff val="55000"/>
+              </a:schemeClr>
+            </a:gs>
+            <a:gs pos="100000">
+              <a:schemeClr val="accent1">
+                <a:lumMod val="30000"/>
+                <a:lumOff val="70000"/>
+              </a:schemeClr>
+            </a:gs>
+          </a:gsLst>
+          <a:lin ang="5400000" scaled="1"/>
+        </a:gradFill>
+        <a:effectLst/>
+      </p:bgPr>
+    </p:bg>
+    <p:spTree>
+      <p:nvGrpSpPr>
+        <p:cNvPr id="1" name=""/>
+        <p:cNvGrpSpPr/>
+        <p:nvPr/>
+      </p:nvGrpSpPr>
+      <p:grpSpPr>
+        <a:xfrm>
+          <a:off x="0" y="0"/>
+          <a:ext cx="0" cy="0"/>
+          <a:chOff x="0" y="0"/>
+          <a:chExt cx="0" cy="0"/>
+        </a:xfrm>
+      </p:grpSpPr>
+      <p:sp>
+        <p:nvSpPr>
+          <p:cNvPr id="2" name="Title 1"/>
+          <p:cNvSpPr>
+            <a:spLocks noGrp="1"/>
+          </p:cNvSpPr>
+          <p:nvPr>
+            <p:ph type="title"/>
+          </p:nvPr>
+        </p:nvSpPr>
+        <p:spPr/>
+        <p:txBody>
+          <a:bodyPr/>
+          <a:lstStyle/>
+          <a:p>
+            <a:r>
+              <a:rPr lang="en-US" dirty="0" smtClean="0">
+                <a:solidFill>
+                  <a:srgbClr val="C00000"/>
+                </a:solidFill>
+              </a:rPr>
+              <a:t>Our </a:t>
+            </a:r>
+            <a:r>
+              <a:rPr lang="en-US" dirty="0" err="1" smtClean="0">
+                <a:solidFill>
+                  <a:srgbClr val="C00000"/>
+                </a:solidFill>
+              </a:rPr>
+              <a:t>improvment</a:t>
+            </a:r>
+            <a:endParaRPr lang="en-US" dirty="0">
+              <a:solidFill>
+                <a:srgbClr val="C00000"/>
+              </a:solidFill>
+            </a:endParaRPr>
+          </a:p>
+        </p:txBody>
+      </p:sp>
+      <p:sp>
+        <p:nvSpPr>
+          <p:cNvPr id="3" name="Content Placeholder 2"/>
+          <p:cNvSpPr>
+            <a:spLocks noGrp="1"/>
+          </p:cNvSpPr>
+          <p:nvPr>
+            <p:ph idx="1"/>
+          </p:nvPr>
+        </p:nvSpPr>
+        <p:spPr/>
+        <p:txBody>
+          <a:bodyPr/>
+          <a:lstStyle/>
+          <a:p>
+            <a:r>
+              <a:rPr lang="en-US" dirty="0" smtClean="0"/>
+              <a:t>In the transactional code we received, if the atomic action fails than the update/remove actions starts allover again for the Leap-Lists in the array.</a:t>
+            </a:r>
+          </a:p>
+          <a:p>
+            <a:r>
+              <a:rPr lang="en-US" dirty="0" smtClean="0"/>
+              <a:t>In our implementation the action is retried only for the problematic list itself.</a:t>
+            </a:r>
+          </a:p>
+          <a:p>
+            <a:r>
+              <a:rPr lang="en-US" dirty="0" smtClean="0"/>
+              <a:t>In the “c” module the transactional code didn’t work before improvement.</a:t>
+            </a:r>
+            <a:endParaRPr lang="en-US" dirty="0"/>
+          </a:p>
+        </p:txBody>
+      </p:sp>
+    </p:spTree>
+    <p:extLst>
+      <p:ext uri="{BB962C8B-B14F-4D97-AF65-F5344CB8AC3E}">
+        <p14:creationId xmlns:p14="http://schemas.microsoft.com/office/powerpoint/2010/main" val="3595317497"/>
+      </p:ext>
+    </p:extLst>
+  </p:cSld>
+  <p:clrMapOvr>
+    <a:masterClrMapping/>
+  </p:clrMapOvr>
+  <p:timing>
+    <p:tnLst>
+      <p:par>
+        <p:cTn id="1" dur="indefinite" restart="never" nodeType="tmRoot">
+          <p:childTnLst>
+            <p:seq concurrent="1" nextAc="seek">
+              <p:cTn id="2" dur="indefinite" nodeType="mainSeq">
+                <p:childTnLst>
+                  <p:par>
+                    <p:cTn id="3" fill="hold">
+                      <p:stCondLst>
+                        <p:cond delay="indefinite"/>
+                      </p:stCondLst>
+                      <p:childTnLst>
+                        <p:par>
+                          <p:cTn id="4" fill="hold">
+                            <p:stCondLst>
+                              <p:cond delay="0"/>
+                            </p:stCondLst>
+                            <p:childTnLst>
+                              <p:par>
+                                <p:cTn id="5" presetID="10" presetClass="entr" presetSubtype="0" fill="hold" grpId="0" nodeType="clickEffect">
+                                  <p:stCondLst>
+                                    <p:cond delay="0"/>
+                                  </p:stCondLst>
+                                  <p:childTnLst>
+                                    <p:set>
+                                      <p:cBhvr>
+                                        <p:cTn id="6" dur="1" fill="hold">
+                                          <p:stCondLst>
+                                            <p:cond delay="0"/>
+                                          </p:stCondLst>
+                                        </p:cTn>
+                                        <p:tgtEl>
+                                          <p:spTgt spid="3">
+                                            <p:txEl>
+                                              <p:pRg st="0" end="0"/>
+                                            </p:txEl>
+                                          </p:spTgt>
+                                        </p:tgtEl>
+                                        <p:attrNameLst>
+                                          <p:attrName>style.visibility</p:attrName>
+                                        </p:attrNameLst>
+                                      </p:cBhvr>
+                                      <p:to>
+                                        <p:strVal val="visible"/>
+                                      </p:to>
+                                    </p:set>
+                                    <p:animEffect transition="in" filter="fade">
+                                      <p:cBhvr>
+                                        <p:cTn id="7" dur="500"/>
+                                        <p:tgtEl>
+                                          <p:spTgt spid="3">
+                                            <p:txEl>
+                                              <p:pRg st="0" end="0"/>
+                                            </p:txEl>
+                                          </p:spTgt>
+                                        </p:tgtEl>
+                                      </p:cBhvr>
+                                    </p:animEffect>
+                                  </p:childTnLst>
+                                </p:cTn>
+                              </p:par>
+                            </p:childTnLst>
+                          </p:cTn>
+                        </p:par>
+                      </p:childTnLst>
+                    </p:cTn>
+                  </p:par>
+                  <p:par>
+                    <p:cTn id="8" fill="hold">
+                      <p:stCondLst>
+                        <p:cond delay="indefinite"/>
+                      </p:stCondLst>
+                      <p:childTnLst>
+                        <p:par>
+                          <p:cTn id="9" fill="hold">
+                            <p:stCondLst>
+                              <p:cond delay="0"/>
+                            </p:stCondLst>
+                            <p:childTnLst>
+                              <p:par>
+                                <p:cTn id="10" presetID="10" presetClass="entr" presetSubtype="0" fill="hold" grpId="0" nodeType="clickEffect">
+                                  <p:stCondLst>
+                                    <p:cond delay="0"/>
+                                  </p:stCondLst>
+                                  <p:childTnLst>
+                                    <p:set>
+                                      <p:cBhvr>
+                                        <p:cTn id="11" dur="1" fill="hold">
+                                          <p:stCondLst>
+                                            <p:cond delay="0"/>
+                                          </p:stCondLst>
+                                        </p:cTn>
+                                        <p:tgtEl>
+                                          <p:spTgt spid="3">
+                                            <p:txEl>
+                                              <p:pRg st="1" end="1"/>
+                                            </p:txEl>
+                                          </p:spTgt>
+                                        </p:tgtEl>
+                                        <p:attrNameLst>
+                                          <p:attrName>style.visibility</p:attrName>
+                                        </p:attrNameLst>
+                                      </p:cBhvr>
+                                      <p:to>
+                                        <p:strVal val="visible"/>
+                                      </p:to>
+                                    </p:set>
+                                    <p:animEffect transition="in" filter="fade">
+                                      <p:cBhvr>
+                                        <p:cTn id="12" dur="500"/>
+                                        <p:tgtEl>
+                                          <p:spTgt spid="3">
+                                            <p:txEl>
+                                              <p:pRg st="1" end="1"/>
+                                            </p:txEl>
+                                          </p:spTgt>
+                                        </p:tgtEl>
+                                      </p:cBhvr>
+                                    </p:animEffect>
+                                  </p:childTnLst>
+                                </p:cTn>
+                              </p:par>
+                            </p:childTnLst>
+                          </p:cTn>
+                        </p:par>
+                      </p:childTnLst>
+                    </p:cTn>
+                  </p:par>
+                  <p:par>
+                    <p:cTn id="13" fill="hold">
+                      <p:stCondLst>
+                        <p:cond delay="indefinite"/>
+                      </p:stCondLst>
+                      <p:childTnLst>
+                        <p:par>
+                          <p:cTn id="14" fill="hold">
+                            <p:stCondLst>
+                              <p:cond delay="0"/>
+                            </p:stCondLst>
+                            <p:childTnLst>
+                              <p:par>
+                                <p:cTn id="15" presetID="10" presetClass="entr" presetSubtype="0" fill="hold" grpId="0" nodeType="clickEffect">
+                                  <p:stCondLst>
+                                    <p:cond delay="0"/>
+                                  </p:stCondLst>
+                                  <p:childTnLst>
+                                    <p:set>
+                                      <p:cBhvr>
+                                        <p:cTn id="16" dur="1" fill="hold">
+                                          <p:stCondLst>
+                                            <p:cond delay="0"/>
+                                          </p:stCondLst>
+                                        </p:cTn>
+                                        <p:tgtEl>
+                                          <p:spTgt spid="3">
+                                            <p:txEl>
+                                              <p:pRg st="2" end="2"/>
+                                            </p:txEl>
+                                          </p:spTgt>
+                                        </p:tgtEl>
+                                        <p:attrNameLst>
+                                          <p:attrName>style.visibility</p:attrName>
+                                        </p:attrNameLst>
+                                      </p:cBhvr>
+                                      <p:to>
+                                        <p:strVal val="visible"/>
+                                      </p:to>
+                                    </p:set>
+                                    <p:animEffect transition="in" filter="fade">
+                                      <p:cBhvr>
+                                        <p:cTn id="17" dur="500"/>
+                                        <p:tgtEl>
+                                          <p:spTgt spid="3">
+                                            <p:txEl>
+                                              <p:pRg st="2" end="2"/>
+                                            </p:txEl>
+                                          </p:spTgt>
+                                        </p:tgtEl>
+                                      </p:cBhvr>
+                                    </p:animEffect>
+                                  </p:childTnLst>
+                                </p:cTn>
+                              </p:par>
+                            </p:childTnLst>
+                          </p:cTn>
+                        </p:par>
+                      </p:childTnLst>
+                    </p:cTn>
+                  </p:par>
+                </p:childTnLst>
+              </p:cTn>
+              <p:prevCondLst>
+                <p:cond evt="onPrev" delay="0">
+                  <p:tgtEl>
+                    <p:sldTgt/>
+                  </p:tgtEl>
+                </p:cond>
+              </p:prevCondLst>
+              <p:nextCondLst>
+                <p:cond evt="onNext" delay="0">
+                  <p:tgtEl>
+                    <p:sldTgt/>
+                  </p:tgtEl>
+                </p:cond>
+              </p:nextCondLst>
+            </p:seq>
+          </p:childTnLst>
+        </p:cTn>
+      </p:par>
+    </p:tnLst>
+    <p:bldLst>
+      <p:bldP spid="3" grpId="0" build="p"/>
+    </p:bldLst>
   </p:timing>
 </p:sld>
 </file>

--- a/Leaplist.pptx
+++ b/Leaplist.pptx
@@ -5,7 +5,7 @@
     <p:sldMasterId id="2147483648" r:id="rId1"/>
   </p:sldMasterIdLst>
   <p:notesMasterIdLst>
-    <p:notesMasterId r:id="rId13"/>
+    <p:notesMasterId r:id="rId16"/>
   </p:notesMasterIdLst>
   <p:sldIdLst>
     <p:sldId id="256" r:id="rId2"/>
@@ -18,7 +18,10 @@
     <p:sldId id="263" r:id="rId9"/>
     <p:sldId id="264" r:id="rId10"/>
     <p:sldId id="266" r:id="rId11"/>
-    <p:sldId id="265" r:id="rId12"/>
+    <p:sldId id="270" r:id="rId12"/>
+    <p:sldId id="271" r:id="rId13"/>
+    <p:sldId id="272" r:id="rId14"/>
+    <p:sldId id="265" r:id="rId15"/>
   </p:sldIdLst>
   <p:sldSz cx="9144000" cy="6858000" type="screen4x3"/>
   <p:notesSz cx="6858000" cy="9144000"/>
@@ -119,7 +122,7 @@
   </p:defaultTextStyle>
   <p:extLst>
     <p:ext uri="{EFAFB233-063F-42B5-8137-9DF3F51BA10A}">
-      <p15:sldGuideLst xmlns:p15="http://schemas.microsoft.com/office/powerpoint/2012/main">
+      <p15:sldGuideLst xmlns:p15="http://schemas.microsoft.com/office/powerpoint/2012/main" xmlns="">
         <p15:guide id="1" orient="horz" pos="2160">
           <p15:clr>
             <a:srgbClr val="A4A3A4"/>
@@ -3886,24 +3889,26 @@
         </p:nvSpPr>
         <p:spPr/>
         <p:txBody>
-          <a:bodyPr/>
+          <a:bodyPr>
+            <a:normAutofit fontScale="90000"/>
+          </a:bodyPr>
           <a:lstStyle/>
           <a:p>
-            <a:r>
-              <a:rPr lang="en-US" dirty="0" err="1" smtClean="0">
-                <a:solidFill>
-                  <a:srgbClr val="C00000"/>
-                </a:solidFill>
-              </a:rPr>
-              <a:t>Diffrences</a:t>
-            </a:r>
             <a:r>
               <a:rPr lang="en-US" dirty="0" smtClean="0">
                 <a:solidFill>
                   <a:srgbClr val="C00000"/>
                 </a:solidFill>
               </a:rPr>
-              <a:t> between “C” and “Java”</a:t>
+              <a:t>Differences </a:t>
+            </a:r>
+            <a:r>
+              <a:rPr lang="en-US" dirty="0" smtClean="0">
+                <a:solidFill>
+                  <a:srgbClr val="C00000"/>
+                </a:solidFill>
+              </a:rPr>
+              <a:t>between “C” and “Java”</a:t>
             </a:r>
             <a:endParaRPr lang="en-US" dirty="0">
               <a:solidFill>
@@ -3928,7 +3933,37 @@
           <a:bodyPr/>
           <a:lstStyle/>
           <a:p>
-            <a:endParaRPr lang="en-US"/>
+            <a:r>
+              <a:rPr lang="en-US" dirty="0" smtClean="0"/>
+              <a:t>Memory handling.</a:t>
+            </a:r>
+          </a:p>
+          <a:p>
+            <a:r>
+              <a:rPr lang="en-US" dirty="0" smtClean="0"/>
+              <a:t>No </a:t>
+            </a:r>
+            <a:r>
+              <a:rPr lang="en-US" dirty="0" err="1" smtClean="0"/>
+              <a:t>try,catch</a:t>
+            </a:r>
+            <a:r>
+              <a:rPr lang="en-US" dirty="0" smtClean="0"/>
+              <a:t> &amp; finally in C.</a:t>
+            </a:r>
+          </a:p>
+          <a:p>
+            <a:r>
+              <a:rPr lang="en-US" dirty="0" smtClean="0"/>
+              <a:t>STM vs HTM. STM is more robust and flexible to big transactions. HTM is much more efficient.</a:t>
+            </a:r>
+          </a:p>
+          <a:p>
+            <a:r>
+              <a:rPr lang="en-US" dirty="0" smtClean="0"/>
+              <a:t>Thread debugging. </a:t>
+            </a:r>
+            <a:endParaRPr lang="en-US" dirty="0"/>
           </a:p>
         </p:txBody>
       </p:sp>
@@ -3945,14 +3980,1464 @@
   <p:timing>
     <p:tnLst>
       <p:par>
-        <p:cTn id="1" dur="indefinite" restart="never" nodeType="tmRoot"/>
+        <p:cTn id="1" dur="indefinite" restart="never" nodeType="tmRoot">
+          <p:childTnLst>
+            <p:seq concurrent="1" nextAc="seek">
+              <p:cTn id="2" dur="indefinite" nodeType="mainSeq">
+                <p:childTnLst>
+                  <p:par>
+                    <p:cTn id="3" fill="hold">
+                      <p:stCondLst>
+                        <p:cond delay="indefinite"/>
+                      </p:stCondLst>
+                      <p:childTnLst>
+                        <p:par>
+                          <p:cTn id="4" fill="hold">
+                            <p:stCondLst>
+                              <p:cond delay="0"/>
+                            </p:stCondLst>
+                            <p:childTnLst>
+                              <p:par>
+                                <p:cTn id="5" presetID="10" presetClass="entr" presetSubtype="0" fill="hold" grpId="0" nodeType="clickEffect">
+                                  <p:stCondLst>
+                                    <p:cond delay="0"/>
+                                  </p:stCondLst>
+                                  <p:childTnLst>
+                                    <p:set>
+                                      <p:cBhvr>
+                                        <p:cTn id="6" dur="1" fill="hold">
+                                          <p:stCondLst>
+                                            <p:cond delay="0"/>
+                                          </p:stCondLst>
+                                        </p:cTn>
+                                        <p:tgtEl>
+                                          <p:spTgt spid="3">
+                                            <p:txEl>
+                                              <p:pRg st="0" end="0"/>
+                                            </p:txEl>
+                                          </p:spTgt>
+                                        </p:tgtEl>
+                                        <p:attrNameLst>
+                                          <p:attrName>style.visibility</p:attrName>
+                                        </p:attrNameLst>
+                                      </p:cBhvr>
+                                      <p:to>
+                                        <p:strVal val="visible"/>
+                                      </p:to>
+                                    </p:set>
+                                    <p:animEffect transition="in" filter="fade">
+                                      <p:cBhvr>
+                                        <p:cTn id="7" dur="500"/>
+                                        <p:tgtEl>
+                                          <p:spTgt spid="3">
+                                            <p:txEl>
+                                              <p:pRg st="0" end="0"/>
+                                            </p:txEl>
+                                          </p:spTgt>
+                                        </p:tgtEl>
+                                      </p:cBhvr>
+                                    </p:animEffect>
+                                  </p:childTnLst>
+                                </p:cTn>
+                              </p:par>
+                            </p:childTnLst>
+                          </p:cTn>
+                        </p:par>
+                      </p:childTnLst>
+                    </p:cTn>
+                  </p:par>
+                  <p:par>
+                    <p:cTn id="8" fill="hold">
+                      <p:stCondLst>
+                        <p:cond delay="indefinite"/>
+                      </p:stCondLst>
+                      <p:childTnLst>
+                        <p:par>
+                          <p:cTn id="9" fill="hold">
+                            <p:stCondLst>
+                              <p:cond delay="0"/>
+                            </p:stCondLst>
+                            <p:childTnLst>
+                              <p:par>
+                                <p:cTn id="10" presetID="10" presetClass="entr" presetSubtype="0" fill="hold" grpId="0" nodeType="clickEffect">
+                                  <p:stCondLst>
+                                    <p:cond delay="0"/>
+                                  </p:stCondLst>
+                                  <p:childTnLst>
+                                    <p:set>
+                                      <p:cBhvr>
+                                        <p:cTn id="11" dur="1" fill="hold">
+                                          <p:stCondLst>
+                                            <p:cond delay="0"/>
+                                          </p:stCondLst>
+                                        </p:cTn>
+                                        <p:tgtEl>
+                                          <p:spTgt spid="3">
+                                            <p:txEl>
+                                              <p:pRg st="1" end="1"/>
+                                            </p:txEl>
+                                          </p:spTgt>
+                                        </p:tgtEl>
+                                        <p:attrNameLst>
+                                          <p:attrName>style.visibility</p:attrName>
+                                        </p:attrNameLst>
+                                      </p:cBhvr>
+                                      <p:to>
+                                        <p:strVal val="visible"/>
+                                      </p:to>
+                                    </p:set>
+                                    <p:animEffect transition="in" filter="fade">
+                                      <p:cBhvr>
+                                        <p:cTn id="12" dur="500"/>
+                                        <p:tgtEl>
+                                          <p:spTgt spid="3">
+                                            <p:txEl>
+                                              <p:pRg st="1" end="1"/>
+                                            </p:txEl>
+                                          </p:spTgt>
+                                        </p:tgtEl>
+                                      </p:cBhvr>
+                                    </p:animEffect>
+                                  </p:childTnLst>
+                                </p:cTn>
+                              </p:par>
+                            </p:childTnLst>
+                          </p:cTn>
+                        </p:par>
+                      </p:childTnLst>
+                    </p:cTn>
+                  </p:par>
+                  <p:par>
+                    <p:cTn id="13" fill="hold">
+                      <p:stCondLst>
+                        <p:cond delay="indefinite"/>
+                      </p:stCondLst>
+                      <p:childTnLst>
+                        <p:par>
+                          <p:cTn id="14" fill="hold">
+                            <p:stCondLst>
+                              <p:cond delay="0"/>
+                            </p:stCondLst>
+                            <p:childTnLst>
+                              <p:par>
+                                <p:cTn id="15" presetID="10" presetClass="entr" presetSubtype="0" fill="hold" grpId="0" nodeType="clickEffect">
+                                  <p:stCondLst>
+                                    <p:cond delay="0"/>
+                                  </p:stCondLst>
+                                  <p:childTnLst>
+                                    <p:set>
+                                      <p:cBhvr>
+                                        <p:cTn id="16" dur="1" fill="hold">
+                                          <p:stCondLst>
+                                            <p:cond delay="0"/>
+                                          </p:stCondLst>
+                                        </p:cTn>
+                                        <p:tgtEl>
+                                          <p:spTgt spid="3">
+                                            <p:txEl>
+                                              <p:pRg st="2" end="2"/>
+                                            </p:txEl>
+                                          </p:spTgt>
+                                        </p:tgtEl>
+                                        <p:attrNameLst>
+                                          <p:attrName>style.visibility</p:attrName>
+                                        </p:attrNameLst>
+                                      </p:cBhvr>
+                                      <p:to>
+                                        <p:strVal val="visible"/>
+                                      </p:to>
+                                    </p:set>
+                                    <p:animEffect transition="in" filter="fade">
+                                      <p:cBhvr>
+                                        <p:cTn id="17" dur="500"/>
+                                        <p:tgtEl>
+                                          <p:spTgt spid="3">
+                                            <p:txEl>
+                                              <p:pRg st="2" end="2"/>
+                                            </p:txEl>
+                                          </p:spTgt>
+                                        </p:tgtEl>
+                                      </p:cBhvr>
+                                    </p:animEffect>
+                                  </p:childTnLst>
+                                </p:cTn>
+                              </p:par>
+                            </p:childTnLst>
+                          </p:cTn>
+                        </p:par>
+                      </p:childTnLst>
+                    </p:cTn>
+                  </p:par>
+                  <p:par>
+                    <p:cTn id="18" fill="hold">
+                      <p:stCondLst>
+                        <p:cond delay="indefinite"/>
+                      </p:stCondLst>
+                      <p:childTnLst>
+                        <p:par>
+                          <p:cTn id="19" fill="hold">
+                            <p:stCondLst>
+                              <p:cond delay="0"/>
+                            </p:stCondLst>
+                            <p:childTnLst>
+                              <p:par>
+                                <p:cTn id="20" presetID="10" presetClass="entr" presetSubtype="0" fill="hold" grpId="0" nodeType="clickEffect">
+                                  <p:stCondLst>
+                                    <p:cond delay="0"/>
+                                  </p:stCondLst>
+                                  <p:childTnLst>
+                                    <p:set>
+                                      <p:cBhvr>
+                                        <p:cTn id="21" dur="1" fill="hold">
+                                          <p:stCondLst>
+                                            <p:cond delay="0"/>
+                                          </p:stCondLst>
+                                        </p:cTn>
+                                        <p:tgtEl>
+                                          <p:spTgt spid="3">
+                                            <p:txEl>
+                                              <p:pRg st="3" end="3"/>
+                                            </p:txEl>
+                                          </p:spTgt>
+                                        </p:tgtEl>
+                                        <p:attrNameLst>
+                                          <p:attrName>style.visibility</p:attrName>
+                                        </p:attrNameLst>
+                                      </p:cBhvr>
+                                      <p:to>
+                                        <p:strVal val="visible"/>
+                                      </p:to>
+                                    </p:set>
+                                    <p:animEffect transition="in" filter="fade">
+                                      <p:cBhvr>
+                                        <p:cTn id="22" dur="500"/>
+                                        <p:tgtEl>
+                                          <p:spTgt spid="3">
+                                            <p:txEl>
+                                              <p:pRg st="3" end="3"/>
+                                            </p:txEl>
+                                          </p:spTgt>
+                                        </p:tgtEl>
+                                      </p:cBhvr>
+                                    </p:animEffect>
+                                  </p:childTnLst>
+                                </p:cTn>
+                              </p:par>
+                            </p:childTnLst>
+                          </p:cTn>
+                        </p:par>
+                      </p:childTnLst>
+                    </p:cTn>
+                  </p:par>
+                </p:childTnLst>
+              </p:cTn>
+              <p:prevCondLst>
+                <p:cond evt="onPrev" delay="0">
+                  <p:tgtEl>
+                    <p:sldTgt/>
+                  </p:tgtEl>
+                </p:cond>
+              </p:prevCondLst>
+              <p:nextCondLst>
+                <p:cond evt="onNext" delay="0">
+                  <p:tgtEl>
+                    <p:sldTgt/>
+                  </p:tgtEl>
+                </p:cond>
+              </p:nextCondLst>
+            </p:seq>
+          </p:childTnLst>
+        </p:cTn>
       </p:par>
     </p:tnLst>
+    <p:bldLst>
+      <p:bldP spid="3" grpId="0" build="p"/>
+    </p:bldLst>
   </p:timing>
 </p:sld>
 </file>
 
 <file path=ppt/slides/slide11.xml><?xml version="1.0" encoding="utf-8"?>
+<p:sld xmlns:a="http://schemas.openxmlformats.org/drawingml/2006/main" xmlns:r="http://schemas.openxmlformats.org/officeDocument/2006/relationships" xmlns:p="http://schemas.openxmlformats.org/presentationml/2006/main">
+  <p:cSld>
+    <p:bg>
+      <p:bgPr>
+        <a:gradFill>
+          <a:gsLst>
+            <a:gs pos="62000">
+              <a:schemeClr val="accent1">
+                <a:lumMod val="5000"/>
+                <a:lumOff val="95000"/>
+              </a:schemeClr>
+            </a:gs>
+            <a:gs pos="74000">
+              <a:schemeClr val="accent1">
+                <a:lumMod val="45000"/>
+                <a:lumOff val="55000"/>
+              </a:schemeClr>
+            </a:gs>
+            <a:gs pos="83000">
+              <a:schemeClr val="accent1">
+                <a:lumMod val="45000"/>
+                <a:lumOff val="55000"/>
+              </a:schemeClr>
+            </a:gs>
+            <a:gs pos="100000">
+              <a:schemeClr val="accent1">
+                <a:lumMod val="30000"/>
+                <a:lumOff val="70000"/>
+              </a:schemeClr>
+            </a:gs>
+          </a:gsLst>
+          <a:lin ang="5400000" scaled="1"/>
+        </a:gradFill>
+        <a:effectLst/>
+      </p:bgPr>
+    </p:bg>
+    <p:spTree>
+      <p:nvGrpSpPr>
+        <p:cNvPr id="1" name=""/>
+        <p:cNvGrpSpPr/>
+        <p:nvPr/>
+      </p:nvGrpSpPr>
+      <p:grpSpPr>
+        <a:xfrm>
+          <a:off x="0" y="0"/>
+          <a:ext cx="0" cy="0"/>
+          <a:chOff x="0" y="0"/>
+          <a:chExt cx="0" cy="0"/>
+        </a:xfrm>
+      </p:grpSpPr>
+      <p:sp>
+        <p:nvSpPr>
+          <p:cNvPr id="5" name="Title 1"/>
+          <p:cNvSpPr>
+            <a:spLocks noGrp="1"/>
+          </p:cNvSpPr>
+          <p:nvPr>
+            <p:ph type="title"/>
+          </p:nvPr>
+        </p:nvSpPr>
+        <p:spPr>
+          <a:xfrm>
+            <a:off x="457200" y="274638"/>
+            <a:ext cx="8229600" cy="1143000"/>
+          </a:xfrm>
+        </p:spPr>
+        <p:txBody>
+          <a:bodyPr/>
+          <a:lstStyle/>
+          <a:p>
+            <a:r>
+              <a:rPr lang="en-US" dirty="0" smtClean="0">
+                <a:solidFill>
+                  <a:srgbClr val="C00000"/>
+                </a:solidFill>
+              </a:rPr>
+              <a:t>Pitfalls</a:t>
+            </a:r>
+            <a:endParaRPr lang="he-IL" dirty="0">
+              <a:solidFill>
+                <a:srgbClr val="C00000"/>
+              </a:solidFill>
+            </a:endParaRPr>
+          </a:p>
+        </p:txBody>
+      </p:sp>
+      <p:sp>
+        <p:nvSpPr>
+          <p:cNvPr id="7" name="Content Placeholder 2"/>
+          <p:cNvSpPr>
+            <a:spLocks noGrp="1"/>
+          </p:cNvSpPr>
+          <p:nvPr>
+            <p:ph idx="1"/>
+          </p:nvPr>
+        </p:nvSpPr>
+        <p:spPr>
+          <a:xfrm>
+            <a:off x="457200" y="1600200"/>
+            <a:ext cx="8229600" cy="4525963"/>
+          </a:xfrm>
+        </p:spPr>
+        <p:txBody>
+          <a:bodyPr/>
+          <a:lstStyle/>
+          <a:p>
+            <a:r>
+              <a:rPr lang="en-US" dirty="0" smtClean="0"/>
+              <a:t>Memory handling.</a:t>
+            </a:r>
+          </a:p>
+          <a:p>
+            <a:r>
+              <a:rPr lang="en-US" dirty="0" smtClean="0"/>
+              <a:t>No </a:t>
+            </a:r>
+            <a:r>
+              <a:rPr lang="en-US" dirty="0" err="1" smtClean="0"/>
+              <a:t>try,catch</a:t>
+            </a:r>
+            <a:r>
+              <a:rPr lang="en-US" dirty="0" smtClean="0"/>
+              <a:t> &amp; finally in C.</a:t>
+            </a:r>
+          </a:p>
+          <a:p>
+            <a:r>
+              <a:rPr lang="en-US" dirty="0" smtClean="0"/>
+              <a:t>STM vs HTM. STM is more robust and flexible to big transactions. HTM is much more efficient.</a:t>
+            </a:r>
+          </a:p>
+          <a:p>
+            <a:r>
+              <a:rPr lang="en-US" dirty="0" smtClean="0"/>
+              <a:t>Thread debugging. </a:t>
+            </a:r>
+            <a:endParaRPr lang="en-US" dirty="0"/>
+          </a:p>
+        </p:txBody>
+      </p:sp>
+    </p:spTree>
+    <p:extLst>
+      <p:ext uri="{BB962C8B-B14F-4D97-AF65-F5344CB8AC3E}">
+        <p14:creationId xmlns:p14="http://schemas.microsoft.com/office/powerpoint/2010/main" val="1723126659"/>
+      </p:ext>
+    </p:extLst>
+  </p:cSld>
+  <p:clrMapOvr>
+    <a:masterClrMapping/>
+  </p:clrMapOvr>
+  <p:timing>
+    <p:tnLst>
+      <p:par>
+        <p:cTn id="1" dur="indefinite" restart="never" nodeType="tmRoot">
+          <p:childTnLst>
+            <p:seq concurrent="1" nextAc="seek">
+              <p:cTn id="2" dur="indefinite" nodeType="mainSeq">
+                <p:childTnLst>
+                  <p:par>
+                    <p:cTn id="3" fill="hold">
+                      <p:stCondLst>
+                        <p:cond delay="indefinite"/>
+                      </p:stCondLst>
+                      <p:childTnLst>
+                        <p:par>
+                          <p:cTn id="4" fill="hold">
+                            <p:stCondLst>
+                              <p:cond delay="0"/>
+                            </p:stCondLst>
+                            <p:childTnLst>
+                              <p:par>
+                                <p:cTn id="5" presetID="10" presetClass="entr" presetSubtype="0" fill="hold" grpId="0" nodeType="clickEffect">
+                                  <p:stCondLst>
+                                    <p:cond delay="0"/>
+                                  </p:stCondLst>
+                                  <p:childTnLst>
+                                    <p:set>
+                                      <p:cBhvr>
+                                        <p:cTn id="6" dur="1" fill="hold">
+                                          <p:stCondLst>
+                                            <p:cond delay="0"/>
+                                          </p:stCondLst>
+                                        </p:cTn>
+                                        <p:tgtEl>
+                                          <p:spTgt spid="7">
+                                            <p:txEl>
+                                              <p:pRg st="0" end="0"/>
+                                            </p:txEl>
+                                          </p:spTgt>
+                                        </p:tgtEl>
+                                        <p:attrNameLst>
+                                          <p:attrName>style.visibility</p:attrName>
+                                        </p:attrNameLst>
+                                      </p:cBhvr>
+                                      <p:to>
+                                        <p:strVal val="visible"/>
+                                      </p:to>
+                                    </p:set>
+                                    <p:animEffect transition="in" filter="fade">
+                                      <p:cBhvr>
+                                        <p:cTn id="7" dur="500"/>
+                                        <p:tgtEl>
+                                          <p:spTgt spid="7">
+                                            <p:txEl>
+                                              <p:pRg st="0" end="0"/>
+                                            </p:txEl>
+                                          </p:spTgt>
+                                        </p:tgtEl>
+                                      </p:cBhvr>
+                                    </p:animEffect>
+                                  </p:childTnLst>
+                                </p:cTn>
+                              </p:par>
+                            </p:childTnLst>
+                          </p:cTn>
+                        </p:par>
+                      </p:childTnLst>
+                    </p:cTn>
+                  </p:par>
+                  <p:par>
+                    <p:cTn id="8" fill="hold">
+                      <p:stCondLst>
+                        <p:cond delay="indefinite"/>
+                      </p:stCondLst>
+                      <p:childTnLst>
+                        <p:par>
+                          <p:cTn id="9" fill="hold">
+                            <p:stCondLst>
+                              <p:cond delay="0"/>
+                            </p:stCondLst>
+                            <p:childTnLst>
+                              <p:par>
+                                <p:cTn id="10" presetID="10" presetClass="entr" presetSubtype="0" fill="hold" grpId="0" nodeType="clickEffect">
+                                  <p:stCondLst>
+                                    <p:cond delay="0"/>
+                                  </p:stCondLst>
+                                  <p:childTnLst>
+                                    <p:set>
+                                      <p:cBhvr>
+                                        <p:cTn id="11" dur="1" fill="hold">
+                                          <p:stCondLst>
+                                            <p:cond delay="0"/>
+                                          </p:stCondLst>
+                                        </p:cTn>
+                                        <p:tgtEl>
+                                          <p:spTgt spid="7">
+                                            <p:txEl>
+                                              <p:pRg st="1" end="1"/>
+                                            </p:txEl>
+                                          </p:spTgt>
+                                        </p:tgtEl>
+                                        <p:attrNameLst>
+                                          <p:attrName>style.visibility</p:attrName>
+                                        </p:attrNameLst>
+                                      </p:cBhvr>
+                                      <p:to>
+                                        <p:strVal val="visible"/>
+                                      </p:to>
+                                    </p:set>
+                                    <p:animEffect transition="in" filter="fade">
+                                      <p:cBhvr>
+                                        <p:cTn id="12" dur="500"/>
+                                        <p:tgtEl>
+                                          <p:spTgt spid="7">
+                                            <p:txEl>
+                                              <p:pRg st="1" end="1"/>
+                                            </p:txEl>
+                                          </p:spTgt>
+                                        </p:tgtEl>
+                                      </p:cBhvr>
+                                    </p:animEffect>
+                                  </p:childTnLst>
+                                </p:cTn>
+                              </p:par>
+                            </p:childTnLst>
+                          </p:cTn>
+                        </p:par>
+                      </p:childTnLst>
+                    </p:cTn>
+                  </p:par>
+                  <p:par>
+                    <p:cTn id="13" fill="hold">
+                      <p:stCondLst>
+                        <p:cond delay="indefinite"/>
+                      </p:stCondLst>
+                      <p:childTnLst>
+                        <p:par>
+                          <p:cTn id="14" fill="hold">
+                            <p:stCondLst>
+                              <p:cond delay="0"/>
+                            </p:stCondLst>
+                            <p:childTnLst>
+                              <p:par>
+                                <p:cTn id="15" presetID="10" presetClass="entr" presetSubtype="0" fill="hold" grpId="0" nodeType="clickEffect">
+                                  <p:stCondLst>
+                                    <p:cond delay="0"/>
+                                  </p:stCondLst>
+                                  <p:childTnLst>
+                                    <p:set>
+                                      <p:cBhvr>
+                                        <p:cTn id="16" dur="1" fill="hold">
+                                          <p:stCondLst>
+                                            <p:cond delay="0"/>
+                                          </p:stCondLst>
+                                        </p:cTn>
+                                        <p:tgtEl>
+                                          <p:spTgt spid="7">
+                                            <p:txEl>
+                                              <p:pRg st="2" end="2"/>
+                                            </p:txEl>
+                                          </p:spTgt>
+                                        </p:tgtEl>
+                                        <p:attrNameLst>
+                                          <p:attrName>style.visibility</p:attrName>
+                                        </p:attrNameLst>
+                                      </p:cBhvr>
+                                      <p:to>
+                                        <p:strVal val="visible"/>
+                                      </p:to>
+                                    </p:set>
+                                    <p:animEffect transition="in" filter="fade">
+                                      <p:cBhvr>
+                                        <p:cTn id="17" dur="500"/>
+                                        <p:tgtEl>
+                                          <p:spTgt spid="7">
+                                            <p:txEl>
+                                              <p:pRg st="2" end="2"/>
+                                            </p:txEl>
+                                          </p:spTgt>
+                                        </p:tgtEl>
+                                      </p:cBhvr>
+                                    </p:animEffect>
+                                  </p:childTnLst>
+                                </p:cTn>
+                              </p:par>
+                            </p:childTnLst>
+                          </p:cTn>
+                        </p:par>
+                      </p:childTnLst>
+                    </p:cTn>
+                  </p:par>
+                  <p:par>
+                    <p:cTn id="18" fill="hold">
+                      <p:stCondLst>
+                        <p:cond delay="indefinite"/>
+                      </p:stCondLst>
+                      <p:childTnLst>
+                        <p:par>
+                          <p:cTn id="19" fill="hold">
+                            <p:stCondLst>
+                              <p:cond delay="0"/>
+                            </p:stCondLst>
+                            <p:childTnLst>
+                              <p:par>
+                                <p:cTn id="20" presetID="10" presetClass="entr" presetSubtype="0" fill="hold" grpId="0" nodeType="clickEffect">
+                                  <p:stCondLst>
+                                    <p:cond delay="0"/>
+                                  </p:stCondLst>
+                                  <p:childTnLst>
+                                    <p:set>
+                                      <p:cBhvr>
+                                        <p:cTn id="21" dur="1" fill="hold">
+                                          <p:stCondLst>
+                                            <p:cond delay="0"/>
+                                          </p:stCondLst>
+                                        </p:cTn>
+                                        <p:tgtEl>
+                                          <p:spTgt spid="7">
+                                            <p:txEl>
+                                              <p:pRg st="3" end="3"/>
+                                            </p:txEl>
+                                          </p:spTgt>
+                                        </p:tgtEl>
+                                        <p:attrNameLst>
+                                          <p:attrName>style.visibility</p:attrName>
+                                        </p:attrNameLst>
+                                      </p:cBhvr>
+                                      <p:to>
+                                        <p:strVal val="visible"/>
+                                      </p:to>
+                                    </p:set>
+                                    <p:animEffect transition="in" filter="fade">
+                                      <p:cBhvr>
+                                        <p:cTn id="22" dur="500"/>
+                                        <p:tgtEl>
+                                          <p:spTgt spid="7">
+                                            <p:txEl>
+                                              <p:pRg st="3" end="3"/>
+                                            </p:txEl>
+                                          </p:spTgt>
+                                        </p:tgtEl>
+                                      </p:cBhvr>
+                                    </p:animEffect>
+                                  </p:childTnLst>
+                                </p:cTn>
+                              </p:par>
+                            </p:childTnLst>
+                          </p:cTn>
+                        </p:par>
+                      </p:childTnLst>
+                    </p:cTn>
+                  </p:par>
+                </p:childTnLst>
+              </p:cTn>
+              <p:prevCondLst>
+                <p:cond evt="onPrev" delay="0">
+                  <p:tgtEl>
+                    <p:sldTgt/>
+                  </p:tgtEl>
+                </p:cond>
+              </p:prevCondLst>
+              <p:nextCondLst>
+                <p:cond evt="onNext" delay="0">
+                  <p:tgtEl>
+                    <p:sldTgt/>
+                  </p:tgtEl>
+                </p:cond>
+              </p:nextCondLst>
+            </p:seq>
+          </p:childTnLst>
+        </p:cTn>
+      </p:par>
+    </p:tnLst>
+    <p:bldLst>
+      <p:bldP spid="7" grpId="0" build="p"/>
+    </p:bldLst>
+  </p:timing>
+</p:sld>
+</file>
+
+<file path=ppt/slides/slide12.xml><?xml version="1.0" encoding="utf-8"?>
+<p:sld xmlns:a="http://schemas.openxmlformats.org/drawingml/2006/main" xmlns:r="http://schemas.openxmlformats.org/officeDocument/2006/relationships" xmlns:p="http://schemas.openxmlformats.org/presentationml/2006/main">
+  <p:cSld>
+    <p:bg>
+      <p:bgPr>
+        <a:gradFill>
+          <a:gsLst>
+            <a:gs pos="62000">
+              <a:schemeClr val="accent1">
+                <a:lumMod val="5000"/>
+                <a:lumOff val="95000"/>
+              </a:schemeClr>
+            </a:gs>
+            <a:gs pos="74000">
+              <a:schemeClr val="accent1">
+                <a:lumMod val="45000"/>
+                <a:lumOff val="55000"/>
+              </a:schemeClr>
+            </a:gs>
+            <a:gs pos="83000">
+              <a:schemeClr val="accent1">
+                <a:lumMod val="45000"/>
+                <a:lumOff val="55000"/>
+              </a:schemeClr>
+            </a:gs>
+            <a:gs pos="100000">
+              <a:schemeClr val="accent1">
+                <a:lumMod val="30000"/>
+                <a:lumOff val="70000"/>
+              </a:schemeClr>
+            </a:gs>
+          </a:gsLst>
+          <a:lin ang="5400000" scaled="1"/>
+        </a:gradFill>
+        <a:effectLst/>
+      </p:bgPr>
+    </p:bg>
+    <p:spTree>
+      <p:nvGrpSpPr>
+        <p:cNvPr id="1" name=""/>
+        <p:cNvGrpSpPr/>
+        <p:nvPr/>
+      </p:nvGrpSpPr>
+      <p:grpSpPr>
+        <a:xfrm>
+          <a:off x="0" y="0"/>
+          <a:ext cx="0" cy="0"/>
+          <a:chOff x="0" y="0"/>
+          <a:chExt cx="0" cy="0"/>
+        </a:xfrm>
+      </p:grpSpPr>
+      <p:sp>
+        <p:nvSpPr>
+          <p:cNvPr id="6" name="Title 1"/>
+          <p:cNvSpPr>
+            <a:spLocks noGrp="1"/>
+          </p:cNvSpPr>
+          <p:nvPr>
+            <p:ph type="title"/>
+          </p:nvPr>
+        </p:nvSpPr>
+        <p:spPr>
+          <a:xfrm>
+            <a:off x="457200" y="274638"/>
+            <a:ext cx="8229600" cy="1143000"/>
+          </a:xfrm>
+        </p:spPr>
+        <p:txBody>
+          <a:bodyPr>
+            <a:normAutofit fontScale="90000"/>
+          </a:bodyPr>
+          <a:lstStyle/>
+          <a:p>
+            <a:r>
+              <a:rPr lang="en-US" dirty="0" smtClean="0">
+                <a:solidFill>
+                  <a:srgbClr val="C00000"/>
+                </a:solidFill>
+              </a:rPr>
+              <a:t>Efficiency VS. Coding Difficulties - Java </a:t>
+            </a:r>
+            <a:endParaRPr lang="he-IL" dirty="0">
+              <a:solidFill>
+                <a:srgbClr val="C00000"/>
+              </a:solidFill>
+            </a:endParaRPr>
+          </a:p>
+        </p:txBody>
+      </p:sp>
+      <p:sp>
+        <p:nvSpPr>
+          <p:cNvPr id="8" name="Content Placeholder 2"/>
+          <p:cNvSpPr>
+            <a:spLocks noGrp="1"/>
+          </p:cNvSpPr>
+          <p:nvPr>
+            <p:ph idx="1"/>
+          </p:nvPr>
+        </p:nvSpPr>
+        <p:spPr>
+          <a:xfrm>
+            <a:off x="457200" y="1600200"/>
+            <a:ext cx="8229600" cy="4525963"/>
+          </a:xfrm>
+        </p:spPr>
+        <p:txBody>
+          <a:bodyPr>
+            <a:normAutofit fontScale="92500" lnSpcReduction="10000"/>
+          </a:bodyPr>
+          <a:lstStyle/>
+          <a:p>
+            <a:r>
+              <a:rPr lang="en-US" dirty="0"/>
+              <a:t>T</a:t>
+            </a:r>
+            <a:r>
+              <a:rPr lang="en-US" dirty="0" smtClean="0"/>
+              <a:t>he transaction memory implementations had  an overhead of creating the </a:t>
+            </a:r>
+            <a:r>
+              <a:rPr lang="en-US" dirty="0" err="1" smtClean="0"/>
+              <a:t>updateLT</a:t>
+            </a:r>
+            <a:r>
+              <a:rPr lang="en-US" dirty="0" smtClean="0"/>
+              <a:t>/</a:t>
+            </a:r>
+            <a:r>
+              <a:rPr lang="en-US" dirty="0" err="1" smtClean="0"/>
+              <a:t>removeLT</a:t>
+            </a:r>
+            <a:r>
+              <a:rPr lang="en-US" dirty="0" smtClean="0"/>
+              <a:t> functions. It had good results when the modify part in the application was small. When the modify part was much bigger, transaction had worse results than the global lock.</a:t>
+            </a:r>
+          </a:p>
+          <a:p>
+            <a:r>
+              <a:rPr lang="en-US" dirty="0" smtClean="0"/>
+              <a:t>Global lock was the easiest to implement.</a:t>
+            </a:r>
+          </a:p>
+          <a:p>
+            <a:r>
+              <a:rPr lang="en-US" dirty="0" smtClean="0"/>
+              <a:t>Grained lock was the hardest to implement and seems to have the best results ( or similar to transaction when modification part is small).</a:t>
+            </a:r>
+            <a:endParaRPr lang="he-IL" dirty="0"/>
+          </a:p>
+        </p:txBody>
+      </p:sp>
+    </p:spTree>
+    <p:extLst>
+      <p:ext uri="{BB962C8B-B14F-4D97-AF65-F5344CB8AC3E}">
+        <p14:creationId xmlns:p14="http://schemas.microsoft.com/office/powerpoint/2010/main" val="777660626"/>
+      </p:ext>
+    </p:extLst>
+  </p:cSld>
+  <p:clrMapOvr>
+    <a:masterClrMapping/>
+  </p:clrMapOvr>
+  <p:timing>
+    <p:tnLst>
+      <p:par>
+        <p:cTn id="1" dur="indefinite" restart="never" nodeType="tmRoot">
+          <p:childTnLst>
+            <p:seq concurrent="1" nextAc="seek">
+              <p:cTn id="2" dur="indefinite" nodeType="mainSeq">
+                <p:childTnLst>
+                  <p:par>
+                    <p:cTn id="3" fill="hold">
+                      <p:stCondLst>
+                        <p:cond delay="indefinite"/>
+                      </p:stCondLst>
+                      <p:childTnLst>
+                        <p:par>
+                          <p:cTn id="4" fill="hold">
+                            <p:stCondLst>
+                              <p:cond delay="0"/>
+                            </p:stCondLst>
+                            <p:childTnLst>
+                              <p:par>
+                                <p:cTn id="5" presetID="10" presetClass="entr" presetSubtype="0" fill="hold" grpId="0" nodeType="clickEffect">
+                                  <p:stCondLst>
+                                    <p:cond delay="0"/>
+                                  </p:stCondLst>
+                                  <p:childTnLst>
+                                    <p:set>
+                                      <p:cBhvr>
+                                        <p:cTn id="6" dur="1" fill="hold">
+                                          <p:stCondLst>
+                                            <p:cond delay="0"/>
+                                          </p:stCondLst>
+                                        </p:cTn>
+                                        <p:tgtEl>
+                                          <p:spTgt spid="8">
+                                            <p:txEl>
+                                              <p:pRg st="0" end="0"/>
+                                            </p:txEl>
+                                          </p:spTgt>
+                                        </p:tgtEl>
+                                        <p:attrNameLst>
+                                          <p:attrName>style.visibility</p:attrName>
+                                        </p:attrNameLst>
+                                      </p:cBhvr>
+                                      <p:to>
+                                        <p:strVal val="visible"/>
+                                      </p:to>
+                                    </p:set>
+                                    <p:animEffect transition="in" filter="fade">
+                                      <p:cBhvr>
+                                        <p:cTn id="7" dur="500"/>
+                                        <p:tgtEl>
+                                          <p:spTgt spid="8">
+                                            <p:txEl>
+                                              <p:pRg st="0" end="0"/>
+                                            </p:txEl>
+                                          </p:spTgt>
+                                        </p:tgtEl>
+                                      </p:cBhvr>
+                                    </p:animEffect>
+                                  </p:childTnLst>
+                                </p:cTn>
+                              </p:par>
+                            </p:childTnLst>
+                          </p:cTn>
+                        </p:par>
+                      </p:childTnLst>
+                    </p:cTn>
+                  </p:par>
+                  <p:par>
+                    <p:cTn id="8" fill="hold">
+                      <p:stCondLst>
+                        <p:cond delay="indefinite"/>
+                      </p:stCondLst>
+                      <p:childTnLst>
+                        <p:par>
+                          <p:cTn id="9" fill="hold">
+                            <p:stCondLst>
+                              <p:cond delay="0"/>
+                            </p:stCondLst>
+                            <p:childTnLst>
+                              <p:par>
+                                <p:cTn id="10" presetID="10" presetClass="entr" presetSubtype="0" fill="hold" grpId="0" nodeType="clickEffect">
+                                  <p:stCondLst>
+                                    <p:cond delay="0"/>
+                                  </p:stCondLst>
+                                  <p:childTnLst>
+                                    <p:set>
+                                      <p:cBhvr>
+                                        <p:cTn id="11" dur="1" fill="hold">
+                                          <p:stCondLst>
+                                            <p:cond delay="0"/>
+                                          </p:stCondLst>
+                                        </p:cTn>
+                                        <p:tgtEl>
+                                          <p:spTgt spid="8">
+                                            <p:txEl>
+                                              <p:pRg st="1" end="1"/>
+                                            </p:txEl>
+                                          </p:spTgt>
+                                        </p:tgtEl>
+                                        <p:attrNameLst>
+                                          <p:attrName>style.visibility</p:attrName>
+                                        </p:attrNameLst>
+                                      </p:cBhvr>
+                                      <p:to>
+                                        <p:strVal val="visible"/>
+                                      </p:to>
+                                    </p:set>
+                                    <p:animEffect transition="in" filter="fade">
+                                      <p:cBhvr>
+                                        <p:cTn id="12" dur="500"/>
+                                        <p:tgtEl>
+                                          <p:spTgt spid="8">
+                                            <p:txEl>
+                                              <p:pRg st="1" end="1"/>
+                                            </p:txEl>
+                                          </p:spTgt>
+                                        </p:tgtEl>
+                                      </p:cBhvr>
+                                    </p:animEffect>
+                                  </p:childTnLst>
+                                </p:cTn>
+                              </p:par>
+                            </p:childTnLst>
+                          </p:cTn>
+                        </p:par>
+                      </p:childTnLst>
+                    </p:cTn>
+                  </p:par>
+                  <p:par>
+                    <p:cTn id="13" fill="hold">
+                      <p:stCondLst>
+                        <p:cond delay="indefinite"/>
+                      </p:stCondLst>
+                      <p:childTnLst>
+                        <p:par>
+                          <p:cTn id="14" fill="hold">
+                            <p:stCondLst>
+                              <p:cond delay="0"/>
+                            </p:stCondLst>
+                            <p:childTnLst>
+                              <p:par>
+                                <p:cTn id="15" presetID="10" presetClass="entr" presetSubtype="0" fill="hold" grpId="0" nodeType="clickEffect">
+                                  <p:stCondLst>
+                                    <p:cond delay="0"/>
+                                  </p:stCondLst>
+                                  <p:childTnLst>
+                                    <p:set>
+                                      <p:cBhvr>
+                                        <p:cTn id="16" dur="1" fill="hold">
+                                          <p:stCondLst>
+                                            <p:cond delay="0"/>
+                                          </p:stCondLst>
+                                        </p:cTn>
+                                        <p:tgtEl>
+                                          <p:spTgt spid="8">
+                                            <p:txEl>
+                                              <p:pRg st="2" end="2"/>
+                                            </p:txEl>
+                                          </p:spTgt>
+                                        </p:tgtEl>
+                                        <p:attrNameLst>
+                                          <p:attrName>style.visibility</p:attrName>
+                                        </p:attrNameLst>
+                                      </p:cBhvr>
+                                      <p:to>
+                                        <p:strVal val="visible"/>
+                                      </p:to>
+                                    </p:set>
+                                    <p:animEffect transition="in" filter="fade">
+                                      <p:cBhvr>
+                                        <p:cTn id="17" dur="500"/>
+                                        <p:tgtEl>
+                                          <p:spTgt spid="8">
+                                            <p:txEl>
+                                              <p:pRg st="2" end="2"/>
+                                            </p:txEl>
+                                          </p:spTgt>
+                                        </p:tgtEl>
+                                      </p:cBhvr>
+                                    </p:animEffect>
+                                  </p:childTnLst>
+                                </p:cTn>
+                              </p:par>
+                            </p:childTnLst>
+                          </p:cTn>
+                        </p:par>
+                      </p:childTnLst>
+                    </p:cTn>
+                  </p:par>
+                </p:childTnLst>
+              </p:cTn>
+              <p:prevCondLst>
+                <p:cond evt="onPrev" delay="0">
+                  <p:tgtEl>
+                    <p:sldTgt/>
+                  </p:tgtEl>
+                </p:cond>
+              </p:prevCondLst>
+              <p:nextCondLst>
+                <p:cond evt="onNext" delay="0">
+                  <p:tgtEl>
+                    <p:sldTgt/>
+                  </p:tgtEl>
+                </p:cond>
+              </p:nextCondLst>
+            </p:seq>
+          </p:childTnLst>
+        </p:cTn>
+      </p:par>
+    </p:tnLst>
+    <p:bldLst>
+      <p:bldP spid="8" grpId="0" build="p"/>
+    </p:bldLst>
+  </p:timing>
+</p:sld>
+</file>
+
+<file path=ppt/slides/slide13.xml><?xml version="1.0" encoding="utf-8"?>
+<p:sld xmlns:a="http://schemas.openxmlformats.org/drawingml/2006/main" xmlns:r="http://schemas.openxmlformats.org/officeDocument/2006/relationships" xmlns:p="http://schemas.openxmlformats.org/presentationml/2006/main">
+  <p:cSld>
+    <p:bg>
+      <p:bgPr>
+        <a:gradFill>
+          <a:gsLst>
+            <a:gs pos="62000">
+              <a:schemeClr val="accent1">
+                <a:lumMod val="5000"/>
+                <a:lumOff val="95000"/>
+              </a:schemeClr>
+            </a:gs>
+            <a:gs pos="74000">
+              <a:schemeClr val="accent1">
+                <a:lumMod val="45000"/>
+                <a:lumOff val="55000"/>
+              </a:schemeClr>
+            </a:gs>
+            <a:gs pos="83000">
+              <a:schemeClr val="accent1">
+                <a:lumMod val="45000"/>
+                <a:lumOff val="55000"/>
+              </a:schemeClr>
+            </a:gs>
+            <a:gs pos="100000">
+              <a:schemeClr val="accent1">
+                <a:lumMod val="30000"/>
+                <a:lumOff val="70000"/>
+              </a:schemeClr>
+            </a:gs>
+          </a:gsLst>
+          <a:lin ang="5400000" scaled="1"/>
+        </a:gradFill>
+        <a:effectLst/>
+      </p:bgPr>
+    </p:bg>
+    <p:spTree>
+      <p:nvGrpSpPr>
+        <p:cNvPr id="1" name=""/>
+        <p:cNvGrpSpPr/>
+        <p:nvPr/>
+      </p:nvGrpSpPr>
+      <p:grpSpPr>
+        <a:xfrm>
+          <a:off x="0" y="0"/>
+          <a:ext cx="0" cy="0"/>
+          <a:chOff x="0" y="0"/>
+          <a:chExt cx="0" cy="0"/>
+        </a:xfrm>
+      </p:grpSpPr>
+      <p:sp>
+        <p:nvSpPr>
+          <p:cNvPr id="6" name="Title 1"/>
+          <p:cNvSpPr>
+            <a:spLocks noGrp="1"/>
+          </p:cNvSpPr>
+          <p:nvPr>
+            <p:ph type="title"/>
+          </p:nvPr>
+        </p:nvSpPr>
+        <p:spPr>
+          <a:xfrm>
+            <a:off x="457200" y="274638"/>
+            <a:ext cx="8229600" cy="1143000"/>
+          </a:xfrm>
+        </p:spPr>
+        <p:txBody>
+          <a:bodyPr>
+            <a:normAutofit fontScale="90000"/>
+          </a:bodyPr>
+          <a:lstStyle/>
+          <a:p>
+            <a:r>
+              <a:rPr lang="en-US" dirty="0" smtClean="0">
+                <a:solidFill>
+                  <a:srgbClr val="C00000"/>
+                </a:solidFill>
+              </a:rPr>
+              <a:t>Efficiency VS. Coding Difficulties - Java </a:t>
+            </a:r>
+            <a:endParaRPr lang="he-IL" dirty="0">
+              <a:solidFill>
+                <a:srgbClr val="C00000"/>
+              </a:solidFill>
+            </a:endParaRPr>
+          </a:p>
+        </p:txBody>
+      </p:sp>
+      <p:sp>
+        <p:nvSpPr>
+          <p:cNvPr id="5" name="Content Placeholder 2"/>
+          <p:cNvSpPr>
+            <a:spLocks noGrp="1"/>
+          </p:cNvSpPr>
+          <p:nvPr>
+            <p:ph idx="1"/>
+          </p:nvPr>
+        </p:nvSpPr>
+        <p:spPr>
+          <a:xfrm>
+            <a:off x="457200" y="1600200"/>
+            <a:ext cx="8229600" cy="4525963"/>
+          </a:xfrm>
+        </p:spPr>
+        <p:txBody>
+          <a:bodyPr>
+            <a:normAutofit fontScale="92500"/>
+          </a:bodyPr>
+          <a:lstStyle/>
+          <a:p>
+            <a:r>
+              <a:rPr lang="en-US" dirty="0"/>
+              <a:t>The transaction memory implementations </a:t>
+            </a:r>
+            <a:r>
+              <a:rPr lang="en-US" dirty="0" smtClean="0"/>
+              <a:t>were given in STM form.</a:t>
+            </a:r>
+          </a:p>
+          <a:p>
+            <a:r>
+              <a:rPr lang="en-US" dirty="0" smtClean="0"/>
+              <a:t>Changing it to HTM was fairly simple. But, the given implementation didn’t work because its transaction part was too big for an hardware transaction to handle.</a:t>
+            </a:r>
+          </a:p>
+          <a:p>
+            <a:r>
+              <a:rPr lang="en-US" dirty="0" smtClean="0"/>
+              <a:t>Grained lock was the hardest to implement, and it seems to be running better than global lock and worse that the transactions implementations. </a:t>
+            </a:r>
+          </a:p>
+          <a:p>
+            <a:pPr marL="0" indent="0">
+              <a:buNone/>
+            </a:pPr>
+            <a:endParaRPr lang="he-IL" dirty="0"/>
+          </a:p>
+        </p:txBody>
+      </p:sp>
+    </p:spTree>
+    <p:extLst>
+      <p:ext uri="{BB962C8B-B14F-4D97-AF65-F5344CB8AC3E}">
+        <p14:creationId xmlns:p14="http://schemas.microsoft.com/office/powerpoint/2010/main" val="2666866770"/>
+      </p:ext>
+    </p:extLst>
+  </p:cSld>
+  <p:clrMapOvr>
+    <a:masterClrMapping/>
+  </p:clrMapOvr>
+  <p:timing>
+    <p:tnLst>
+      <p:par>
+        <p:cTn id="1" dur="indefinite" restart="never" nodeType="tmRoot">
+          <p:childTnLst>
+            <p:seq concurrent="1" nextAc="seek">
+              <p:cTn id="2" dur="indefinite" nodeType="mainSeq">
+                <p:childTnLst>
+                  <p:par>
+                    <p:cTn id="3" fill="hold">
+                      <p:stCondLst>
+                        <p:cond delay="indefinite"/>
+                      </p:stCondLst>
+                      <p:childTnLst>
+                        <p:par>
+                          <p:cTn id="4" fill="hold">
+                            <p:stCondLst>
+                              <p:cond delay="0"/>
+                            </p:stCondLst>
+                            <p:childTnLst>
+                              <p:par>
+                                <p:cTn id="5" presetID="10" presetClass="entr" presetSubtype="0" fill="hold" grpId="0" nodeType="clickEffect">
+                                  <p:stCondLst>
+                                    <p:cond delay="0"/>
+                                  </p:stCondLst>
+                                  <p:childTnLst>
+                                    <p:set>
+                                      <p:cBhvr>
+                                        <p:cTn id="6" dur="1" fill="hold">
+                                          <p:stCondLst>
+                                            <p:cond delay="0"/>
+                                          </p:stCondLst>
+                                        </p:cTn>
+                                        <p:tgtEl>
+                                          <p:spTgt spid="5">
+                                            <p:txEl>
+                                              <p:pRg st="0" end="0"/>
+                                            </p:txEl>
+                                          </p:spTgt>
+                                        </p:tgtEl>
+                                        <p:attrNameLst>
+                                          <p:attrName>style.visibility</p:attrName>
+                                        </p:attrNameLst>
+                                      </p:cBhvr>
+                                      <p:to>
+                                        <p:strVal val="visible"/>
+                                      </p:to>
+                                    </p:set>
+                                    <p:animEffect transition="in" filter="fade">
+                                      <p:cBhvr>
+                                        <p:cTn id="7" dur="500"/>
+                                        <p:tgtEl>
+                                          <p:spTgt spid="5">
+                                            <p:txEl>
+                                              <p:pRg st="0" end="0"/>
+                                            </p:txEl>
+                                          </p:spTgt>
+                                        </p:tgtEl>
+                                      </p:cBhvr>
+                                    </p:animEffect>
+                                  </p:childTnLst>
+                                </p:cTn>
+                              </p:par>
+                            </p:childTnLst>
+                          </p:cTn>
+                        </p:par>
+                      </p:childTnLst>
+                    </p:cTn>
+                  </p:par>
+                  <p:par>
+                    <p:cTn id="8" fill="hold">
+                      <p:stCondLst>
+                        <p:cond delay="indefinite"/>
+                      </p:stCondLst>
+                      <p:childTnLst>
+                        <p:par>
+                          <p:cTn id="9" fill="hold">
+                            <p:stCondLst>
+                              <p:cond delay="0"/>
+                            </p:stCondLst>
+                            <p:childTnLst>
+                              <p:par>
+                                <p:cTn id="10" presetID="10" presetClass="entr" presetSubtype="0" fill="hold" grpId="0" nodeType="clickEffect">
+                                  <p:stCondLst>
+                                    <p:cond delay="0"/>
+                                  </p:stCondLst>
+                                  <p:childTnLst>
+                                    <p:set>
+                                      <p:cBhvr>
+                                        <p:cTn id="11" dur="1" fill="hold">
+                                          <p:stCondLst>
+                                            <p:cond delay="0"/>
+                                          </p:stCondLst>
+                                        </p:cTn>
+                                        <p:tgtEl>
+                                          <p:spTgt spid="5">
+                                            <p:txEl>
+                                              <p:pRg st="1" end="1"/>
+                                            </p:txEl>
+                                          </p:spTgt>
+                                        </p:tgtEl>
+                                        <p:attrNameLst>
+                                          <p:attrName>style.visibility</p:attrName>
+                                        </p:attrNameLst>
+                                      </p:cBhvr>
+                                      <p:to>
+                                        <p:strVal val="visible"/>
+                                      </p:to>
+                                    </p:set>
+                                    <p:animEffect transition="in" filter="fade">
+                                      <p:cBhvr>
+                                        <p:cTn id="12" dur="500"/>
+                                        <p:tgtEl>
+                                          <p:spTgt spid="5">
+                                            <p:txEl>
+                                              <p:pRg st="1" end="1"/>
+                                            </p:txEl>
+                                          </p:spTgt>
+                                        </p:tgtEl>
+                                      </p:cBhvr>
+                                    </p:animEffect>
+                                  </p:childTnLst>
+                                </p:cTn>
+                              </p:par>
+                            </p:childTnLst>
+                          </p:cTn>
+                        </p:par>
+                      </p:childTnLst>
+                    </p:cTn>
+                  </p:par>
+                  <p:par>
+                    <p:cTn id="13" fill="hold">
+                      <p:stCondLst>
+                        <p:cond delay="indefinite"/>
+                      </p:stCondLst>
+                      <p:childTnLst>
+                        <p:par>
+                          <p:cTn id="14" fill="hold">
+                            <p:stCondLst>
+                              <p:cond delay="0"/>
+                            </p:stCondLst>
+                            <p:childTnLst>
+                              <p:par>
+                                <p:cTn id="15" presetID="10" presetClass="entr" presetSubtype="0" fill="hold" grpId="0" nodeType="clickEffect">
+                                  <p:stCondLst>
+                                    <p:cond delay="0"/>
+                                  </p:stCondLst>
+                                  <p:childTnLst>
+                                    <p:set>
+                                      <p:cBhvr>
+                                        <p:cTn id="16" dur="1" fill="hold">
+                                          <p:stCondLst>
+                                            <p:cond delay="0"/>
+                                          </p:stCondLst>
+                                        </p:cTn>
+                                        <p:tgtEl>
+                                          <p:spTgt spid="5">
+                                            <p:txEl>
+                                              <p:pRg st="2" end="2"/>
+                                            </p:txEl>
+                                          </p:spTgt>
+                                        </p:tgtEl>
+                                        <p:attrNameLst>
+                                          <p:attrName>style.visibility</p:attrName>
+                                        </p:attrNameLst>
+                                      </p:cBhvr>
+                                      <p:to>
+                                        <p:strVal val="visible"/>
+                                      </p:to>
+                                    </p:set>
+                                    <p:animEffect transition="in" filter="fade">
+                                      <p:cBhvr>
+                                        <p:cTn id="17" dur="500"/>
+                                        <p:tgtEl>
+                                          <p:spTgt spid="5">
+                                            <p:txEl>
+                                              <p:pRg st="2" end="2"/>
+                                            </p:txEl>
+                                          </p:spTgt>
+                                        </p:tgtEl>
+                                      </p:cBhvr>
+                                    </p:animEffect>
+                                  </p:childTnLst>
+                                </p:cTn>
+                              </p:par>
+                            </p:childTnLst>
+                          </p:cTn>
+                        </p:par>
+                      </p:childTnLst>
+                    </p:cTn>
+                  </p:par>
+                </p:childTnLst>
+              </p:cTn>
+              <p:prevCondLst>
+                <p:cond evt="onPrev" delay="0">
+                  <p:tgtEl>
+                    <p:sldTgt/>
+                  </p:tgtEl>
+                </p:cond>
+              </p:prevCondLst>
+              <p:nextCondLst>
+                <p:cond evt="onNext" delay="0">
+                  <p:tgtEl>
+                    <p:sldTgt/>
+                  </p:tgtEl>
+                </p:cond>
+              </p:nextCondLst>
+            </p:seq>
+          </p:childTnLst>
+        </p:cTn>
+      </p:par>
+    </p:tnLst>
+    <p:bldLst>
+      <p:bldP spid="5" grpId="0" build="p"/>
+    </p:bldLst>
+  </p:timing>
+</p:sld>
+</file>
+
+<file path=ppt/slides/slide14.xml><?xml version="1.0" encoding="utf-8"?>
 <p:sld xmlns:a="http://schemas.openxmlformats.org/drawingml/2006/main" xmlns:r="http://schemas.openxmlformats.org/officeDocument/2006/relationships" xmlns:p="http://schemas.openxmlformats.org/presentationml/2006/main">
   <p:cSld>
     <p:bg>
@@ -4115,11 +5600,7 @@
           <a:p>
             <a:r>
               <a:rPr lang="en-US" dirty="0" smtClean="0"/>
-              <a:t>What’s a skip list</a:t>
-            </a:r>
-            <a:r>
-              <a:rPr lang="en-US" dirty="0" smtClean="0"/>
-              <a:t>?</a:t>
+              <a:t>What’s a skip list?</a:t>
             </a:r>
           </a:p>
           <a:p>
@@ -4127,7 +5608,6 @@
               <a:rPr lang="en-US" dirty="0" smtClean="0"/>
               <a:t>Our data structure is base on a set of n Leap-Lists. </a:t>
             </a:r>
-            <a:endParaRPr lang="en-US" dirty="0" smtClean="0"/>
           </a:p>
           <a:p>
             <a:endParaRPr lang="en-US" dirty="0"/>
@@ -5883,12 +7363,20 @@
           </a:p>
           <a:p>
             <a:r>
-              <a:rPr lang="en-US" dirty="0" err="1" smtClean="0"/>
+              <a:rPr lang="en-US" dirty="0" smtClean="0"/>
+              <a:t>n </a:t>
+            </a:r>
+            <a:r>
+              <a:rPr lang="en-US" dirty="0"/>
+              <a:t>= </a:t>
+            </a:r>
+            <a:r>
+              <a:rPr lang="en-US" dirty="0" err="1"/>
               <a:t>na</a:t>
             </a:r>
             <a:r>
-              <a:rPr lang="en-US" dirty="0" smtClean="0"/>
-              <a:t>[0] = n</a:t>
+              <a:rPr lang="en-US" dirty="0"/>
+              <a:t>[0] </a:t>
             </a:r>
             <a:endParaRPr lang="en-US" dirty="0"/>
           </a:p>
@@ -6010,26 +7498,70 @@
         </p:nvSpPr>
         <p:spPr/>
         <p:txBody>
-          <a:bodyPr/>
+          <a:bodyPr>
+            <a:normAutofit fontScale="92500" lnSpcReduction="10000"/>
+          </a:bodyPr>
           <a:lstStyle/>
           <a:p>
             <a:r>
               <a:rPr lang="en-US" dirty="0" smtClean="0"/>
-              <a:t>In the grained locking mechanism the locks move from the API functions to the individual nodes themselves.</a:t>
-            </a:r>
-          </a:p>
-          <a:p>
+              <a:t>The fine grained implementation is base on the “lazy skip list” </a:t>
+            </a:r>
+            <a:r>
+              <a:rPr lang="en-US" dirty="0" err="1" smtClean="0"/>
+              <a:t>algorithem</a:t>
+            </a:r>
             <a:r>
               <a:rPr lang="en-US" dirty="0" smtClean="0"/>
-              <a:t>Only the nodes that needs to be replaced (by the update or remove functions) are actually locked.</a:t>
+              <a:t>.</a:t>
             </a:r>
           </a:p>
           <a:p>
             <a:r>
               <a:rPr lang="en-US" dirty="0" smtClean="0"/>
-              <a:t>The lookup functions checks the “live” fields instead of using locks.</a:t>
-            </a:r>
-            <a:endParaRPr lang="en-US" dirty="0"/>
+              <a:t>In </a:t>
+            </a:r>
+            <a:r>
+              <a:rPr lang="en-US" dirty="0" smtClean="0"/>
+              <a:t>the grained locking mechanism the locks move from the API functions to the individual nodes themselves.</a:t>
+            </a:r>
+          </a:p>
+          <a:p>
+            <a:r>
+              <a:rPr lang="en-US" dirty="0" smtClean="0"/>
+              <a:t>Only the nodes that </a:t>
+            </a:r>
+            <a:r>
+              <a:rPr lang="en-US" dirty="0" smtClean="0"/>
+              <a:t>are changed </a:t>
+            </a:r>
+            <a:r>
+              <a:rPr lang="en-US" dirty="0" smtClean="0"/>
+              <a:t>(by the update or remove functions) </a:t>
+            </a:r>
+            <a:r>
+              <a:rPr lang="en-US" dirty="0" smtClean="0"/>
+              <a:t>and their predecessors are </a:t>
+            </a:r>
+            <a:r>
+              <a:rPr lang="en-US" dirty="0" smtClean="0"/>
+              <a:t>actually locked.</a:t>
+            </a:r>
+          </a:p>
+          <a:p>
+            <a:r>
+              <a:rPr lang="en-US" dirty="0" smtClean="0"/>
+              <a:t>The lookup functions checks the “live” fields instead of using </a:t>
+            </a:r>
+            <a:r>
+              <a:rPr lang="en-US" dirty="0" smtClean="0"/>
+              <a:t>locks</a:t>
+            </a:r>
+            <a:r>
+              <a:rPr lang="en-US" dirty="0"/>
+              <a:t>.</a:t>
+            </a:r>
+            <a:endParaRPr lang="en-US" dirty="0" smtClean="0"/>
           </a:p>
         </p:txBody>
       </p:sp>
@@ -6220,6 +7752,67 @@
                                           <p:spTgt spid="3">
                                             <p:txEl>
                                               <p:pRg st="2" end="2"/>
+                                            </p:txEl>
+                                          </p:spTgt>
+                                        </p:tgtEl>
+                                      </p:cBhvr>
+                                    </p:animEffect>
+                                  </p:childTnLst>
+                                </p:cTn>
+                              </p:par>
+                            </p:childTnLst>
+                          </p:cTn>
+                        </p:par>
+                      </p:childTnLst>
+                    </p:cTn>
+                  </p:par>
+                  <p:par>
+                    <p:cTn id="18" fill="hold">
+                      <p:stCondLst>
+                        <p:cond delay="indefinite"/>
+                      </p:stCondLst>
+                      <p:childTnLst>
+                        <p:par>
+                          <p:cTn id="19" fill="hold">
+                            <p:stCondLst>
+                              <p:cond delay="0"/>
+                            </p:stCondLst>
+                            <p:childTnLst>
+                              <p:par>
+                                <p:cTn id="20" presetID="10" presetClass="entr" presetSubtype="0" fill="hold" grpId="0" nodeType="clickEffect">
+                                  <p:stCondLst>
+                                    <p:cond delay="0"/>
+                                  </p:stCondLst>
+                                  <p:childTnLst>
+                                    <p:set>
+                                      <p:cBhvr>
+                                        <p:cTn id="21" dur="1" fill="hold">
+                                          <p:stCondLst>
+                                            <p:cond delay="0"/>
+                                          </p:stCondLst>
+                                        </p:cTn>
+                                        <p:tgtEl>
+                                          <p:spTgt spid="3">
+                                            <p:txEl>
+                                              <p:pRg st="3" end="3"/>
+                                            </p:txEl>
+                                          </p:spTgt>
+                                        </p:tgtEl>
+                                        <p:attrNameLst>
+                                          <p:attrName>style.visibility</p:attrName>
+                                        </p:attrNameLst>
+                                      </p:cBhvr>
+                                      <p:to>
+                                        <p:strVal val="visible"/>
+                                      </p:to>
+                                    </p:set>
+                                    <p:animEffect transition="in" filter="fade">
+                                      <p:cBhvr>
+                                        <p:cTn id="22" dur="500"/>
+                                        <p:tgtEl>
+                                          <p:spTgt spid="3">
+                                            <p:txEl>
+                                              <p:pRg st="3" end="3"/>
                                             </p:txEl>
                                           </p:spTgt>
                                         </p:tgtEl>
@@ -6651,12 +8244,12 @@
               <a:t>Our </a:t>
             </a:r>
             <a:r>
-              <a:rPr lang="en-US" dirty="0" err="1" smtClean="0">
+              <a:rPr lang="en-US" dirty="0" smtClean="0">
                 <a:solidFill>
                   <a:srgbClr val="C00000"/>
                 </a:solidFill>
               </a:rPr>
-              <a:t>improvment</a:t>
+              <a:t>improvement</a:t>
             </a:r>
             <a:endParaRPr lang="en-US" dirty="0">
               <a:solidFill>
@@ -6695,7 +8288,15 @@
           <a:p>
             <a:r>
               <a:rPr lang="en-US" dirty="0" smtClean="0"/>
-              <a:t>In the “c” module the transactional code didn’t work before improvement.</a:t>
+              <a:t>In the “c” module </a:t>
+            </a:r>
+            <a:r>
+              <a:rPr lang="en-US" dirty="0" smtClean="0"/>
+              <a:t>the hardware </a:t>
+            </a:r>
+            <a:r>
+              <a:rPr lang="en-US" dirty="0" smtClean="0"/>
+              <a:t>transactional code didn’t work before improvement.</a:t>
             </a:r>
             <a:endParaRPr lang="en-US" dirty="0"/>
           </a:p>

--- a/Leaplist.pptx
+++ b/Leaplist.pptx
@@ -5,7 +5,7 @@
     <p:sldMasterId id="2147483648" r:id="rId1"/>
   </p:sldMasterIdLst>
   <p:notesMasterIdLst>
-    <p:notesMasterId r:id="rId16"/>
+    <p:notesMasterId r:id="rId17"/>
   </p:notesMasterIdLst>
   <p:sldIdLst>
     <p:sldId id="256" r:id="rId2"/>
@@ -17,11 +17,12 @@
     <p:sldId id="261" r:id="rId8"/>
     <p:sldId id="263" r:id="rId9"/>
     <p:sldId id="264" r:id="rId10"/>
-    <p:sldId id="266" r:id="rId11"/>
-    <p:sldId id="270" r:id="rId12"/>
+    <p:sldId id="270" r:id="rId11"/>
+    <p:sldId id="274" r:id="rId12"/>
     <p:sldId id="271" r:id="rId13"/>
-    <p:sldId id="272" r:id="rId14"/>
-    <p:sldId id="265" r:id="rId15"/>
+    <p:sldId id="266" r:id="rId14"/>
+    <p:sldId id="272" r:id="rId15"/>
+    <p:sldId id="265" r:id="rId16"/>
   </p:sldIdLst>
   <p:sldSz cx="9144000" cy="6858000" type="screen4x3"/>
   <p:notesSz cx="6858000" cy="9144000"/>
@@ -122,7 +123,7 @@
   </p:defaultTextStyle>
   <p:extLst>
     <p:ext uri="{EFAFB233-063F-42B5-8137-9DF3F51BA10A}">
-      <p15:sldGuideLst xmlns:p15="http://schemas.microsoft.com/office/powerpoint/2012/main" xmlns="">
+      <p15:sldGuideLst xmlns="" xmlns:p15="http://schemas.microsoft.com/office/powerpoint/2012/main">
         <p15:guide id="1" orient="horz" pos="2160">
           <p15:clr>
             <a:srgbClr val="A4A3A4"/>
@@ -573,6 +574,510 @@
 </p:notes>
 </file>
 
+<file path=ppt/notesSlides/notesSlide10.xml><?xml version="1.0" encoding="utf-8"?>
+<p:notes xmlns:a="http://schemas.openxmlformats.org/drawingml/2006/main" xmlns:r="http://schemas.openxmlformats.org/officeDocument/2006/relationships" xmlns:p="http://schemas.openxmlformats.org/presentationml/2006/main">
+  <p:cSld>
+    <p:spTree>
+      <p:nvGrpSpPr>
+        <p:cNvPr id="1" name=""/>
+        <p:cNvGrpSpPr/>
+        <p:nvPr/>
+      </p:nvGrpSpPr>
+      <p:grpSpPr>
+        <a:xfrm>
+          <a:off x="0" y="0"/>
+          <a:ext cx="0" cy="0"/>
+          <a:chOff x="0" y="0"/>
+          <a:chExt cx="0" cy="0"/>
+        </a:xfrm>
+      </p:grpSpPr>
+      <p:sp>
+        <p:nvSpPr>
+          <p:cNvPr id="2" name="Slide Image Placeholder 1"/>
+          <p:cNvSpPr>
+            <a:spLocks noGrp="1" noRot="1" noChangeAspect="1"/>
+          </p:cNvSpPr>
+          <p:nvPr>
+            <p:ph type="sldImg"/>
+          </p:nvPr>
+        </p:nvSpPr>
+        <p:spPr/>
+      </p:sp>
+      <p:sp>
+        <p:nvSpPr>
+          <p:cNvPr id="3" name="Notes Placeholder 2"/>
+          <p:cNvSpPr>
+            <a:spLocks noGrp="1"/>
+          </p:cNvSpPr>
+          <p:nvPr>
+            <p:ph type="body" idx="1"/>
+          </p:nvPr>
+        </p:nvSpPr>
+        <p:spPr/>
+        <p:txBody>
+          <a:bodyPr/>
+          <a:lstStyle/>
+          <a:p>
+            <a:endParaRPr lang="en-US"/>
+          </a:p>
+        </p:txBody>
+      </p:sp>
+      <p:sp>
+        <p:nvSpPr>
+          <p:cNvPr id="4" name="Slide Number Placeholder 3"/>
+          <p:cNvSpPr>
+            <a:spLocks noGrp="1"/>
+          </p:cNvSpPr>
+          <p:nvPr>
+            <p:ph type="sldNum" sz="quarter" idx="10"/>
+          </p:nvPr>
+        </p:nvSpPr>
+        <p:spPr/>
+        <p:txBody>
+          <a:bodyPr/>
+          <a:lstStyle/>
+          <a:p>
+            <a:fld id="{A443820A-E210-4051-B304-0A0745D97E69}" type="slidenum">
+              <a:rPr lang="en-US" smtClean="0"/>
+              <a:t>10</a:t>
+            </a:fld>
+            <a:endParaRPr lang="en-US"/>
+          </a:p>
+        </p:txBody>
+      </p:sp>
+    </p:spTree>
+    <p:extLst>
+      <p:ext uri="{BB962C8B-B14F-4D97-AF65-F5344CB8AC3E}">
+        <p14:creationId xmlns:p14="http://schemas.microsoft.com/office/powerpoint/2010/main" val="2315872915"/>
+      </p:ext>
+    </p:extLst>
+  </p:cSld>
+  <p:clrMapOvr>
+    <a:masterClrMapping/>
+  </p:clrMapOvr>
+</p:notes>
+</file>
+
+<file path=ppt/notesSlides/notesSlide11.xml><?xml version="1.0" encoding="utf-8"?>
+<p:notes xmlns:a="http://schemas.openxmlformats.org/drawingml/2006/main" xmlns:r="http://schemas.openxmlformats.org/officeDocument/2006/relationships" xmlns:p="http://schemas.openxmlformats.org/presentationml/2006/main">
+  <p:cSld>
+    <p:spTree>
+      <p:nvGrpSpPr>
+        <p:cNvPr id="1" name=""/>
+        <p:cNvGrpSpPr/>
+        <p:nvPr/>
+      </p:nvGrpSpPr>
+      <p:grpSpPr>
+        <a:xfrm>
+          <a:off x="0" y="0"/>
+          <a:ext cx="0" cy="0"/>
+          <a:chOff x="0" y="0"/>
+          <a:chExt cx="0" cy="0"/>
+        </a:xfrm>
+      </p:grpSpPr>
+      <p:sp>
+        <p:nvSpPr>
+          <p:cNvPr id="2" name="Slide Image Placeholder 1"/>
+          <p:cNvSpPr>
+            <a:spLocks noGrp="1" noRot="1" noChangeAspect="1"/>
+          </p:cNvSpPr>
+          <p:nvPr>
+            <p:ph type="sldImg"/>
+          </p:nvPr>
+        </p:nvSpPr>
+        <p:spPr/>
+      </p:sp>
+      <p:sp>
+        <p:nvSpPr>
+          <p:cNvPr id="3" name="Notes Placeholder 2"/>
+          <p:cNvSpPr>
+            <a:spLocks noGrp="1"/>
+          </p:cNvSpPr>
+          <p:nvPr>
+            <p:ph type="body" idx="1"/>
+          </p:nvPr>
+        </p:nvSpPr>
+        <p:spPr/>
+        <p:txBody>
+          <a:bodyPr/>
+          <a:lstStyle/>
+          <a:p>
+            <a:endParaRPr lang="en-US"/>
+          </a:p>
+        </p:txBody>
+      </p:sp>
+      <p:sp>
+        <p:nvSpPr>
+          <p:cNvPr id="4" name="Slide Number Placeholder 3"/>
+          <p:cNvSpPr>
+            <a:spLocks noGrp="1"/>
+          </p:cNvSpPr>
+          <p:nvPr>
+            <p:ph type="sldNum" sz="quarter" idx="10"/>
+          </p:nvPr>
+        </p:nvSpPr>
+        <p:spPr/>
+        <p:txBody>
+          <a:bodyPr/>
+          <a:lstStyle/>
+          <a:p>
+            <a:fld id="{A443820A-E210-4051-B304-0A0745D97E69}" type="slidenum">
+              <a:rPr lang="en-US" smtClean="0"/>
+              <a:t>11</a:t>
+            </a:fld>
+            <a:endParaRPr lang="en-US"/>
+          </a:p>
+        </p:txBody>
+      </p:sp>
+    </p:spTree>
+    <p:extLst>
+      <p:ext uri="{BB962C8B-B14F-4D97-AF65-F5344CB8AC3E}">
+        <p14:creationId xmlns:p14="http://schemas.microsoft.com/office/powerpoint/2010/main" val="2315872915"/>
+      </p:ext>
+    </p:extLst>
+  </p:cSld>
+  <p:clrMapOvr>
+    <a:masterClrMapping/>
+  </p:clrMapOvr>
+</p:notes>
+</file>
+
+<file path=ppt/notesSlides/notesSlide12.xml><?xml version="1.0" encoding="utf-8"?>
+<p:notes xmlns:a="http://schemas.openxmlformats.org/drawingml/2006/main" xmlns:r="http://schemas.openxmlformats.org/officeDocument/2006/relationships" xmlns:p="http://schemas.openxmlformats.org/presentationml/2006/main">
+  <p:cSld>
+    <p:spTree>
+      <p:nvGrpSpPr>
+        <p:cNvPr id="1" name=""/>
+        <p:cNvGrpSpPr/>
+        <p:nvPr/>
+      </p:nvGrpSpPr>
+      <p:grpSpPr>
+        <a:xfrm>
+          <a:off x="0" y="0"/>
+          <a:ext cx="0" cy="0"/>
+          <a:chOff x="0" y="0"/>
+          <a:chExt cx="0" cy="0"/>
+        </a:xfrm>
+      </p:grpSpPr>
+      <p:sp>
+        <p:nvSpPr>
+          <p:cNvPr id="2" name="Slide Image Placeholder 1"/>
+          <p:cNvSpPr>
+            <a:spLocks noGrp="1" noRot="1" noChangeAspect="1"/>
+          </p:cNvSpPr>
+          <p:nvPr>
+            <p:ph type="sldImg"/>
+          </p:nvPr>
+        </p:nvSpPr>
+        <p:spPr/>
+      </p:sp>
+      <p:sp>
+        <p:nvSpPr>
+          <p:cNvPr id="3" name="Notes Placeholder 2"/>
+          <p:cNvSpPr>
+            <a:spLocks noGrp="1"/>
+          </p:cNvSpPr>
+          <p:nvPr>
+            <p:ph type="body" idx="1"/>
+          </p:nvPr>
+        </p:nvSpPr>
+        <p:spPr/>
+        <p:txBody>
+          <a:bodyPr/>
+          <a:lstStyle/>
+          <a:p>
+            <a:endParaRPr lang="en-US"/>
+          </a:p>
+        </p:txBody>
+      </p:sp>
+      <p:sp>
+        <p:nvSpPr>
+          <p:cNvPr id="4" name="Slide Number Placeholder 3"/>
+          <p:cNvSpPr>
+            <a:spLocks noGrp="1"/>
+          </p:cNvSpPr>
+          <p:nvPr>
+            <p:ph type="sldNum" sz="quarter" idx="10"/>
+          </p:nvPr>
+        </p:nvSpPr>
+        <p:spPr/>
+        <p:txBody>
+          <a:bodyPr/>
+          <a:lstStyle/>
+          <a:p>
+            <a:fld id="{A443820A-E210-4051-B304-0A0745D97E69}" type="slidenum">
+              <a:rPr lang="en-US" smtClean="0"/>
+              <a:t>12</a:t>
+            </a:fld>
+            <a:endParaRPr lang="en-US"/>
+          </a:p>
+        </p:txBody>
+      </p:sp>
+    </p:spTree>
+    <p:extLst>
+      <p:ext uri="{BB962C8B-B14F-4D97-AF65-F5344CB8AC3E}">
+        <p14:creationId xmlns:p14="http://schemas.microsoft.com/office/powerpoint/2010/main" val="1760394990"/>
+      </p:ext>
+    </p:extLst>
+  </p:cSld>
+  <p:clrMapOvr>
+    <a:masterClrMapping/>
+  </p:clrMapOvr>
+</p:notes>
+</file>
+
+<file path=ppt/notesSlides/notesSlide13.xml><?xml version="1.0" encoding="utf-8"?>
+<p:notes xmlns:a="http://schemas.openxmlformats.org/drawingml/2006/main" xmlns:r="http://schemas.openxmlformats.org/officeDocument/2006/relationships" xmlns:p="http://schemas.openxmlformats.org/presentationml/2006/main">
+  <p:cSld>
+    <p:spTree>
+      <p:nvGrpSpPr>
+        <p:cNvPr id="1" name=""/>
+        <p:cNvGrpSpPr/>
+        <p:nvPr/>
+      </p:nvGrpSpPr>
+      <p:grpSpPr>
+        <a:xfrm>
+          <a:off x="0" y="0"/>
+          <a:ext cx="0" cy="0"/>
+          <a:chOff x="0" y="0"/>
+          <a:chExt cx="0" cy="0"/>
+        </a:xfrm>
+      </p:grpSpPr>
+      <p:sp>
+        <p:nvSpPr>
+          <p:cNvPr id="2" name="Slide Image Placeholder 1"/>
+          <p:cNvSpPr>
+            <a:spLocks noGrp="1" noRot="1" noChangeAspect="1"/>
+          </p:cNvSpPr>
+          <p:nvPr>
+            <p:ph type="sldImg"/>
+          </p:nvPr>
+        </p:nvSpPr>
+        <p:spPr/>
+      </p:sp>
+      <p:sp>
+        <p:nvSpPr>
+          <p:cNvPr id="3" name="Notes Placeholder 2"/>
+          <p:cNvSpPr>
+            <a:spLocks noGrp="1"/>
+          </p:cNvSpPr>
+          <p:nvPr>
+            <p:ph type="body" idx="1"/>
+          </p:nvPr>
+        </p:nvSpPr>
+        <p:spPr/>
+        <p:txBody>
+          <a:bodyPr/>
+          <a:lstStyle/>
+          <a:p>
+            <a:endParaRPr lang="en-US"/>
+          </a:p>
+        </p:txBody>
+      </p:sp>
+      <p:sp>
+        <p:nvSpPr>
+          <p:cNvPr id="4" name="Slide Number Placeholder 3"/>
+          <p:cNvSpPr>
+            <a:spLocks noGrp="1"/>
+          </p:cNvSpPr>
+          <p:nvPr>
+            <p:ph type="sldNum" sz="quarter" idx="10"/>
+          </p:nvPr>
+        </p:nvSpPr>
+        <p:spPr/>
+        <p:txBody>
+          <a:bodyPr/>
+          <a:lstStyle/>
+          <a:p>
+            <a:fld id="{A443820A-E210-4051-B304-0A0745D97E69}" type="slidenum">
+              <a:rPr lang="en-US" smtClean="0"/>
+              <a:t>13</a:t>
+            </a:fld>
+            <a:endParaRPr lang="en-US"/>
+          </a:p>
+        </p:txBody>
+      </p:sp>
+    </p:spTree>
+    <p:extLst>
+      <p:ext uri="{BB962C8B-B14F-4D97-AF65-F5344CB8AC3E}">
+        <p14:creationId xmlns:p14="http://schemas.microsoft.com/office/powerpoint/2010/main" val="548533314"/>
+      </p:ext>
+    </p:extLst>
+  </p:cSld>
+  <p:clrMapOvr>
+    <a:masterClrMapping/>
+  </p:clrMapOvr>
+</p:notes>
+</file>
+
+<file path=ppt/notesSlides/notesSlide14.xml><?xml version="1.0" encoding="utf-8"?>
+<p:notes xmlns:a="http://schemas.openxmlformats.org/drawingml/2006/main" xmlns:r="http://schemas.openxmlformats.org/officeDocument/2006/relationships" xmlns:p="http://schemas.openxmlformats.org/presentationml/2006/main">
+  <p:cSld>
+    <p:spTree>
+      <p:nvGrpSpPr>
+        <p:cNvPr id="1" name=""/>
+        <p:cNvGrpSpPr/>
+        <p:nvPr/>
+      </p:nvGrpSpPr>
+      <p:grpSpPr>
+        <a:xfrm>
+          <a:off x="0" y="0"/>
+          <a:ext cx="0" cy="0"/>
+          <a:chOff x="0" y="0"/>
+          <a:chExt cx="0" cy="0"/>
+        </a:xfrm>
+      </p:grpSpPr>
+      <p:sp>
+        <p:nvSpPr>
+          <p:cNvPr id="2" name="Slide Image Placeholder 1"/>
+          <p:cNvSpPr>
+            <a:spLocks noGrp="1" noRot="1" noChangeAspect="1"/>
+          </p:cNvSpPr>
+          <p:nvPr>
+            <p:ph type="sldImg"/>
+          </p:nvPr>
+        </p:nvSpPr>
+        <p:spPr/>
+      </p:sp>
+      <p:sp>
+        <p:nvSpPr>
+          <p:cNvPr id="3" name="Notes Placeholder 2"/>
+          <p:cNvSpPr>
+            <a:spLocks noGrp="1"/>
+          </p:cNvSpPr>
+          <p:nvPr>
+            <p:ph type="body" idx="1"/>
+          </p:nvPr>
+        </p:nvSpPr>
+        <p:spPr/>
+        <p:txBody>
+          <a:bodyPr/>
+          <a:lstStyle/>
+          <a:p>
+            <a:endParaRPr lang="en-US" dirty="0"/>
+          </a:p>
+        </p:txBody>
+      </p:sp>
+      <p:sp>
+        <p:nvSpPr>
+          <p:cNvPr id="4" name="Slide Number Placeholder 3"/>
+          <p:cNvSpPr>
+            <a:spLocks noGrp="1"/>
+          </p:cNvSpPr>
+          <p:nvPr>
+            <p:ph type="sldNum" sz="quarter" idx="10"/>
+          </p:nvPr>
+        </p:nvSpPr>
+        <p:spPr/>
+        <p:txBody>
+          <a:bodyPr/>
+          <a:lstStyle/>
+          <a:p>
+            <a:fld id="{A443820A-E210-4051-B304-0A0745D97E69}" type="slidenum">
+              <a:rPr lang="en-US" smtClean="0"/>
+              <a:t>14</a:t>
+            </a:fld>
+            <a:endParaRPr lang="en-US"/>
+          </a:p>
+        </p:txBody>
+      </p:sp>
+    </p:spTree>
+    <p:extLst>
+      <p:ext uri="{BB962C8B-B14F-4D97-AF65-F5344CB8AC3E}">
+        <p14:creationId xmlns:p14="http://schemas.microsoft.com/office/powerpoint/2010/main" val="1230076749"/>
+      </p:ext>
+    </p:extLst>
+  </p:cSld>
+  <p:clrMapOvr>
+    <a:masterClrMapping/>
+  </p:clrMapOvr>
+</p:notes>
+</file>
+
+<file path=ppt/notesSlides/notesSlide15.xml><?xml version="1.0" encoding="utf-8"?>
+<p:notes xmlns:a="http://schemas.openxmlformats.org/drawingml/2006/main" xmlns:r="http://schemas.openxmlformats.org/officeDocument/2006/relationships" xmlns:p="http://schemas.openxmlformats.org/presentationml/2006/main">
+  <p:cSld>
+    <p:spTree>
+      <p:nvGrpSpPr>
+        <p:cNvPr id="1" name=""/>
+        <p:cNvGrpSpPr/>
+        <p:nvPr/>
+      </p:nvGrpSpPr>
+      <p:grpSpPr>
+        <a:xfrm>
+          <a:off x="0" y="0"/>
+          <a:ext cx="0" cy="0"/>
+          <a:chOff x="0" y="0"/>
+          <a:chExt cx="0" cy="0"/>
+        </a:xfrm>
+      </p:grpSpPr>
+      <p:sp>
+        <p:nvSpPr>
+          <p:cNvPr id="2" name="Slide Image Placeholder 1"/>
+          <p:cNvSpPr>
+            <a:spLocks noGrp="1" noRot="1" noChangeAspect="1"/>
+          </p:cNvSpPr>
+          <p:nvPr>
+            <p:ph type="sldImg"/>
+          </p:nvPr>
+        </p:nvSpPr>
+        <p:spPr/>
+      </p:sp>
+      <p:sp>
+        <p:nvSpPr>
+          <p:cNvPr id="3" name="Notes Placeholder 2"/>
+          <p:cNvSpPr>
+            <a:spLocks noGrp="1"/>
+          </p:cNvSpPr>
+          <p:nvPr>
+            <p:ph type="body" idx="1"/>
+          </p:nvPr>
+        </p:nvSpPr>
+        <p:spPr/>
+        <p:txBody>
+          <a:bodyPr/>
+          <a:lstStyle/>
+          <a:p>
+            <a:endParaRPr lang="en-US"/>
+          </a:p>
+        </p:txBody>
+      </p:sp>
+      <p:sp>
+        <p:nvSpPr>
+          <p:cNvPr id="4" name="Slide Number Placeholder 3"/>
+          <p:cNvSpPr>
+            <a:spLocks noGrp="1"/>
+          </p:cNvSpPr>
+          <p:nvPr>
+            <p:ph type="sldNum" sz="quarter" idx="10"/>
+          </p:nvPr>
+        </p:nvSpPr>
+        <p:spPr/>
+        <p:txBody>
+          <a:bodyPr/>
+          <a:lstStyle/>
+          <a:p>
+            <a:fld id="{A443820A-E210-4051-B304-0A0745D97E69}" type="slidenum">
+              <a:rPr lang="en-US" smtClean="0"/>
+              <a:t>15</a:t>
+            </a:fld>
+            <a:endParaRPr lang="en-US"/>
+          </a:p>
+        </p:txBody>
+      </p:sp>
+    </p:spTree>
+    <p:extLst>
+      <p:ext uri="{BB962C8B-B14F-4D97-AF65-F5344CB8AC3E}">
+        <p14:creationId xmlns:p14="http://schemas.microsoft.com/office/powerpoint/2010/main" val="2884097771"/>
+      </p:ext>
+    </p:extLst>
+  </p:cSld>
+  <p:clrMapOvr>
+    <a:masterClrMapping/>
+  </p:clrMapOvr>
+</p:notes>
+</file>
+
 <file path=ppt/notesSlides/notesSlide2.xml><?xml version="1.0" encoding="utf-8"?>
 <p:notes xmlns:a="http://schemas.openxmlformats.org/drawingml/2006/main" xmlns:r="http://schemas.openxmlformats.org/officeDocument/2006/relationships" xmlns:p="http://schemas.openxmlformats.org/presentationml/2006/main">
   <p:cSld>
@@ -747,6 +1252,90 @@
           <a:p>
             <a:fld id="{A443820A-E210-4051-B304-0A0745D97E69}" type="slidenum">
               <a:rPr lang="en-US" smtClean="0"/>
+              <a:t>3</a:t>
+            </a:fld>
+            <a:endParaRPr lang="en-US"/>
+          </a:p>
+        </p:txBody>
+      </p:sp>
+    </p:spTree>
+    <p:extLst>
+      <p:ext uri="{BB962C8B-B14F-4D97-AF65-F5344CB8AC3E}">
+        <p14:creationId xmlns:p14="http://schemas.microsoft.com/office/powerpoint/2010/main" val="2853872162"/>
+      </p:ext>
+    </p:extLst>
+  </p:cSld>
+  <p:clrMapOvr>
+    <a:masterClrMapping/>
+  </p:clrMapOvr>
+</p:notes>
+</file>
+
+<file path=ppt/notesSlides/notesSlide4.xml><?xml version="1.0" encoding="utf-8"?>
+<p:notes xmlns:a="http://schemas.openxmlformats.org/drawingml/2006/main" xmlns:r="http://schemas.openxmlformats.org/officeDocument/2006/relationships" xmlns:p="http://schemas.openxmlformats.org/presentationml/2006/main">
+  <p:cSld>
+    <p:spTree>
+      <p:nvGrpSpPr>
+        <p:cNvPr id="1" name=""/>
+        <p:cNvGrpSpPr/>
+        <p:nvPr/>
+      </p:nvGrpSpPr>
+      <p:grpSpPr>
+        <a:xfrm>
+          <a:off x="0" y="0"/>
+          <a:ext cx="0" cy="0"/>
+          <a:chOff x="0" y="0"/>
+          <a:chExt cx="0" cy="0"/>
+        </a:xfrm>
+      </p:grpSpPr>
+      <p:sp>
+        <p:nvSpPr>
+          <p:cNvPr id="2" name="Slide Image Placeholder 1"/>
+          <p:cNvSpPr>
+            <a:spLocks noGrp="1" noRot="1" noChangeAspect="1"/>
+          </p:cNvSpPr>
+          <p:nvPr>
+            <p:ph type="sldImg"/>
+          </p:nvPr>
+        </p:nvSpPr>
+        <p:spPr/>
+      </p:sp>
+      <p:sp>
+        <p:nvSpPr>
+          <p:cNvPr id="3" name="Notes Placeholder 2"/>
+          <p:cNvSpPr>
+            <a:spLocks noGrp="1"/>
+          </p:cNvSpPr>
+          <p:nvPr>
+            <p:ph type="body" idx="1"/>
+          </p:nvPr>
+        </p:nvSpPr>
+        <p:spPr/>
+        <p:txBody>
+          <a:bodyPr/>
+          <a:lstStyle/>
+          <a:p>
+            <a:endParaRPr lang="en-US"/>
+          </a:p>
+        </p:txBody>
+      </p:sp>
+      <p:sp>
+        <p:nvSpPr>
+          <p:cNvPr id="4" name="Slide Number Placeholder 3"/>
+          <p:cNvSpPr>
+            <a:spLocks noGrp="1"/>
+          </p:cNvSpPr>
+          <p:nvPr>
+            <p:ph type="sldNum" sz="quarter" idx="10"/>
+          </p:nvPr>
+        </p:nvSpPr>
+        <p:spPr/>
+        <p:txBody>
+          <a:bodyPr/>
+          <a:lstStyle/>
+          <a:p>
+            <a:fld id="{A443820A-E210-4051-B304-0A0745D97E69}" type="slidenum">
+              <a:rPr lang="en-US" smtClean="0"/>
               <a:t>4</a:t>
             </a:fld>
             <a:endParaRPr lang="en-US"/>
@@ -757,6 +1346,426 @@
     <p:extLst>
       <p:ext uri="{BB962C8B-B14F-4D97-AF65-F5344CB8AC3E}">
         <p14:creationId xmlns:p14="http://schemas.microsoft.com/office/powerpoint/2010/main" val="145605287"/>
+      </p:ext>
+    </p:extLst>
+  </p:cSld>
+  <p:clrMapOvr>
+    <a:masterClrMapping/>
+  </p:clrMapOvr>
+</p:notes>
+</file>
+
+<file path=ppt/notesSlides/notesSlide5.xml><?xml version="1.0" encoding="utf-8"?>
+<p:notes xmlns:a="http://schemas.openxmlformats.org/drawingml/2006/main" xmlns:r="http://schemas.openxmlformats.org/officeDocument/2006/relationships" xmlns:p="http://schemas.openxmlformats.org/presentationml/2006/main">
+  <p:cSld>
+    <p:spTree>
+      <p:nvGrpSpPr>
+        <p:cNvPr id="1" name=""/>
+        <p:cNvGrpSpPr/>
+        <p:nvPr/>
+      </p:nvGrpSpPr>
+      <p:grpSpPr>
+        <a:xfrm>
+          <a:off x="0" y="0"/>
+          <a:ext cx="0" cy="0"/>
+          <a:chOff x="0" y="0"/>
+          <a:chExt cx="0" cy="0"/>
+        </a:xfrm>
+      </p:grpSpPr>
+      <p:sp>
+        <p:nvSpPr>
+          <p:cNvPr id="2" name="Slide Image Placeholder 1"/>
+          <p:cNvSpPr>
+            <a:spLocks noGrp="1" noRot="1" noChangeAspect="1"/>
+          </p:cNvSpPr>
+          <p:nvPr>
+            <p:ph type="sldImg"/>
+          </p:nvPr>
+        </p:nvSpPr>
+        <p:spPr/>
+      </p:sp>
+      <p:sp>
+        <p:nvSpPr>
+          <p:cNvPr id="3" name="Notes Placeholder 2"/>
+          <p:cNvSpPr>
+            <a:spLocks noGrp="1"/>
+          </p:cNvSpPr>
+          <p:nvPr>
+            <p:ph type="body" idx="1"/>
+          </p:nvPr>
+        </p:nvSpPr>
+        <p:spPr/>
+        <p:txBody>
+          <a:bodyPr/>
+          <a:lstStyle/>
+          <a:p>
+            <a:endParaRPr lang="en-US"/>
+          </a:p>
+        </p:txBody>
+      </p:sp>
+      <p:sp>
+        <p:nvSpPr>
+          <p:cNvPr id="4" name="Slide Number Placeholder 3"/>
+          <p:cNvSpPr>
+            <a:spLocks noGrp="1"/>
+          </p:cNvSpPr>
+          <p:nvPr>
+            <p:ph type="sldNum" sz="quarter" idx="10"/>
+          </p:nvPr>
+        </p:nvSpPr>
+        <p:spPr/>
+        <p:txBody>
+          <a:bodyPr/>
+          <a:lstStyle/>
+          <a:p>
+            <a:fld id="{A443820A-E210-4051-B304-0A0745D97E69}" type="slidenum">
+              <a:rPr lang="en-US" smtClean="0"/>
+              <a:t>5</a:t>
+            </a:fld>
+            <a:endParaRPr lang="en-US"/>
+          </a:p>
+        </p:txBody>
+      </p:sp>
+    </p:spTree>
+    <p:extLst>
+      <p:ext uri="{BB962C8B-B14F-4D97-AF65-F5344CB8AC3E}">
+        <p14:creationId xmlns:p14="http://schemas.microsoft.com/office/powerpoint/2010/main" val="79815664"/>
+      </p:ext>
+    </p:extLst>
+  </p:cSld>
+  <p:clrMapOvr>
+    <a:masterClrMapping/>
+  </p:clrMapOvr>
+</p:notes>
+</file>
+
+<file path=ppt/notesSlides/notesSlide6.xml><?xml version="1.0" encoding="utf-8"?>
+<p:notes xmlns:a="http://schemas.openxmlformats.org/drawingml/2006/main" xmlns:r="http://schemas.openxmlformats.org/officeDocument/2006/relationships" xmlns:p="http://schemas.openxmlformats.org/presentationml/2006/main">
+  <p:cSld>
+    <p:spTree>
+      <p:nvGrpSpPr>
+        <p:cNvPr id="1" name=""/>
+        <p:cNvGrpSpPr/>
+        <p:nvPr/>
+      </p:nvGrpSpPr>
+      <p:grpSpPr>
+        <a:xfrm>
+          <a:off x="0" y="0"/>
+          <a:ext cx="0" cy="0"/>
+          <a:chOff x="0" y="0"/>
+          <a:chExt cx="0" cy="0"/>
+        </a:xfrm>
+      </p:grpSpPr>
+      <p:sp>
+        <p:nvSpPr>
+          <p:cNvPr id="2" name="Slide Image Placeholder 1"/>
+          <p:cNvSpPr>
+            <a:spLocks noGrp="1" noRot="1" noChangeAspect="1"/>
+          </p:cNvSpPr>
+          <p:nvPr>
+            <p:ph type="sldImg"/>
+          </p:nvPr>
+        </p:nvSpPr>
+        <p:spPr/>
+      </p:sp>
+      <p:sp>
+        <p:nvSpPr>
+          <p:cNvPr id="3" name="Notes Placeholder 2"/>
+          <p:cNvSpPr>
+            <a:spLocks noGrp="1"/>
+          </p:cNvSpPr>
+          <p:nvPr>
+            <p:ph type="body" idx="1"/>
+          </p:nvPr>
+        </p:nvSpPr>
+        <p:spPr/>
+        <p:txBody>
+          <a:bodyPr/>
+          <a:lstStyle/>
+          <a:p>
+            <a:endParaRPr lang="en-US"/>
+          </a:p>
+        </p:txBody>
+      </p:sp>
+      <p:sp>
+        <p:nvSpPr>
+          <p:cNvPr id="4" name="Slide Number Placeholder 3"/>
+          <p:cNvSpPr>
+            <a:spLocks noGrp="1"/>
+          </p:cNvSpPr>
+          <p:nvPr>
+            <p:ph type="sldNum" sz="quarter" idx="10"/>
+          </p:nvPr>
+        </p:nvSpPr>
+        <p:spPr/>
+        <p:txBody>
+          <a:bodyPr/>
+          <a:lstStyle/>
+          <a:p>
+            <a:fld id="{A443820A-E210-4051-B304-0A0745D97E69}" type="slidenum">
+              <a:rPr lang="en-US" smtClean="0"/>
+              <a:t>6</a:t>
+            </a:fld>
+            <a:endParaRPr lang="en-US"/>
+          </a:p>
+        </p:txBody>
+      </p:sp>
+    </p:spTree>
+    <p:extLst>
+      <p:ext uri="{BB962C8B-B14F-4D97-AF65-F5344CB8AC3E}">
+        <p14:creationId xmlns:p14="http://schemas.microsoft.com/office/powerpoint/2010/main" val="3275755172"/>
+      </p:ext>
+    </p:extLst>
+  </p:cSld>
+  <p:clrMapOvr>
+    <a:masterClrMapping/>
+  </p:clrMapOvr>
+</p:notes>
+</file>
+
+<file path=ppt/notesSlides/notesSlide7.xml><?xml version="1.0" encoding="utf-8"?>
+<p:notes xmlns:a="http://schemas.openxmlformats.org/drawingml/2006/main" xmlns:r="http://schemas.openxmlformats.org/officeDocument/2006/relationships" xmlns:p="http://schemas.openxmlformats.org/presentationml/2006/main">
+  <p:cSld>
+    <p:spTree>
+      <p:nvGrpSpPr>
+        <p:cNvPr id="1" name=""/>
+        <p:cNvGrpSpPr/>
+        <p:nvPr/>
+      </p:nvGrpSpPr>
+      <p:grpSpPr>
+        <a:xfrm>
+          <a:off x="0" y="0"/>
+          <a:ext cx="0" cy="0"/>
+          <a:chOff x="0" y="0"/>
+          <a:chExt cx="0" cy="0"/>
+        </a:xfrm>
+      </p:grpSpPr>
+      <p:sp>
+        <p:nvSpPr>
+          <p:cNvPr id="2" name="Slide Image Placeholder 1"/>
+          <p:cNvSpPr>
+            <a:spLocks noGrp="1" noRot="1" noChangeAspect="1"/>
+          </p:cNvSpPr>
+          <p:nvPr>
+            <p:ph type="sldImg"/>
+          </p:nvPr>
+        </p:nvSpPr>
+        <p:spPr/>
+      </p:sp>
+      <p:sp>
+        <p:nvSpPr>
+          <p:cNvPr id="3" name="Notes Placeholder 2"/>
+          <p:cNvSpPr>
+            <a:spLocks noGrp="1"/>
+          </p:cNvSpPr>
+          <p:nvPr>
+            <p:ph type="body" idx="1"/>
+          </p:nvPr>
+        </p:nvSpPr>
+        <p:spPr/>
+        <p:txBody>
+          <a:bodyPr/>
+          <a:lstStyle/>
+          <a:p>
+            <a:endParaRPr lang="en-US"/>
+          </a:p>
+        </p:txBody>
+      </p:sp>
+      <p:sp>
+        <p:nvSpPr>
+          <p:cNvPr id="4" name="Slide Number Placeholder 3"/>
+          <p:cNvSpPr>
+            <a:spLocks noGrp="1"/>
+          </p:cNvSpPr>
+          <p:nvPr>
+            <p:ph type="sldNum" sz="quarter" idx="10"/>
+          </p:nvPr>
+        </p:nvSpPr>
+        <p:spPr/>
+        <p:txBody>
+          <a:bodyPr/>
+          <a:lstStyle/>
+          <a:p>
+            <a:fld id="{A443820A-E210-4051-B304-0A0745D97E69}" type="slidenum">
+              <a:rPr lang="en-US" smtClean="0"/>
+              <a:t>7</a:t>
+            </a:fld>
+            <a:endParaRPr lang="en-US"/>
+          </a:p>
+        </p:txBody>
+      </p:sp>
+    </p:spTree>
+    <p:extLst>
+      <p:ext uri="{BB962C8B-B14F-4D97-AF65-F5344CB8AC3E}">
+        <p14:creationId xmlns:p14="http://schemas.microsoft.com/office/powerpoint/2010/main" val="3289008861"/>
+      </p:ext>
+    </p:extLst>
+  </p:cSld>
+  <p:clrMapOvr>
+    <a:masterClrMapping/>
+  </p:clrMapOvr>
+</p:notes>
+</file>
+
+<file path=ppt/notesSlides/notesSlide8.xml><?xml version="1.0" encoding="utf-8"?>
+<p:notes xmlns:a="http://schemas.openxmlformats.org/drawingml/2006/main" xmlns:r="http://schemas.openxmlformats.org/officeDocument/2006/relationships" xmlns:p="http://schemas.openxmlformats.org/presentationml/2006/main">
+  <p:cSld>
+    <p:spTree>
+      <p:nvGrpSpPr>
+        <p:cNvPr id="1" name=""/>
+        <p:cNvGrpSpPr/>
+        <p:nvPr/>
+      </p:nvGrpSpPr>
+      <p:grpSpPr>
+        <a:xfrm>
+          <a:off x="0" y="0"/>
+          <a:ext cx="0" cy="0"/>
+          <a:chOff x="0" y="0"/>
+          <a:chExt cx="0" cy="0"/>
+        </a:xfrm>
+      </p:grpSpPr>
+      <p:sp>
+        <p:nvSpPr>
+          <p:cNvPr id="2" name="Slide Image Placeholder 1"/>
+          <p:cNvSpPr>
+            <a:spLocks noGrp="1" noRot="1" noChangeAspect="1"/>
+          </p:cNvSpPr>
+          <p:nvPr>
+            <p:ph type="sldImg"/>
+          </p:nvPr>
+        </p:nvSpPr>
+        <p:spPr/>
+      </p:sp>
+      <p:sp>
+        <p:nvSpPr>
+          <p:cNvPr id="3" name="Notes Placeholder 2"/>
+          <p:cNvSpPr>
+            <a:spLocks noGrp="1"/>
+          </p:cNvSpPr>
+          <p:nvPr>
+            <p:ph type="body" idx="1"/>
+          </p:nvPr>
+        </p:nvSpPr>
+        <p:spPr/>
+        <p:txBody>
+          <a:bodyPr/>
+          <a:lstStyle/>
+          <a:p>
+            <a:endParaRPr lang="en-US"/>
+          </a:p>
+        </p:txBody>
+      </p:sp>
+      <p:sp>
+        <p:nvSpPr>
+          <p:cNvPr id="4" name="Slide Number Placeholder 3"/>
+          <p:cNvSpPr>
+            <a:spLocks noGrp="1"/>
+          </p:cNvSpPr>
+          <p:nvPr>
+            <p:ph type="sldNum" sz="quarter" idx="10"/>
+          </p:nvPr>
+        </p:nvSpPr>
+        <p:spPr/>
+        <p:txBody>
+          <a:bodyPr/>
+          <a:lstStyle/>
+          <a:p>
+            <a:fld id="{A443820A-E210-4051-B304-0A0745D97E69}" type="slidenum">
+              <a:rPr lang="en-US" smtClean="0"/>
+              <a:t>8</a:t>
+            </a:fld>
+            <a:endParaRPr lang="en-US"/>
+          </a:p>
+        </p:txBody>
+      </p:sp>
+    </p:spTree>
+    <p:extLst>
+      <p:ext uri="{BB962C8B-B14F-4D97-AF65-F5344CB8AC3E}">
+        <p14:creationId xmlns:p14="http://schemas.microsoft.com/office/powerpoint/2010/main" val="1310708082"/>
+      </p:ext>
+    </p:extLst>
+  </p:cSld>
+  <p:clrMapOvr>
+    <a:masterClrMapping/>
+  </p:clrMapOvr>
+</p:notes>
+</file>
+
+<file path=ppt/notesSlides/notesSlide9.xml><?xml version="1.0" encoding="utf-8"?>
+<p:notes xmlns:a="http://schemas.openxmlformats.org/drawingml/2006/main" xmlns:r="http://schemas.openxmlformats.org/officeDocument/2006/relationships" xmlns:p="http://schemas.openxmlformats.org/presentationml/2006/main">
+  <p:cSld>
+    <p:spTree>
+      <p:nvGrpSpPr>
+        <p:cNvPr id="1" name=""/>
+        <p:cNvGrpSpPr/>
+        <p:nvPr/>
+      </p:nvGrpSpPr>
+      <p:grpSpPr>
+        <a:xfrm>
+          <a:off x="0" y="0"/>
+          <a:ext cx="0" cy="0"/>
+          <a:chOff x="0" y="0"/>
+          <a:chExt cx="0" cy="0"/>
+        </a:xfrm>
+      </p:grpSpPr>
+      <p:sp>
+        <p:nvSpPr>
+          <p:cNvPr id="2" name="Slide Image Placeholder 1"/>
+          <p:cNvSpPr>
+            <a:spLocks noGrp="1" noRot="1" noChangeAspect="1"/>
+          </p:cNvSpPr>
+          <p:nvPr>
+            <p:ph type="sldImg"/>
+          </p:nvPr>
+        </p:nvSpPr>
+        <p:spPr/>
+      </p:sp>
+      <p:sp>
+        <p:nvSpPr>
+          <p:cNvPr id="3" name="Notes Placeholder 2"/>
+          <p:cNvSpPr>
+            <a:spLocks noGrp="1"/>
+          </p:cNvSpPr>
+          <p:nvPr>
+            <p:ph type="body" idx="1"/>
+          </p:nvPr>
+        </p:nvSpPr>
+        <p:spPr/>
+        <p:txBody>
+          <a:bodyPr/>
+          <a:lstStyle/>
+          <a:p>
+            <a:endParaRPr lang="en-US"/>
+          </a:p>
+        </p:txBody>
+      </p:sp>
+      <p:sp>
+        <p:nvSpPr>
+          <p:cNvPr id="4" name="Slide Number Placeholder 3"/>
+          <p:cNvSpPr>
+            <a:spLocks noGrp="1"/>
+          </p:cNvSpPr>
+          <p:nvPr>
+            <p:ph type="sldNum" sz="quarter" idx="10"/>
+          </p:nvPr>
+        </p:nvSpPr>
+        <p:spPr/>
+        <p:txBody>
+          <a:bodyPr/>
+          <a:lstStyle/>
+          <a:p>
+            <a:fld id="{A443820A-E210-4051-B304-0A0745D97E69}" type="slidenum">
+              <a:rPr lang="en-US" smtClean="0"/>
+              <a:t>9</a:t>
+            </a:fld>
+            <a:endParaRPr lang="en-US"/>
+          </a:p>
+        </p:txBody>
+      </p:sp>
+    </p:spTree>
+    <p:extLst>
+      <p:ext uri="{BB962C8B-B14F-4D97-AF65-F5344CB8AC3E}">
+        <p14:creationId xmlns:p14="http://schemas.microsoft.com/office/powerpoint/2010/main" val="3250131015"/>
       </p:ext>
     </p:extLst>
   </p:cSld>
@@ -3879,7 +4888,7 @@
       </p:grpSpPr>
       <p:sp>
         <p:nvSpPr>
-          <p:cNvPr id="2" name="Title 1"/>
+          <p:cNvPr id="5" name="Title 1"/>
           <p:cNvSpPr>
             <a:spLocks noGrp="1"/>
           </p:cNvSpPr>
@@ -3887,11 +4896,14 @@
             <p:ph type="title"/>
           </p:nvPr>
         </p:nvSpPr>
-        <p:spPr/>
-        <p:txBody>
-          <a:bodyPr>
-            <a:normAutofit fontScale="90000"/>
-          </a:bodyPr>
+        <p:spPr>
+          <a:xfrm>
+            <a:off x="457200" y="274638"/>
+            <a:ext cx="8229600" cy="1143000"/>
+          </a:xfrm>
+        </p:spPr>
+        <p:txBody>
+          <a:bodyPr/>
           <a:lstStyle/>
           <a:p>
             <a:r>
@@ -3900,15 +4912,1062 @@
                   <a:srgbClr val="C00000"/>
                 </a:solidFill>
               </a:rPr>
-              <a:t>Differences </a:t>
-            </a:r>
+              <a:t>Pitfalls - 1</a:t>
+            </a:r>
+            <a:endParaRPr lang="he-IL" dirty="0">
+              <a:solidFill>
+                <a:srgbClr val="C00000"/>
+              </a:solidFill>
+            </a:endParaRPr>
+          </a:p>
+        </p:txBody>
+      </p:sp>
+      <p:sp>
+        <p:nvSpPr>
+          <p:cNvPr id="7" name="Content Placeholder 2"/>
+          <p:cNvSpPr>
+            <a:spLocks noGrp="1"/>
+          </p:cNvSpPr>
+          <p:nvPr>
+            <p:ph idx="1"/>
+          </p:nvPr>
+        </p:nvSpPr>
+        <p:spPr>
+          <a:xfrm>
+            <a:off x="457200" y="1600200"/>
+            <a:ext cx="8229600" cy="4525963"/>
+          </a:xfrm>
+        </p:spPr>
+        <p:txBody>
+          <a:bodyPr>
+            <a:normAutofit fontScale="92500" lnSpcReduction="20000"/>
+          </a:bodyPr>
+          <a:lstStyle/>
+          <a:p>
+            <a:r>
+              <a:rPr lang="en-US" dirty="0" smtClean="0"/>
+              <a:t>The given code wasn’t entirely compatible with the article. So it took a while to understand the changes between the given implementations to the article.</a:t>
+            </a:r>
+            <a:endParaRPr lang="en-US" dirty="0" smtClean="0"/>
+          </a:p>
+          <a:p>
+            <a:r>
+              <a:rPr lang="en-US" dirty="0" smtClean="0"/>
+              <a:t>False Sharing. Slowed down the application and probably cause inconsistencies.  </a:t>
+            </a:r>
+            <a:r>
+              <a:rPr lang="en-US" dirty="0" smtClean="0"/>
+              <a:t> We solved it by paddin</a:t>
+            </a:r>
+            <a:r>
+              <a:rPr lang="en-US" dirty="0" smtClean="0"/>
+              <a:t>g small variables (byte) to long.</a:t>
+            </a:r>
+          </a:p>
+          <a:p>
+            <a:r>
+              <a:rPr lang="en-US" dirty="0" smtClean="0"/>
+              <a:t>Cache coherence. We witnessed some old data being used by threads, causing dead locks and live locks. We’ve changed the next array of each node to be a list of </a:t>
+            </a:r>
+            <a:r>
+              <a:rPr lang="en-US" dirty="0" err="1" smtClean="0"/>
+              <a:t>AtomicRefernce</a:t>
+            </a:r>
+            <a:r>
+              <a:rPr lang="en-US" dirty="0"/>
+              <a:t> </a:t>
+            </a:r>
+            <a:r>
+              <a:rPr lang="en-US" dirty="0" smtClean="0"/>
+              <a:t>objects.</a:t>
+            </a:r>
+            <a:endParaRPr lang="en-US" dirty="0"/>
+          </a:p>
+        </p:txBody>
+      </p:sp>
+    </p:spTree>
+    <p:extLst>
+      <p:ext uri="{BB962C8B-B14F-4D97-AF65-F5344CB8AC3E}">
+        <p14:creationId xmlns:p14="http://schemas.microsoft.com/office/powerpoint/2010/main" val="1723126659"/>
+      </p:ext>
+    </p:extLst>
+  </p:cSld>
+  <p:clrMapOvr>
+    <a:masterClrMapping/>
+  </p:clrMapOvr>
+  <p:timing>
+    <p:tnLst>
+      <p:par>
+        <p:cTn id="1" dur="indefinite" restart="never" nodeType="tmRoot">
+          <p:childTnLst>
+            <p:seq concurrent="1" nextAc="seek">
+              <p:cTn id="2" dur="indefinite" nodeType="mainSeq">
+                <p:childTnLst>
+                  <p:par>
+                    <p:cTn id="3" fill="hold">
+                      <p:stCondLst>
+                        <p:cond delay="indefinite"/>
+                      </p:stCondLst>
+                      <p:childTnLst>
+                        <p:par>
+                          <p:cTn id="4" fill="hold">
+                            <p:stCondLst>
+                              <p:cond delay="0"/>
+                            </p:stCondLst>
+                            <p:childTnLst>
+                              <p:par>
+                                <p:cTn id="5" presetID="10" presetClass="entr" presetSubtype="0" fill="hold" grpId="0" nodeType="clickEffect">
+                                  <p:stCondLst>
+                                    <p:cond delay="0"/>
+                                  </p:stCondLst>
+                                  <p:childTnLst>
+                                    <p:set>
+                                      <p:cBhvr>
+                                        <p:cTn id="6" dur="1" fill="hold">
+                                          <p:stCondLst>
+                                            <p:cond delay="0"/>
+                                          </p:stCondLst>
+                                        </p:cTn>
+                                        <p:tgtEl>
+                                          <p:spTgt spid="7">
+                                            <p:txEl>
+                                              <p:pRg st="0" end="0"/>
+                                            </p:txEl>
+                                          </p:spTgt>
+                                        </p:tgtEl>
+                                        <p:attrNameLst>
+                                          <p:attrName>style.visibility</p:attrName>
+                                        </p:attrNameLst>
+                                      </p:cBhvr>
+                                      <p:to>
+                                        <p:strVal val="visible"/>
+                                      </p:to>
+                                    </p:set>
+                                    <p:animEffect transition="in" filter="fade">
+                                      <p:cBhvr>
+                                        <p:cTn id="7" dur="500"/>
+                                        <p:tgtEl>
+                                          <p:spTgt spid="7">
+                                            <p:txEl>
+                                              <p:pRg st="0" end="0"/>
+                                            </p:txEl>
+                                          </p:spTgt>
+                                        </p:tgtEl>
+                                      </p:cBhvr>
+                                    </p:animEffect>
+                                  </p:childTnLst>
+                                </p:cTn>
+                              </p:par>
+                            </p:childTnLst>
+                          </p:cTn>
+                        </p:par>
+                      </p:childTnLst>
+                    </p:cTn>
+                  </p:par>
+                  <p:par>
+                    <p:cTn id="8" fill="hold">
+                      <p:stCondLst>
+                        <p:cond delay="indefinite"/>
+                      </p:stCondLst>
+                      <p:childTnLst>
+                        <p:par>
+                          <p:cTn id="9" fill="hold">
+                            <p:stCondLst>
+                              <p:cond delay="0"/>
+                            </p:stCondLst>
+                            <p:childTnLst>
+                              <p:par>
+                                <p:cTn id="10" presetID="10" presetClass="entr" presetSubtype="0" fill="hold" grpId="0" nodeType="clickEffect">
+                                  <p:stCondLst>
+                                    <p:cond delay="0"/>
+                                  </p:stCondLst>
+                                  <p:childTnLst>
+                                    <p:set>
+                                      <p:cBhvr>
+                                        <p:cTn id="11" dur="1" fill="hold">
+                                          <p:stCondLst>
+                                            <p:cond delay="0"/>
+                                          </p:stCondLst>
+                                        </p:cTn>
+                                        <p:tgtEl>
+                                          <p:spTgt spid="7">
+                                            <p:txEl>
+                                              <p:pRg st="1" end="1"/>
+                                            </p:txEl>
+                                          </p:spTgt>
+                                        </p:tgtEl>
+                                        <p:attrNameLst>
+                                          <p:attrName>style.visibility</p:attrName>
+                                        </p:attrNameLst>
+                                      </p:cBhvr>
+                                      <p:to>
+                                        <p:strVal val="visible"/>
+                                      </p:to>
+                                    </p:set>
+                                    <p:animEffect transition="in" filter="fade">
+                                      <p:cBhvr>
+                                        <p:cTn id="12" dur="500"/>
+                                        <p:tgtEl>
+                                          <p:spTgt spid="7">
+                                            <p:txEl>
+                                              <p:pRg st="1" end="1"/>
+                                            </p:txEl>
+                                          </p:spTgt>
+                                        </p:tgtEl>
+                                      </p:cBhvr>
+                                    </p:animEffect>
+                                  </p:childTnLst>
+                                </p:cTn>
+                              </p:par>
+                            </p:childTnLst>
+                          </p:cTn>
+                        </p:par>
+                      </p:childTnLst>
+                    </p:cTn>
+                  </p:par>
+                  <p:par>
+                    <p:cTn id="13" fill="hold">
+                      <p:stCondLst>
+                        <p:cond delay="indefinite"/>
+                      </p:stCondLst>
+                      <p:childTnLst>
+                        <p:par>
+                          <p:cTn id="14" fill="hold">
+                            <p:stCondLst>
+                              <p:cond delay="0"/>
+                            </p:stCondLst>
+                            <p:childTnLst>
+                              <p:par>
+                                <p:cTn id="15" presetID="10" presetClass="entr" presetSubtype="0" fill="hold" grpId="0" nodeType="clickEffect">
+                                  <p:stCondLst>
+                                    <p:cond delay="0"/>
+                                  </p:stCondLst>
+                                  <p:childTnLst>
+                                    <p:set>
+                                      <p:cBhvr>
+                                        <p:cTn id="16" dur="1" fill="hold">
+                                          <p:stCondLst>
+                                            <p:cond delay="0"/>
+                                          </p:stCondLst>
+                                        </p:cTn>
+                                        <p:tgtEl>
+                                          <p:spTgt spid="7">
+                                            <p:txEl>
+                                              <p:pRg st="2" end="2"/>
+                                            </p:txEl>
+                                          </p:spTgt>
+                                        </p:tgtEl>
+                                        <p:attrNameLst>
+                                          <p:attrName>style.visibility</p:attrName>
+                                        </p:attrNameLst>
+                                      </p:cBhvr>
+                                      <p:to>
+                                        <p:strVal val="visible"/>
+                                      </p:to>
+                                    </p:set>
+                                    <p:animEffect transition="in" filter="fade">
+                                      <p:cBhvr>
+                                        <p:cTn id="17" dur="500"/>
+                                        <p:tgtEl>
+                                          <p:spTgt spid="7">
+                                            <p:txEl>
+                                              <p:pRg st="2" end="2"/>
+                                            </p:txEl>
+                                          </p:spTgt>
+                                        </p:tgtEl>
+                                      </p:cBhvr>
+                                    </p:animEffect>
+                                  </p:childTnLst>
+                                </p:cTn>
+                              </p:par>
+                            </p:childTnLst>
+                          </p:cTn>
+                        </p:par>
+                      </p:childTnLst>
+                    </p:cTn>
+                  </p:par>
+                </p:childTnLst>
+              </p:cTn>
+              <p:prevCondLst>
+                <p:cond evt="onPrev" delay="0">
+                  <p:tgtEl>
+                    <p:sldTgt/>
+                  </p:tgtEl>
+                </p:cond>
+              </p:prevCondLst>
+              <p:nextCondLst>
+                <p:cond evt="onNext" delay="0">
+                  <p:tgtEl>
+                    <p:sldTgt/>
+                  </p:tgtEl>
+                </p:cond>
+              </p:nextCondLst>
+            </p:seq>
+          </p:childTnLst>
+        </p:cTn>
+      </p:par>
+    </p:tnLst>
+    <p:bldLst>
+      <p:bldP spid="7" grpId="0" build="p"/>
+    </p:bldLst>
+  </p:timing>
+</p:sld>
+</file>
+
+<file path=ppt/slides/slide11.xml><?xml version="1.0" encoding="utf-8"?>
+<p:sld xmlns:a="http://schemas.openxmlformats.org/drawingml/2006/main" xmlns:r="http://schemas.openxmlformats.org/officeDocument/2006/relationships" xmlns:p="http://schemas.openxmlformats.org/presentationml/2006/main">
+  <p:cSld>
+    <p:bg>
+      <p:bgPr>
+        <a:gradFill>
+          <a:gsLst>
+            <a:gs pos="62000">
+              <a:schemeClr val="accent1">
+                <a:lumMod val="5000"/>
+                <a:lumOff val="95000"/>
+              </a:schemeClr>
+            </a:gs>
+            <a:gs pos="74000">
+              <a:schemeClr val="accent1">
+                <a:lumMod val="45000"/>
+                <a:lumOff val="55000"/>
+              </a:schemeClr>
+            </a:gs>
+            <a:gs pos="83000">
+              <a:schemeClr val="accent1">
+                <a:lumMod val="45000"/>
+                <a:lumOff val="55000"/>
+              </a:schemeClr>
+            </a:gs>
+            <a:gs pos="100000">
+              <a:schemeClr val="accent1">
+                <a:lumMod val="30000"/>
+                <a:lumOff val="70000"/>
+              </a:schemeClr>
+            </a:gs>
+          </a:gsLst>
+          <a:lin ang="5400000" scaled="1"/>
+        </a:gradFill>
+        <a:effectLst/>
+      </p:bgPr>
+    </p:bg>
+    <p:spTree>
+      <p:nvGrpSpPr>
+        <p:cNvPr id="1" name=""/>
+        <p:cNvGrpSpPr/>
+        <p:nvPr/>
+      </p:nvGrpSpPr>
+      <p:grpSpPr>
+        <a:xfrm>
+          <a:off x="0" y="0"/>
+          <a:ext cx="0" cy="0"/>
+          <a:chOff x="0" y="0"/>
+          <a:chExt cx="0" cy="0"/>
+        </a:xfrm>
+      </p:grpSpPr>
+      <p:sp>
+        <p:nvSpPr>
+          <p:cNvPr id="5" name="Title 1"/>
+          <p:cNvSpPr>
+            <a:spLocks noGrp="1"/>
+          </p:cNvSpPr>
+          <p:nvPr>
+            <p:ph type="title"/>
+          </p:nvPr>
+        </p:nvSpPr>
+        <p:spPr>
+          <a:xfrm>
+            <a:off x="457200" y="274638"/>
+            <a:ext cx="8229600" cy="1143000"/>
+          </a:xfrm>
+        </p:spPr>
+        <p:txBody>
+          <a:bodyPr/>
+          <a:lstStyle/>
+          <a:p>
             <a:r>
               <a:rPr lang="en-US" dirty="0" smtClean="0">
                 <a:solidFill>
                   <a:srgbClr val="C00000"/>
                 </a:solidFill>
               </a:rPr>
-              <a:t>between “C” and “Java”</a:t>
+              <a:t>Pitfalls - 2</a:t>
+            </a:r>
+            <a:endParaRPr lang="he-IL" dirty="0">
+              <a:solidFill>
+                <a:srgbClr val="C00000"/>
+              </a:solidFill>
+            </a:endParaRPr>
+          </a:p>
+        </p:txBody>
+      </p:sp>
+      <p:sp>
+        <p:nvSpPr>
+          <p:cNvPr id="7" name="Content Placeholder 2"/>
+          <p:cNvSpPr>
+            <a:spLocks noGrp="1"/>
+          </p:cNvSpPr>
+          <p:nvPr>
+            <p:ph idx="1"/>
+          </p:nvPr>
+        </p:nvSpPr>
+        <p:spPr>
+          <a:xfrm>
+            <a:off x="457200" y="1600200"/>
+            <a:ext cx="8229600" cy="4525963"/>
+          </a:xfrm>
+        </p:spPr>
+        <p:txBody>
+          <a:bodyPr>
+            <a:normAutofit fontScale="92500" lnSpcReduction="20000"/>
+          </a:bodyPr>
+          <a:lstStyle/>
+          <a:p>
+            <a:r>
+              <a:rPr lang="en-US" dirty="0" smtClean="0"/>
+              <a:t>Data races. We had a scenario where we validated data and assumed it was correct a few code lines later. Incorrect data caused the application to get stuck and function incorrectly, we fixed by using </a:t>
+            </a:r>
+            <a:r>
+              <a:rPr lang="en-US" dirty="0" err="1" smtClean="0"/>
+              <a:t>tryLock</a:t>
+            </a:r>
+            <a:r>
+              <a:rPr lang="en-US" dirty="0" smtClean="0"/>
+              <a:t> instead of lock. (checking that the lock is initialized)</a:t>
+            </a:r>
+          </a:p>
+          <a:p>
+            <a:r>
+              <a:rPr lang="en-US" dirty="0" smtClean="0"/>
+              <a:t>Split/Merge Threshold . Parallel updates &amp; removes on the same node , while it’s at the threshold caused unexpected behavior. We fixed it by  changing the split threshold to be a bit smaller.</a:t>
+            </a:r>
+            <a:endParaRPr lang="en-US" dirty="0"/>
+          </a:p>
+        </p:txBody>
+      </p:sp>
+    </p:spTree>
+    <p:extLst>
+      <p:ext uri="{BB962C8B-B14F-4D97-AF65-F5344CB8AC3E}">
+        <p14:creationId xmlns:p14="http://schemas.microsoft.com/office/powerpoint/2010/main" val="1500573633"/>
+      </p:ext>
+    </p:extLst>
+  </p:cSld>
+  <p:clrMapOvr>
+    <a:masterClrMapping/>
+  </p:clrMapOvr>
+  <p:timing>
+    <p:tnLst>
+      <p:par>
+        <p:cTn id="1" dur="indefinite" restart="never" nodeType="tmRoot">
+          <p:childTnLst>
+            <p:seq concurrent="1" nextAc="seek">
+              <p:cTn id="2" dur="indefinite" nodeType="mainSeq">
+                <p:childTnLst>
+                  <p:par>
+                    <p:cTn id="3" fill="hold">
+                      <p:stCondLst>
+                        <p:cond delay="indefinite"/>
+                      </p:stCondLst>
+                      <p:childTnLst>
+                        <p:par>
+                          <p:cTn id="4" fill="hold">
+                            <p:stCondLst>
+                              <p:cond delay="0"/>
+                            </p:stCondLst>
+                            <p:childTnLst>
+                              <p:par>
+                                <p:cTn id="5" presetID="10" presetClass="entr" presetSubtype="0" fill="hold" grpId="0" nodeType="clickEffect">
+                                  <p:stCondLst>
+                                    <p:cond delay="0"/>
+                                  </p:stCondLst>
+                                  <p:childTnLst>
+                                    <p:set>
+                                      <p:cBhvr>
+                                        <p:cTn id="6" dur="1" fill="hold">
+                                          <p:stCondLst>
+                                            <p:cond delay="0"/>
+                                          </p:stCondLst>
+                                        </p:cTn>
+                                        <p:tgtEl>
+                                          <p:spTgt spid="7">
+                                            <p:txEl>
+                                              <p:pRg st="0" end="0"/>
+                                            </p:txEl>
+                                          </p:spTgt>
+                                        </p:tgtEl>
+                                        <p:attrNameLst>
+                                          <p:attrName>style.visibility</p:attrName>
+                                        </p:attrNameLst>
+                                      </p:cBhvr>
+                                      <p:to>
+                                        <p:strVal val="visible"/>
+                                      </p:to>
+                                    </p:set>
+                                    <p:animEffect transition="in" filter="fade">
+                                      <p:cBhvr>
+                                        <p:cTn id="7" dur="500"/>
+                                        <p:tgtEl>
+                                          <p:spTgt spid="7">
+                                            <p:txEl>
+                                              <p:pRg st="0" end="0"/>
+                                            </p:txEl>
+                                          </p:spTgt>
+                                        </p:tgtEl>
+                                      </p:cBhvr>
+                                    </p:animEffect>
+                                  </p:childTnLst>
+                                </p:cTn>
+                              </p:par>
+                            </p:childTnLst>
+                          </p:cTn>
+                        </p:par>
+                      </p:childTnLst>
+                    </p:cTn>
+                  </p:par>
+                  <p:par>
+                    <p:cTn id="8" fill="hold">
+                      <p:stCondLst>
+                        <p:cond delay="indefinite"/>
+                      </p:stCondLst>
+                      <p:childTnLst>
+                        <p:par>
+                          <p:cTn id="9" fill="hold">
+                            <p:stCondLst>
+                              <p:cond delay="0"/>
+                            </p:stCondLst>
+                            <p:childTnLst>
+                              <p:par>
+                                <p:cTn id="10" presetID="10" presetClass="entr" presetSubtype="0" fill="hold" grpId="0" nodeType="clickEffect">
+                                  <p:stCondLst>
+                                    <p:cond delay="0"/>
+                                  </p:stCondLst>
+                                  <p:childTnLst>
+                                    <p:set>
+                                      <p:cBhvr>
+                                        <p:cTn id="11" dur="1" fill="hold">
+                                          <p:stCondLst>
+                                            <p:cond delay="0"/>
+                                          </p:stCondLst>
+                                        </p:cTn>
+                                        <p:tgtEl>
+                                          <p:spTgt spid="7">
+                                            <p:txEl>
+                                              <p:pRg st="1" end="1"/>
+                                            </p:txEl>
+                                          </p:spTgt>
+                                        </p:tgtEl>
+                                        <p:attrNameLst>
+                                          <p:attrName>style.visibility</p:attrName>
+                                        </p:attrNameLst>
+                                      </p:cBhvr>
+                                      <p:to>
+                                        <p:strVal val="visible"/>
+                                      </p:to>
+                                    </p:set>
+                                    <p:animEffect transition="in" filter="fade">
+                                      <p:cBhvr>
+                                        <p:cTn id="12" dur="500"/>
+                                        <p:tgtEl>
+                                          <p:spTgt spid="7">
+                                            <p:txEl>
+                                              <p:pRg st="1" end="1"/>
+                                            </p:txEl>
+                                          </p:spTgt>
+                                        </p:tgtEl>
+                                      </p:cBhvr>
+                                    </p:animEffect>
+                                  </p:childTnLst>
+                                </p:cTn>
+                              </p:par>
+                            </p:childTnLst>
+                          </p:cTn>
+                        </p:par>
+                      </p:childTnLst>
+                    </p:cTn>
+                  </p:par>
+                </p:childTnLst>
+              </p:cTn>
+              <p:prevCondLst>
+                <p:cond evt="onPrev" delay="0">
+                  <p:tgtEl>
+                    <p:sldTgt/>
+                  </p:tgtEl>
+                </p:cond>
+              </p:prevCondLst>
+              <p:nextCondLst>
+                <p:cond evt="onNext" delay="0">
+                  <p:tgtEl>
+                    <p:sldTgt/>
+                  </p:tgtEl>
+                </p:cond>
+              </p:nextCondLst>
+            </p:seq>
+          </p:childTnLst>
+        </p:cTn>
+      </p:par>
+    </p:tnLst>
+    <p:bldLst>
+      <p:bldP spid="7" grpId="0" build="p"/>
+    </p:bldLst>
+  </p:timing>
+</p:sld>
+</file>
+
+<file path=ppt/slides/slide12.xml><?xml version="1.0" encoding="utf-8"?>
+<p:sld xmlns:a="http://schemas.openxmlformats.org/drawingml/2006/main" xmlns:r="http://schemas.openxmlformats.org/officeDocument/2006/relationships" xmlns:p="http://schemas.openxmlformats.org/presentationml/2006/main">
+  <p:cSld>
+    <p:bg>
+      <p:bgPr>
+        <a:gradFill>
+          <a:gsLst>
+            <a:gs pos="62000">
+              <a:schemeClr val="accent1">
+                <a:lumMod val="5000"/>
+                <a:lumOff val="95000"/>
+              </a:schemeClr>
+            </a:gs>
+            <a:gs pos="74000">
+              <a:schemeClr val="accent1">
+                <a:lumMod val="45000"/>
+                <a:lumOff val="55000"/>
+              </a:schemeClr>
+            </a:gs>
+            <a:gs pos="83000">
+              <a:schemeClr val="accent1">
+                <a:lumMod val="45000"/>
+                <a:lumOff val="55000"/>
+              </a:schemeClr>
+            </a:gs>
+            <a:gs pos="100000">
+              <a:schemeClr val="accent1">
+                <a:lumMod val="30000"/>
+                <a:lumOff val="70000"/>
+              </a:schemeClr>
+            </a:gs>
+          </a:gsLst>
+          <a:lin ang="5400000" scaled="1"/>
+        </a:gradFill>
+        <a:effectLst/>
+      </p:bgPr>
+    </p:bg>
+    <p:spTree>
+      <p:nvGrpSpPr>
+        <p:cNvPr id="1" name=""/>
+        <p:cNvGrpSpPr/>
+        <p:nvPr/>
+      </p:nvGrpSpPr>
+      <p:grpSpPr>
+        <a:xfrm>
+          <a:off x="0" y="0"/>
+          <a:ext cx="0" cy="0"/>
+          <a:chOff x="0" y="0"/>
+          <a:chExt cx="0" cy="0"/>
+        </a:xfrm>
+      </p:grpSpPr>
+      <p:sp>
+        <p:nvSpPr>
+          <p:cNvPr id="6" name="Title 1"/>
+          <p:cNvSpPr>
+            <a:spLocks noGrp="1"/>
+          </p:cNvSpPr>
+          <p:nvPr>
+            <p:ph type="title"/>
+          </p:nvPr>
+        </p:nvSpPr>
+        <p:spPr>
+          <a:xfrm>
+            <a:off x="457200" y="274638"/>
+            <a:ext cx="8229600" cy="1143000"/>
+          </a:xfrm>
+        </p:spPr>
+        <p:txBody>
+          <a:bodyPr>
+            <a:normAutofit fontScale="90000"/>
+          </a:bodyPr>
+          <a:lstStyle/>
+          <a:p>
+            <a:r>
+              <a:rPr lang="en-US" dirty="0" smtClean="0">
+                <a:solidFill>
+                  <a:srgbClr val="C00000"/>
+                </a:solidFill>
+              </a:rPr>
+              <a:t>Efficiency VS. Coding Difficulties - Java </a:t>
+            </a:r>
+            <a:endParaRPr lang="he-IL" dirty="0">
+              <a:solidFill>
+                <a:srgbClr val="C00000"/>
+              </a:solidFill>
+            </a:endParaRPr>
+          </a:p>
+        </p:txBody>
+      </p:sp>
+      <p:sp>
+        <p:nvSpPr>
+          <p:cNvPr id="8" name="Content Placeholder 2"/>
+          <p:cNvSpPr>
+            <a:spLocks noGrp="1"/>
+          </p:cNvSpPr>
+          <p:nvPr>
+            <p:ph idx="1"/>
+          </p:nvPr>
+        </p:nvSpPr>
+        <p:spPr>
+          <a:xfrm>
+            <a:off x="457200" y="1600200"/>
+            <a:ext cx="8229600" cy="4525963"/>
+          </a:xfrm>
+        </p:spPr>
+        <p:txBody>
+          <a:bodyPr>
+            <a:normAutofit fontScale="92500" lnSpcReduction="10000"/>
+          </a:bodyPr>
+          <a:lstStyle/>
+          <a:p>
+            <a:r>
+              <a:rPr lang="en-US" dirty="0"/>
+              <a:t>T</a:t>
+            </a:r>
+            <a:r>
+              <a:rPr lang="en-US" dirty="0" smtClean="0"/>
+              <a:t>he transaction memory implementations had  an overhead of creating the </a:t>
+            </a:r>
+            <a:r>
+              <a:rPr lang="en-US" dirty="0" err="1" smtClean="0"/>
+              <a:t>updateLT</a:t>
+            </a:r>
+            <a:r>
+              <a:rPr lang="en-US" dirty="0" smtClean="0"/>
+              <a:t>/</a:t>
+            </a:r>
+            <a:r>
+              <a:rPr lang="en-US" dirty="0" err="1" smtClean="0"/>
+              <a:t>removeLT</a:t>
+            </a:r>
+            <a:r>
+              <a:rPr lang="en-US" dirty="0" smtClean="0"/>
+              <a:t> functions. It had good results when the modify part in the application was small. When the modify part was much bigger, transaction had worse results than the global lock.</a:t>
+            </a:r>
+          </a:p>
+          <a:p>
+            <a:r>
+              <a:rPr lang="en-US" dirty="0" smtClean="0"/>
+              <a:t>Global lock was the easiest to implement.</a:t>
+            </a:r>
+          </a:p>
+          <a:p>
+            <a:r>
+              <a:rPr lang="en-US" dirty="0" smtClean="0"/>
+              <a:t>Grained lock was the hardest to implement and seems to have the best results ( or similar to transaction when modification part is small).</a:t>
+            </a:r>
+            <a:endParaRPr lang="he-IL" dirty="0"/>
+          </a:p>
+        </p:txBody>
+      </p:sp>
+    </p:spTree>
+    <p:extLst>
+      <p:ext uri="{BB962C8B-B14F-4D97-AF65-F5344CB8AC3E}">
+        <p14:creationId xmlns:p14="http://schemas.microsoft.com/office/powerpoint/2010/main" val="777660626"/>
+      </p:ext>
+    </p:extLst>
+  </p:cSld>
+  <p:clrMapOvr>
+    <a:masterClrMapping/>
+  </p:clrMapOvr>
+  <p:timing>
+    <p:tnLst>
+      <p:par>
+        <p:cTn id="1" dur="indefinite" restart="never" nodeType="tmRoot">
+          <p:childTnLst>
+            <p:seq concurrent="1" nextAc="seek">
+              <p:cTn id="2" dur="indefinite" nodeType="mainSeq">
+                <p:childTnLst>
+                  <p:par>
+                    <p:cTn id="3" fill="hold">
+                      <p:stCondLst>
+                        <p:cond delay="indefinite"/>
+                      </p:stCondLst>
+                      <p:childTnLst>
+                        <p:par>
+                          <p:cTn id="4" fill="hold">
+                            <p:stCondLst>
+                              <p:cond delay="0"/>
+                            </p:stCondLst>
+                            <p:childTnLst>
+                              <p:par>
+                                <p:cTn id="5" presetID="10" presetClass="entr" presetSubtype="0" fill="hold" grpId="0" nodeType="clickEffect">
+                                  <p:stCondLst>
+                                    <p:cond delay="0"/>
+                                  </p:stCondLst>
+                                  <p:childTnLst>
+                                    <p:set>
+                                      <p:cBhvr>
+                                        <p:cTn id="6" dur="1" fill="hold">
+                                          <p:stCondLst>
+                                            <p:cond delay="0"/>
+                                          </p:stCondLst>
+                                        </p:cTn>
+                                        <p:tgtEl>
+                                          <p:spTgt spid="8">
+                                            <p:txEl>
+                                              <p:pRg st="0" end="0"/>
+                                            </p:txEl>
+                                          </p:spTgt>
+                                        </p:tgtEl>
+                                        <p:attrNameLst>
+                                          <p:attrName>style.visibility</p:attrName>
+                                        </p:attrNameLst>
+                                      </p:cBhvr>
+                                      <p:to>
+                                        <p:strVal val="visible"/>
+                                      </p:to>
+                                    </p:set>
+                                    <p:animEffect transition="in" filter="fade">
+                                      <p:cBhvr>
+                                        <p:cTn id="7" dur="500"/>
+                                        <p:tgtEl>
+                                          <p:spTgt spid="8">
+                                            <p:txEl>
+                                              <p:pRg st="0" end="0"/>
+                                            </p:txEl>
+                                          </p:spTgt>
+                                        </p:tgtEl>
+                                      </p:cBhvr>
+                                    </p:animEffect>
+                                  </p:childTnLst>
+                                </p:cTn>
+                              </p:par>
+                            </p:childTnLst>
+                          </p:cTn>
+                        </p:par>
+                      </p:childTnLst>
+                    </p:cTn>
+                  </p:par>
+                  <p:par>
+                    <p:cTn id="8" fill="hold">
+                      <p:stCondLst>
+                        <p:cond delay="indefinite"/>
+                      </p:stCondLst>
+                      <p:childTnLst>
+                        <p:par>
+                          <p:cTn id="9" fill="hold">
+                            <p:stCondLst>
+                              <p:cond delay="0"/>
+                            </p:stCondLst>
+                            <p:childTnLst>
+                              <p:par>
+                                <p:cTn id="10" presetID="10" presetClass="entr" presetSubtype="0" fill="hold" grpId="0" nodeType="clickEffect">
+                                  <p:stCondLst>
+                                    <p:cond delay="0"/>
+                                  </p:stCondLst>
+                                  <p:childTnLst>
+                                    <p:set>
+                                      <p:cBhvr>
+                                        <p:cTn id="11" dur="1" fill="hold">
+                                          <p:stCondLst>
+                                            <p:cond delay="0"/>
+                                          </p:stCondLst>
+                                        </p:cTn>
+                                        <p:tgtEl>
+                                          <p:spTgt spid="8">
+                                            <p:txEl>
+                                              <p:pRg st="1" end="1"/>
+                                            </p:txEl>
+                                          </p:spTgt>
+                                        </p:tgtEl>
+                                        <p:attrNameLst>
+                                          <p:attrName>style.visibility</p:attrName>
+                                        </p:attrNameLst>
+                                      </p:cBhvr>
+                                      <p:to>
+                                        <p:strVal val="visible"/>
+                                      </p:to>
+                                    </p:set>
+                                    <p:animEffect transition="in" filter="fade">
+                                      <p:cBhvr>
+                                        <p:cTn id="12" dur="500"/>
+                                        <p:tgtEl>
+                                          <p:spTgt spid="8">
+                                            <p:txEl>
+                                              <p:pRg st="1" end="1"/>
+                                            </p:txEl>
+                                          </p:spTgt>
+                                        </p:tgtEl>
+                                      </p:cBhvr>
+                                    </p:animEffect>
+                                  </p:childTnLst>
+                                </p:cTn>
+                              </p:par>
+                            </p:childTnLst>
+                          </p:cTn>
+                        </p:par>
+                      </p:childTnLst>
+                    </p:cTn>
+                  </p:par>
+                  <p:par>
+                    <p:cTn id="13" fill="hold">
+                      <p:stCondLst>
+                        <p:cond delay="indefinite"/>
+                      </p:stCondLst>
+                      <p:childTnLst>
+                        <p:par>
+                          <p:cTn id="14" fill="hold">
+                            <p:stCondLst>
+                              <p:cond delay="0"/>
+                            </p:stCondLst>
+                            <p:childTnLst>
+                              <p:par>
+                                <p:cTn id="15" presetID="10" presetClass="entr" presetSubtype="0" fill="hold" grpId="0" nodeType="clickEffect">
+                                  <p:stCondLst>
+                                    <p:cond delay="0"/>
+                                  </p:stCondLst>
+                                  <p:childTnLst>
+                                    <p:set>
+                                      <p:cBhvr>
+                                        <p:cTn id="16" dur="1" fill="hold">
+                                          <p:stCondLst>
+                                            <p:cond delay="0"/>
+                                          </p:stCondLst>
+                                        </p:cTn>
+                                        <p:tgtEl>
+                                          <p:spTgt spid="8">
+                                            <p:txEl>
+                                              <p:pRg st="2" end="2"/>
+                                            </p:txEl>
+                                          </p:spTgt>
+                                        </p:tgtEl>
+                                        <p:attrNameLst>
+                                          <p:attrName>style.visibility</p:attrName>
+                                        </p:attrNameLst>
+                                      </p:cBhvr>
+                                      <p:to>
+                                        <p:strVal val="visible"/>
+                                      </p:to>
+                                    </p:set>
+                                    <p:animEffect transition="in" filter="fade">
+                                      <p:cBhvr>
+                                        <p:cTn id="17" dur="500"/>
+                                        <p:tgtEl>
+                                          <p:spTgt spid="8">
+                                            <p:txEl>
+                                              <p:pRg st="2" end="2"/>
+                                            </p:txEl>
+                                          </p:spTgt>
+                                        </p:tgtEl>
+                                      </p:cBhvr>
+                                    </p:animEffect>
+                                  </p:childTnLst>
+                                </p:cTn>
+                              </p:par>
+                            </p:childTnLst>
+                          </p:cTn>
+                        </p:par>
+                      </p:childTnLst>
+                    </p:cTn>
+                  </p:par>
+                </p:childTnLst>
+              </p:cTn>
+              <p:prevCondLst>
+                <p:cond evt="onPrev" delay="0">
+                  <p:tgtEl>
+                    <p:sldTgt/>
+                  </p:tgtEl>
+                </p:cond>
+              </p:prevCondLst>
+              <p:nextCondLst>
+                <p:cond evt="onNext" delay="0">
+                  <p:tgtEl>
+                    <p:sldTgt/>
+                  </p:tgtEl>
+                </p:cond>
+              </p:nextCondLst>
+            </p:seq>
+          </p:childTnLst>
+        </p:cTn>
+      </p:par>
+    </p:tnLst>
+    <p:bldLst>
+      <p:bldP spid="8" grpId="0" build="p"/>
+    </p:bldLst>
+  </p:timing>
+</p:sld>
+</file>
+
+<file path=ppt/slides/slide13.xml><?xml version="1.0" encoding="utf-8"?>
+<p:sld xmlns:a="http://schemas.openxmlformats.org/drawingml/2006/main" xmlns:r="http://schemas.openxmlformats.org/officeDocument/2006/relationships" xmlns:p="http://schemas.openxmlformats.org/presentationml/2006/main">
+  <p:cSld>
+    <p:bg>
+      <p:bgPr>
+        <a:gradFill>
+          <a:gsLst>
+            <a:gs pos="62000">
+              <a:schemeClr val="accent1">
+                <a:lumMod val="5000"/>
+                <a:lumOff val="95000"/>
+              </a:schemeClr>
+            </a:gs>
+            <a:gs pos="74000">
+              <a:schemeClr val="accent1">
+                <a:lumMod val="45000"/>
+                <a:lumOff val="55000"/>
+              </a:schemeClr>
+            </a:gs>
+            <a:gs pos="83000">
+              <a:schemeClr val="accent1">
+                <a:lumMod val="45000"/>
+                <a:lumOff val="55000"/>
+              </a:schemeClr>
+            </a:gs>
+            <a:gs pos="100000">
+              <a:schemeClr val="accent1">
+                <a:lumMod val="30000"/>
+                <a:lumOff val="70000"/>
+              </a:schemeClr>
+            </a:gs>
+          </a:gsLst>
+          <a:lin ang="5400000" scaled="1"/>
+        </a:gradFill>
+        <a:effectLst/>
+      </p:bgPr>
+    </p:bg>
+    <p:spTree>
+      <p:nvGrpSpPr>
+        <p:cNvPr id="1" name=""/>
+        <p:cNvGrpSpPr/>
+        <p:nvPr/>
+      </p:nvGrpSpPr>
+      <p:grpSpPr>
+        <a:xfrm>
+          <a:off x="0" y="0"/>
+          <a:ext cx="0" cy="0"/>
+          <a:chOff x="0" y="0"/>
+          <a:chExt cx="0" cy="0"/>
+        </a:xfrm>
+      </p:grpSpPr>
+      <p:sp>
+        <p:nvSpPr>
+          <p:cNvPr id="2" name="Title 1"/>
+          <p:cNvSpPr>
+            <a:spLocks noGrp="1"/>
+          </p:cNvSpPr>
+          <p:nvPr>
+            <p:ph type="title"/>
+          </p:nvPr>
+        </p:nvSpPr>
+        <p:spPr/>
+        <p:txBody>
+          <a:bodyPr>
+            <a:normAutofit fontScale="90000"/>
+          </a:bodyPr>
+          <a:lstStyle/>
+          <a:p>
+            <a:r>
+              <a:rPr lang="en-US" dirty="0" smtClean="0">
+                <a:solidFill>
+                  <a:srgbClr val="C00000"/>
+                </a:solidFill>
+              </a:rPr>
+              <a:t>Differences between “C” and “Java”</a:t>
             </a:r>
             <a:endParaRPr lang="en-US" dirty="0">
               <a:solidFill>
@@ -4257,7 +6316,7 @@
 </p:sld>
 </file>
 
-<file path=ppt/slides/slide11.xml><?xml version="1.0" encoding="utf-8"?>
+<file path=ppt/slides/slide14.xml><?xml version="1.0" encoding="utf-8"?>
 <p:sld xmlns:a="http://schemas.openxmlformats.org/drawingml/2006/main" xmlns:r="http://schemas.openxmlformats.org/officeDocument/2006/relationships" xmlns:p="http://schemas.openxmlformats.org/presentationml/2006/main">
   <p:cSld>
     <p:bg>
@@ -4310,7 +6369,7 @@
       </p:grpSpPr>
       <p:sp>
         <p:nvSpPr>
-          <p:cNvPr id="5" name="Title 1"/>
+          <p:cNvPr id="6" name="Title 1"/>
           <p:cNvSpPr>
             <a:spLocks noGrp="1"/>
           </p:cNvSpPr>
@@ -4325,7 +6384,9 @@
           </a:xfrm>
         </p:spPr>
         <p:txBody>
-          <a:bodyPr/>
+          <a:bodyPr>
+            <a:normAutofit/>
+          </a:bodyPr>
           <a:lstStyle/>
           <a:p>
             <a:r>
@@ -4334,820 +6395,15 @@
                   <a:srgbClr val="C00000"/>
                 </a:solidFill>
               </a:rPr>
-              <a:t>Pitfalls</a:t>
-            </a:r>
-            <a:endParaRPr lang="he-IL" dirty="0">
-              <a:solidFill>
-                <a:srgbClr val="C00000"/>
-              </a:solidFill>
-            </a:endParaRPr>
-          </a:p>
-        </p:txBody>
-      </p:sp>
-      <p:sp>
-        <p:nvSpPr>
-          <p:cNvPr id="7" name="Content Placeholder 2"/>
-          <p:cNvSpPr>
-            <a:spLocks noGrp="1"/>
-          </p:cNvSpPr>
-          <p:nvPr>
-            <p:ph idx="1"/>
-          </p:nvPr>
-        </p:nvSpPr>
-        <p:spPr>
-          <a:xfrm>
-            <a:off x="457200" y="1600200"/>
-            <a:ext cx="8229600" cy="4525963"/>
-          </a:xfrm>
-        </p:spPr>
-        <p:txBody>
-          <a:bodyPr/>
-          <a:lstStyle/>
-          <a:p>
-            <a:r>
-              <a:rPr lang="en-US" dirty="0" smtClean="0"/>
-              <a:t>Memory handling.</a:t>
-            </a:r>
-          </a:p>
-          <a:p>
-            <a:r>
-              <a:rPr lang="en-US" dirty="0" smtClean="0"/>
-              <a:t>No </a:t>
-            </a:r>
-            <a:r>
-              <a:rPr lang="en-US" dirty="0" err="1" smtClean="0"/>
-              <a:t>try,catch</a:t>
-            </a:r>
-            <a:r>
-              <a:rPr lang="en-US" dirty="0" smtClean="0"/>
-              <a:t> &amp; finally in C.</a:t>
-            </a:r>
-          </a:p>
-          <a:p>
-            <a:r>
-              <a:rPr lang="en-US" dirty="0" smtClean="0"/>
-              <a:t>STM vs HTM. STM is more robust and flexible to big transactions. HTM is much more efficient.</a:t>
-            </a:r>
-          </a:p>
-          <a:p>
-            <a:r>
-              <a:rPr lang="en-US" dirty="0" smtClean="0"/>
-              <a:t>Thread debugging. </a:t>
-            </a:r>
-            <a:endParaRPr lang="en-US" dirty="0"/>
-          </a:p>
-        </p:txBody>
-      </p:sp>
-    </p:spTree>
-    <p:extLst>
-      <p:ext uri="{BB962C8B-B14F-4D97-AF65-F5344CB8AC3E}">
-        <p14:creationId xmlns:p14="http://schemas.microsoft.com/office/powerpoint/2010/main" val="1723126659"/>
-      </p:ext>
-    </p:extLst>
-  </p:cSld>
-  <p:clrMapOvr>
-    <a:masterClrMapping/>
-  </p:clrMapOvr>
-  <p:timing>
-    <p:tnLst>
-      <p:par>
-        <p:cTn id="1" dur="indefinite" restart="never" nodeType="tmRoot">
-          <p:childTnLst>
-            <p:seq concurrent="1" nextAc="seek">
-              <p:cTn id="2" dur="indefinite" nodeType="mainSeq">
-                <p:childTnLst>
-                  <p:par>
-                    <p:cTn id="3" fill="hold">
-                      <p:stCondLst>
-                        <p:cond delay="indefinite"/>
-                      </p:stCondLst>
-                      <p:childTnLst>
-                        <p:par>
-                          <p:cTn id="4" fill="hold">
-                            <p:stCondLst>
-                              <p:cond delay="0"/>
-                            </p:stCondLst>
-                            <p:childTnLst>
-                              <p:par>
-                                <p:cTn id="5" presetID="10" presetClass="entr" presetSubtype="0" fill="hold" grpId="0" nodeType="clickEffect">
-                                  <p:stCondLst>
-                                    <p:cond delay="0"/>
-                                  </p:stCondLst>
-                                  <p:childTnLst>
-                                    <p:set>
-                                      <p:cBhvr>
-                                        <p:cTn id="6" dur="1" fill="hold">
-                                          <p:stCondLst>
-                                            <p:cond delay="0"/>
-                                          </p:stCondLst>
-                                        </p:cTn>
-                                        <p:tgtEl>
-                                          <p:spTgt spid="7">
-                                            <p:txEl>
-                                              <p:pRg st="0" end="0"/>
-                                            </p:txEl>
-                                          </p:spTgt>
-                                        </p:tgtEl>
-                                        <p:attrNameLst>
-                                          <p:attrName>style.visibility</p:attrName>
-                                        </p:attrNameLst>
-                                      </p:cBhvr>
-                                      <p:to>
-                                        <p:strVal val="visible"/>
-                                      </p:to>
-                                    </p:set>
-                                    <p:animEffect transition="in" filter="fade">
-                                      <p:cBhvr>
-                                        <p:cTn id="7" dur="500"/>
-                                        <p:tgtEl>
-                                          <p:spTgt spid="7">
-                                            <p:txEl>
-                                              <p:pRg st="0" end="0"/>
-                                            </p:txEl>
-                                          </p:spTgt>
-                                        </p:tgtEl>
-                                      </p:cBhvr>
-                                    </p:animEffect>
-                                  </p:childTnLst>
-                                </p:cTn>
-                              </p:par>
-                            </p:childTnLst>
-                          </p:cTn>
-                        </p:par>
-                      </p:childTnLst>
-                    </p:cTn>
-                  </p:par>
-                  <p:par>
-                    <p:cTn id="8" fill="hold">
-                      <p:stCondLst>
-                        <p:cond delay="indefinite"/>
-                      </p:stCondLst>
-                      <p:childTnLst>
-                        <p:par>
-                          <p:cTn id="9" fill="hold">
-                            <p:stCondLst>
-                              <p:cond delay="0"/>
-                            </p:stCondLst>
-                            <p:childTnLst>
-                              <p:par>
-                                <p:cTn id="10" presetID="10" presetClass="entr" presetSubtype="0" fill="hold" grpId="0" nodeType="clickEffect">
-                                  <p:stCondLst>
-                                    <p:cond delay="0"/>
-                                  </p:stCondLst>
-                                  <p:childTnLst>
-                                    <p:set>
-                                      <p:cBhvr>
-                                        <p:cTn id="11" dur="1" fill="hold">
-                                          <p:stCondLst>
-                                            <p:cond delay="0"/>
-                                          </p:stCondLst>
-                                        </p:cTn>
-                                        <p:tgtEl>
-                                          <p:spTgt spid="7">
-                                            <p:txEl>
-                                              <p:pRg st="1" end="1"/>
-                                            </p:txEl>
-                                          </p:spTgt>
-                                        </p:tgtEl>
-                                        <p:attrNameLst>
-                                          <p:attrName>style.visibility</p:attrName>
-                                        </p:attrNameLst>
-                                      </p:cBhvr>
-                                      <p:to>
-                                        <p:strVal val="visible"/>
-                                      </p:to>
-                                    </p:set>
-                                    <p:animEffect transition="in" filter="fade">
-                                      <p:cBhvr>
-                                        <p:cTn id="12" dur="500"/>
-                                        <p:tgtEl>
-                                          <p:spTgt spid="7">
-                                            <p:txEl>
-                                              <p:pRg st="1" end="1"/>
-                                            </p:txEl>
-                                          </p:spTgt>
-                                        </p:tgtEl>
-                                      </p:cBhvr>
-                                    </p:animEffect>
-                                  </p:childTnLst>
-                                </p:cTn>
-                              </p:par>
-                            </p:childTnLst>
-                          </p:cTn>
-                        </p:par>
-                      </p:childTnLst>
-                    </p:cTn>
-                  </p:par>
-                  <p:par>
-                    <p:cTn id="13" fill="hold">
-                      <p:stCondLst>
-                        <p:cond delay="indefinite"/>
-                      </p:stCondLst>
-                      <p:childTnLst>
-                        <p:par>
-                          <p:cTn id="14" fill="hold">
-                            <p:stCondLst>
-                              <p:cond delay="0"/>
-                            </p:stCondLst>
-                            <p:childTnLst>
-                              <p:par>
-                                <p:cTn id="15" presetID="10" presetClass="entr" presetSubtype="0" fill="hold" grpId="0" nodeType="clickEffect">
-                                  <p:stCondLst>
-                                    <p:cond delay="0"/>
-                                  </p:stCondLst>
-                                  <p:childTnLst>
-                                    <p:set>
-                                      <p:cBhvr>
-                                        <p:cTn id="16" dur="1" fill="hold">
-                                          <p:stCondLst>
-                                            <p:cond delay="0"/>
-                                          </p:stCondLst>
-                                        </p:cTn>
-                                        <p:tgtEl>
-                                          <p:spTgt spid="7">
-                                            <p:txEl>
-                                              <p:pRg st="2" end="2"/>
-                                            </p:txEl>
-                                          </p:spTgt>
-                                        </p:tgtEl>
-                                        <p:attrNameLst>
-                                          <p:attrName>style.visibility</p:attrName>
-                                        </p:attrNameLst>
-                                      </p:cBhvr>
-                                      <p:to>
-                                        <p:strVal val="visible"/>
-                                      </p:to>
-                                    </p:set>
-                                    <p:animEffect transition="in" filter="fade">
-                                      <p:cBhvr>
-                                        <p:cTn id="17" dur="500"/>
-                                        <p:tgtEl>
-                                          <p:spTgt spid="7">
-                                            <p:txEl>
-                                              <p:pRg st="2" end="2"/>
-                                            </p:txEl>
-                                          </p:spTgt>
-                                        </p:tgtEl>
-                                      </p:cBhvr>
-                                    </p:animEffect>
-                                  </p:childTnLst>
-                                </p:cTn>
-                              </p:par>
-                            </p:childTnLst>
-                          </p:cTn>
-                        </p:par>
-                      </p:childTnLst>
-                    </p:cTn>
-                  </p:par>
-                  <p:par>
-                    <p:cTn id="18" fill="hold">
-                      <p:stCondLst>
-                        <p:cond delay="indefinite"/>
-                      </p:stCondLst>
-                      <p:childTnLst>
-                        <p:par>
-                          <p:cTn id="19" fill="hold">
-                            <p:stCondLst>
-                              <p:cond delay="0"/>
-                            </p:stCondLst>
-                            <p:childTnLst>
-                              <p:par>
-                                <p:cTn id="20" presetID="10" presetClass="entr" presetSubtype="0" fill="hold" grpId="0" nodeType="clickEffect">
-                                  <p:stCondLst>
-                                    <p:cond delay="0"/>
-                                  </p:stCondLst>
-                                  <p:childTnLst>
-                                    <p:set>
-                                      <p:cBhvr>
-                                        <p:cTn id="21" dur="1" fill="hold">
-                                          <p:stCondLst>
-                                            <p:cond delay="0"/>
-                                          </p:stCondLst>
-                                        </p:cTn>
-                                        <p:tgtEl>
-                                          <p:spTgt spid="7">
-                                            <p:txEl>
-                                              <p:pRg st="3" end="3"/>
-                                            </p:txEl>
-                                          </p:spTgt>
-                                        </p:tgtEl>
-                                        <p:attrNameLst>
-                                          <p:attrName>style.visibility</p:attrName>
-                                        </p:attrNameLst>
-                                      </p:cBhvr>
-                                      <p:to>
-                                        <p:strVal val="visible"/>
-                                      </p:to>
-                                    </p:set>
-                                    <p:animEffect transition="in" filter="fade">
-                                      <p:cBhvr>
-                                        <p:cTn id="22" dur="500"/>
-                                        <p:tgtEl>
-                                          <p:spTgt spid="7">
-                                            <p:txEl>
-                                              <p:pRg st="3" end="3"/>
-                                            </p:txEl>
-                                          </p:spTgt>
-                                        </p:tgtEl>
-                                      </p:cBhvr>
-                                    </p:animEffect>
-                                  </p:childTnLst>
-                                </p:cTn>
-                              </p:par>
-                            </p:childTnLst>
-                          </p:cTn>
-                        </p:par>
-                      </p:childTnLst>
-                    </p:cTn>
-                  </p:par>
-                </p:childTnLst>
-              </p:cTn>
-              <p:prevCondLst>
-                <p:cond evt="onPrev" delay="0">
-                  <p:tgtEl>
-                    <p:sldTgt/>
-                  </p:tgtEl>
-                </p:cond>
-              </p:prevCondLst>
-              <p:nextCondLst>
-                <p:cond evt="onNext" delay="0">
-                  <p:tgtEl>
-                    <p:sldTgt/>
-                  </p:tgtEl>
-                </p:cond>
-              </p:nextCondLst>
-            </p:seq>
-          </p:childTnLst>
-        </p:cTn>
-      </p:par>
-    </p:tnLst>
-    <p:bldLst>
-      <p:bldP spid="7" grpId="0" build="p"/>
-    </p:bldLst>
-  </p:timing>
-</p:sld>
-</file>
-
-<file path=ppt/slides/slide12.xml><?xml version="1.0" encoding="utf-8"?>
-<p:sld xmlns:a="http://schemas.openxmlformats.org/drawingml/2006/main" xmlns:r="http://schemas.openxmlformats.org/officeDocument/2006/relationships" xmlns:p="http://schemas.openxmlformats.org/presentationml/2006/main">
-  <p:cSld>
-    <p:bg>
-      <p:bgPr>
-        <a:gradFill>
-          <a:gsLst>
-            <a:gs pos="62000">
-              <a:schemeClr val="accent1">
-                <a:lumMod val="5000"/>
-                <a:lumOff val="95000"/>
-              </a:schemeClr>
-            </a:gs>
-            <a:gs pos="74000">
-              <a:schemeClr val="accent1">
-                <a:lumMod val="45000"/>
-                <a:lumOff val="55000"/>
-              </a:schemeClr>
-            </a:gs>
-            <a:gs pos="83000">
-              <a:schemeClr val="accent1">
-                <a:lumMod val="45000"/>
-                <a:lumOff val="55000"/>
-              </a:schemeClr>
-            </a:gs>
-            <a:gs pos="100000">
-              <a:schemeClr val="accent1">
-                <a:lumMod val="30000"/>
-                <a:lumOff val="70000"/>
-              </a:schemeClr>
-            </a:gs>
-          </a:gsLst>
-          <a:lin ang="5400000" scaled="1"/>
-        </a:gradFill>
-        <a:effectLst/>
-      </p:bgPr>
-    </p:bg>
-    <p:spTree>
-      <p:nvGrpSpPr>
-        <p:cNvPr id="1" name=""/>
-        <p:cNvGrpSpPr/>
-        <p:nvPr/>
-      </p:nvGrpSpPr>
-      <p:grpSpPr>
-        <a:xfrm>
-          <a:off x="0" y="0"/>
-          <a:ext cx="0" cy="0"/>
-          <a:chOff x="0" y="0"/>
-          <a:chExt cx="0" cy="0"/>
-        </a:xfrm>
-      </p:grpSpPr>
-      <p:sp>
-        <p:nvSpPr>
-          <p:cNvPr id="6" name="Title 1"/>
-          <p:cNvSpPr>
-            <a:spLocks noGrp="1"/>
-          </p:cNvSpPr>
-          <p:nvPr>
-            <p:ph type="title"/>
-          </p:nvPr>
-        </p:nvSpPr>
-        <p:spPr>
-          <a:xfrm>
-            <a:off x="457200" y="274638"/>
-            <a:ext cx="8229600" cy="1143000"/>
-          </a:xfrm>
-        </p:spPr>
-        <p:txBody>
-          <a:bodyPr>
-            <a:normAutofit fontScale="90000"/>
-          </a:bodyPr>
-          <a:lstStyle/>
-          <a:p>
+              <a:t>Efficiency VS. Coding Difficulties - </a:t>
+            </a:r>
             <a:r>
               <a:rPr lang="en-US" dirty="0" smtClean="0">
                 <a:solidFill>
                   <a:srgbClr val="C00000"/>
                 </a:solidFill>
               </a:rPr>
-              <a:t>Efficiency VS. Coding Difficulties - Java </a:t>
-            </a:r>
-            <a:endParaRPr lang="he-IL" dirty="0">
-              <a:solidFill>
-                <a:srgbClr val="C00000"/>
-              </a:solidFill>
-            </a:endParaRPr>
-          </a:p>
-        </p:txBody>
-      </p:sp>
-      <p:sp>
-        <p:nvSpPr>
-          <p:cNvPr id="8" name="Content Placeholder 2"/>
-          <p:cNvSpPr>
-            <a:spLocks noGrp="1"/>
-          </p:cNvSpPr>
-          <p:nvPr>
-            <p:ph idx="1"/>
-          </p:nvPr>
-        </p:nvSpPr>
-        <p:spPr>
-          <a:xfrm>
-            <a:off x="457200" y="1600200"/>
-            <a:ext cx="8229600" cy="4525963"/>
-          </a:xfrm>
-        </p:spPr>
-        <p:txBody>
-          <a:bodyPr>
-            <a:normAutofit fontScale="92500" lnSpcReduction="10000"/>
-          </a:bodyPr>
-          <a:lstStyle/>
-          <a:p>
-            <a:r>
-              <a:rPr lang="en-US" dirty="0"/>
-              <a:t>T</a:t>
-            </a:r>
-            <a:r>
-              <a:rPr lang="en-US" dirty="0" smtClean="0"/>
-              <a:t>he transaction memory implementations had  an overhead of creating the </a:t>
-            </a:r>
-            <a:r>
-              <a:rPr lang="en-US" dirty="0" err="1" smtClean="0"/>
-              <a:t>updateLT</a:t>
-            </a:r>
-            <a:r>
-              <a:rPr lang="en-US" dirty="0" smtClean="0"/>
-              <a:t>/</a:t>
-            </a:r>
-            <a:r>
-              <a:rPr lang="en-US" dirty="0" err="1" smtClean="0"/>
-              <a:t>removeLT</a:t>
-            </a:r>
-            <a:r>
-              <a:rPr lang="en-US" dirty="0" smtClean="0"/>
-              <a:t> functions. It had good results when the modify part in the application was small. When the modify part was much bigger, transaction had worse results than the global lock.</a:t>
-            </a:r>
-          </a:p>
-          <a:p>
-            <a:r>
-              <a:rPr lang="en-US" dirty="0" smtClean="0"/>
-              <a:t>Global lock was the easiest to implement.</a:t>
-            </a:r>
-          </a:p>
-          <a:p>
-            <a:r>
-              <a:rPr lang="en-US" dirty="0" smtClean="0"/>
-              <a:t>Grained lock was the hardest to implement and seems to have the best results ( or similar to transaction when modification part is small).</a:t>
-            </a:r>
-            <a:endParaRPr lang="he-IL" dirty="0"/>
-          </a:p>
-        </p:txBody>
-      </p:sp>
-    </p:spTree>
-    <p:extLst>
-      <p:ext uri="{BB962C8B-B14F-4D97-AF65-F5344CB8AC3E}">
-        <p14:creationId xmlns:p14="http://schemas.microsoft.com/office/powerpoint/2010/main" val="777660626"/>
-      </p:ext>
-    </p:extLst>
-  </p:cSld>
-  <p:clrMapOvr>
-    <a:masterClrMapping/>
-  </p:clrMapOvr>
-  <p:timing>
-    <p:tnLst>
-      <p:par>
-        <p:cTn id="1" dur="indefinite" restart="never" nodeType="tmRoot">
-          <p:childTnLst>
-            <p:seq concurrent="1" nextAc="seek">
-              <p:cTn id="2" dur="indefinite" nodeType="mainSeq">
-                <p:childTnLst>
-                  <p:par>
-                    <p:cTn id="3" fill="hold">
-                      <p:stCondLst>
-                        <p:cond delay="indefinite"/>
-                      </p:stCondLst>
-                      <p:childTnLst>
-                        <p:par>
-                          <p:cTn id="4" fill="hold">
-                            <p:stCondLst>
-                              <p:cond delay="0"/>
-                            </p:stCondLst>
-                            <p:childTnLst>
-                              <p:par>
-                                <p:cTn id="5" presetID="10" presetClass="entr" presetSubtype="0" fill="hold" grpId="0" nodeType="clickEffect">
-                                  <p:stCondLst>
-                                    <p:cond delay="0"/>
-                                  </p:stCondLst>
-                                  <p:childTnLst>
-                                    <p:set>
-                                      <p:cBhvr>
-                                        <p:cTn id="6" dur="1" fill="hold">
-                                          <p:stCondLst>
-                                            <p:cond delay="0"/>
-                                          </p:stCondLst>
-                                        </p:cTn>
-                                        <p:tgtEl>
-                                          <p:spTgt spid="8">
-                                            <p:txEl>
-                                              <p:pRg st="0" end="0"/>
-                                            </p:txEl>
-                                          </p:spTgt>
-                                        </p:tgtEl>
-                                        <p:attrNameLst>
-                                          <p:attrName>style.visibility</p:attrName>
-                                        </p:attrNameLst>
-                                      </p:cBhvr>
-                                      <p:to>
-                                        <p:strVal val="visible"/>
-                                      </p:to>
-                                    </p:set>
-                                    <p:animEffect transition="in" filter="fade">
-                                      <p:cBhvr>
-                                        <p:cTn id="7" dur="500"/>
-                                        <p:tgtEl>
-                                          <p:spTgt spid="8">
-                                            <p:txEl>
-                                              <p:pRg st="0" end="0"/>
-                                            </p:txEl>
-                                          </p:spTgt>
-                                        </p:tgtEl>
-                                      </p:cBhvr>
-                                    </p:animEffect>
-                                  </p:childTnLst>
-                                </p:cTn>
-                              </p:par>
-                            </p:childTnLst>
-                          </p:cTn>
-                        </p:par>
-                      </p:childTnLst>
-                    </p:cTn>
-                  </p:par>
-                  <p:par>
-                    <p:cTn id="8" fill="hold">
-                      <p:stCondLst>
-                        <p:cond delay="indefinite"/>
-                      </p:stCondLst>
-                      <p:childTnLst>
-                        <p:par>
-                          <p:cTn id="9" fill="hold">
-                            <p:stCondLst>
-                              <p:cond delay="0"/>
-                            </p:stCondLst>
-                            <p:childTnLst>
-                              <p:par>
-                                <p:cTn id="10" presetID="10" presetClass="entr" presetSubtype="0" fill="hold" grpId="0" nodeType="clickEffect">
-                                  <p:stCondLst>
-                                    <p:cond delay="0"/>
-                                  </p:stCondLst>
-                                  <p:childTnLst>
-                                    <p:set>
-                                      <p:cBhvr>
-                                        <p:cTn id="11" dur="1" fill="hold">
-                                          <p:stCondLst>
-                                            <p:cond delay="0"/>
-                                          </p:stCondLst>
-                                        </p:cTn>
-                                        <p:tgtEl>
-                                          <p:spTgt spid="8">
-                                            <p:txEl>
-                                              <p:pRg st="1" end="1"/>
-                                            </p:txEl>
-                                          </p:spTgt>
-                                        </p:tgtEl>
-                                        <p:attrNameLst>
-                                          <p:attrName>style.visibility</p:attrName>
-                                        </p:attrNameLst>
-                                      </p:cBhvr>
-                                      <p:to>
-                                        <p:strVal val="visible"/>
-                                      </p:to>
-                                    </p:set>
-                                    <p:animEffect transition="in" filter="fade">
-                                      <p:cBhvr>
-                                        <p:cTn id="12" dur="500"/>
-                                        <p:tgtEl>
-                                          <p:spTgt spid="8">
-                                            <p:txEl>
-                                              <p:pRg st="1" end="1"/>
-                                            </p:txEl>
-                                          </p:spTgt>
-                                        </p:tgtEl>
-                                      </p:cBhvr>
-                                    </p:animEffect>
-                                  </p:childTnLst>
-                                </p:cTn>
-                              </p:par>
-                            </p:childTnLst>
-                          </p:cTn>
-                        </p:par>
-                      </p:childTnLst>
-                    </p:cTn>
-                  </p:par>
-                  <p:par>
-                    <p:cTn id="13" fill="hold">
-                      <p:stCondLst>
-                        <p:cond delay="indefinite"/>
-                      </p:stCondLst>
-                      <p:childTnLst>
-                        <p:par>
-                          <p:cTn id="14" fill="hold">
-                            <p:stCondLst>
-                              <p:cond delay="0"/>
-                            </p:stCondLst>
-                            <p:childTnLst>
-                              <p:par>
-                                <p:cTn id="15" presetID="10" presetClass="entr" presetSubtype="0" fill="hold" grpId="0" nodeType="clickEffect">
-                                  <p:stCondLst>
-                                    <p:cond delay="0"/>
-                                  </p:stCondLst>
-                                  <p:childTnLst>
-                                    <p:set>
-                                      <p:cBhvr>
-                                        <p:cTn id="16" dur="1" fill="hold">
-                                          <p:stCondLst>
-                                            <p:cond delay="0"/>
-                                          </p:stCondLst>
-                                        </p:cTn>
-                                        <p:tgtEl>
-                                          <p:spTgt spid="8">
-                                            <p:txEl>
-                                              <p:pRg st="2" end="2"/>
-                                            </p:txEl>
-                                          </p:spTgt>
-                                        </p:tgtEl>
-                                        <p:attrNameLst>
-                                          <p:attrName>style.visibility</p:attrName>
-                                        </p:attrNameLst>
-                                      </p:cBhvr>
-                                      <p:to>
-                                        <p:strVal val="visible"/>
-                                      </p:to>
-                                    </p:set>
-                                    <p:animEffect transition="in" filter="fade">
-                                      <p:cBhvr>
-                                        <p:cTn id="17" dur="500"/>
-                                        <p:tgtEl>
-                                          <p:spTgt spid="8">
-                                            <p:txEl>
-                                              <p:pRg st="2" end="2"/>
-                                            </p:txEl>
-                                          </p:spTgt>
-                                        </p:tgtEl>
-                                      </p:cBhvr>
-                                    </p:animEffect>
-                                  </p:childTnLst>
-                                </p:cTn>
-                              </p:par>
-                            </p:childTnLst>
-                          </p:cTn>
-                        </p:par>
-                      </p:childTnLst>
-                    </p:cTn>
-                  </p:par>
-                </p:childTnLst>
-              </p:cTn>
-              <p:prevCondLst>
-                <p:cond evt="onPrev" delay="0">
-                  <p:tgtEl>
-                    <p:sldTgt/>
-                  </p:tgtEl>
-                </p:cond>
-              </p:prevCondLst>
-              <p:nextCondLst>
-                <p:cond evt="onNext" delay="0">
-                  <p:tgtEl>
-                    <p:sldTgt/>
-                  </p:tgtEl>
-                </p:cond>
-              </p:nextCondLst>
-            </p:seq>
-          </p:childTnLst>
-        </p:cTn>
-      </p:par>
-    </p:tnLst>
-    <p:bldLst>
-      <p:bldP spid="8" grpId="0" build="p"/>
-    </p:bldLst>
-  </p:timing>
-</p:sld>
-</file>
-
-<file path=ppt/slides/slide13.xml><?xml version="1.0" encoding="utf-8"?>
-<p:sld xmlns:a="http://schemas.openxmlformats.org/drawingml/2006/main" xmlns:r="http://schemas.openxmlformats.org/officeDocument/2006/relationships" xmlns:p="http://schemas.openxmlformats.org/presentationml/2006/main">
-  <p:cSld>
-    <p:bg>
-      <p:bgPr>
-        <a:gradFill>
-          <a:gsLst>
-            <a:gs pos="62000">
-              <a:schemeClr val="accent1">
-                <a:lumMod val="5000"/>
-                <a:lumOff val="95000"/>
-              </a:schemeClr>
-            </a:gs>
-            <a:gs pos="74000">
-              <a:schemeClr val="accent1">
-                <a:lumMod val="45000"/>
-                <a:lumOff val="55000"/>
-              </a:schemeClr>
-            </a:gs>
-            <a:gs pos="83000">
-              <a:schemeClr val="accent1">
-                <a:lumMod val="45000"/>
-                <a:lumOff val="55000"/>
-              </a:schemeClr>
-            </a:gs>
-            <a:gs pos="100000">
-              <a:schemeClr val="accent1">
-                <a:lumMod val="30000"/>
-                <a:lumOff val="70000"/>
-              </a:schemeClr>
-            </a:gs>
-          </a:gsLst>
-          <a:lin ang="5400000" scaled="1"/>
-        </a:gradFill>
-        <a:effectLst/>
-      </p:bgPr>
-    </p:bg>
-    <p:spTree>
-      <p:nvGrpSpPr>
-        <p:cNvPr id="1" name=""/>
-        <p:cNvGrpSpPr/>
-        <p:nvPr/>
-      </p:nvGrpSpPr>
-      <p:grpSpPr>
-        <a:xfrm>
-          <a:off x="0" y="0"/>
-          <a:ext cx="0" cy="0"/>
-          <a:chOff x="0" y="0"/>
-          <a:chExt cx="0" cy="0"/>
-        </a:xfrm>
-      </p:grpSpPr>
-      <p:sp>
-        <p:nvSpPr>
-          <p:cNvPr id="6" name="Title 1"/>
-          <p:cNvSpPr>
-            <a:spLocks noGrp="1"/>
-          </p:cNvSpPr>
-          <p:nvPr>
-            <p:ph type="title"/>
-          </p:nvPr>
-        </p:nvSpPr>
-        <p:spPr>
-          <a:xfrm>
-            <a:off x="457200" y="274638"/>
-            <a:ext cx="8229600" cy="1143000"/>
-          </a:xfrm>
-        </p:spPr>
-        <p:txBody>
-          <a:bodyPr>
-            <a:normAutofit fontScale="90000"/>
-          </a:bodyPr>
-          <a:lstStyle/>
-          <a:p>
-            <a:r>
-              <a:rPr lang="en-US" dirty="0" smtClean="0">
-                <a:solidFill>
-                  <a:srgbClr val="C00000"/>
-                </a:solidFill>
-              </a:rPr>
-              <a:t>Efficiency VS. Coding Difficulties - Java </a:t>
+              <a:t>C</a:t>
             </a:r>
             <a:endParaRPr lang="he-IL" dirty="0">
               <a:solidFill>
@@ -5437,13 +6693,13 @@
 </p:sld>
 </file>
 
-<file path=ppt/slides/slide14.xml><?xml version="1.0" encoding="utf-8"?>
+<file path=ppt/slides/slide15.xml><?xml version="1.0" encoding="utf-8"?>
 <p:sld xmlns:a="http://schemas.openxmlformats.org/drawingml/2006/main" xmlns:r="http://schemas.openxmlformats.org/officeDocument/2006/relationships" xmlns:p="http://schemas.openxmlformats.org/presentationml/2006/main">
   <p:cSld>
     <p:bg>
       <p:bgPr>
         <a:blipFill dpi="0" rotWithShape="1">
-          <a:blip r:embed="rId2">
+          <a:blip r:embed="rId3">
             <a:lum/>
           </a:blip>
           <a:srcRect/>
@@ -5944,7 +7200,7 @@
           <p:nvPr/>
         </p:nvPicPr>
         <p:blipFill>
-          <a:blip r:embed="rId2"/>
+          <a:blip r:embed="rId3"/>
           <a:stretch>
             <a:fillRect/>
           </a:stretch>
@@ -6915,7 +8171,7 @@
           </p:nvPr>
         </p:nvPicPr>
         <p:blipFill>
-          <a:blip r:embed="rId2"/>
+          <a:blip r:embed="rId3"/>
           <a:stretch>
             <a:fillRect/>
           </a:stretch>
@@ -7259,7 +8515,7 @@
           <p:nvPr/>
         </p:nvPicPr>
         <p:blipFill>
-          <a:blip r:embed="rId2"/>
+          <a:blip r:embed="rId3"/>
           <a:stretch>
             <a:fillRect/>
           </a:stretch>
@@ -7378,7 +8634,6 @@
               <a:rPr lang="en-US" dirty="0"/>
               <a:t>[0] </a:t>
             </a:r>
-            <a:endParaRPr lang="en-US" dirty="0"/>
           </a:p>
         </p:txBody>
       </p:sp>
@@ -7519,43 +8774,19 @@
           <a:p>
             <a:r>
               <a:rPr lang="en-US" dirty="0" smtClean="0"/>
-              <a:t>In </a:t>
-            </a:r>
+              <a:t>In the grained locking mechanism the locks move from the API functions to the individual nodes themselves.</a:t>
+            </a:r>
+          </a:p>
+          <a:p>
             <a:r>
               <a:rPr lang="en-US" dirty="0" smtClean="0"/>
-              <a:t>the grained locking mechanism the locks move from the API functions to the individual nodes themselves.</a:t>
+              <a:t>Only the nodes that are changed (by the update or remove functions) and their predecessors are actually locked.</a:t>
             </a:r>
           </a:p>
           <a:p>
             <a:r>
               <a:rPr lang="en-US" dirty="0" smtClean="0"/>
-              <a:t>Only the nodes that </a:t>
-            </a:r>
-            <a:r>
-              <a:rPr lang="en-US" dirty="0" smtClean="0"/>
-              <a:t>are changed </a:t>
-            </a:r>
-            <a:r>
-              <a:rPr lang="en-US" dirty="0" smtClean="0"/>
-              <a:t>(by the update or remove functions) </a:t>
-            </a:r>
-            <a:r>
-              <a:rPr lang="en-US" dirty="0" smtClean="0"/>
-              <a:t>and their predecessors are </a:t>
-            </a:r>
-            <a:r>
-              <a:rPr lang="en-US" dirty="0" smtClean="0"/>
-              <a:t>actually locked.</a:t>
-            </a:r>
-          </a:p>
-          <a:p>
-            <a:r>
-              <a:rPr lang="en-US" dirty="0" smtClean="0"/>
-              <a:t>The lookup functions checks the “live” fields instead of using </a:t>
-            </a:r>
-            <a:r>
-              <a:rPr lang="en-US" dirty="0" smtClean="0"/>
-              <a:t>locks</a:t>
+              <a:t>The lookup functions checks the “live” fields instead of using locks</a:t>
             </a:r>
             <a:r>
               <a:rPr lang="en-US" dirty="0"/>
@@ -8241,15 +9472,7 @@
                   <a:srgbClr val="C00000"/>
                 </a:solidFill>
               </a:rPr>
-              <a:t>Our </a:t>
-            </a:r>
-            <a:r>
-              <a:rPr lang="en-US" dirty="0" smtClean="0">
-                <a:solidFill>
-                  <a:srgbClr val="C00000"/>
-                </a:solidFill>
-              </a:rPr>
-              <a:t>improvement</a:t>
+              <a:t>Our improvement</a:t>
             </a:r>
             <a:endParaRPr lang="en-US" dirty="0">
               <a:solidFill>
@@ -8288,15 +9511,7 @@
           <a:p>
             <a:r>
               <a:rPr lang="en-US" dirty="0" smtClean="0"/>
-              <a:t>In the “c” module </a:t>
-            </a:r>
-            <a:r>
-              <a:rPr lang="en-US" dirty="0" smtClean="0"/>
-              <a:t>the hardware </a:t>
-            </a:r>
-            <a:r>
-              <a:rPr lang="en-US" dirty="0" smtClean="0"/>
-              <a:t>transactional code didn’t work before improvement.</a:t>
+              <a:t>In the “c” module the hardware transactional code didn’t work before improvement.</a:t>
             </a:r>
             <a:endParaRPr lang="en-US" dirty="0"/>
           </a:p>
